--- a/Beginner/Day 3/Rocket Motors.pptx
+++ b/Beginner/Day 3/Rocket Motors.pptx
@@ -5,44 +5,45 @@
     <p:sldMasterId id="2147483685" r:id="rId1"/>
   </p:sldMasterIdLst>
   <p:notesMasterIdLst>
-    <p:notesMasterId r:id="rId9"/>
+    <p:notesMasterId r:id="rId10"/>
   </p:notesMasterIdLst>
   <p:sldIdLst>
     <p:sldId id="256" r:id="rId2"/>
     <p:sldId id="259" r:id="rId3"/>
     <p:sldId id="258" r:id="rId4"/>
-    <p:sldId id="263" r:id="rId5"/>
-    <p:sldId id="294" r:id="rId6"/>
-    <p:sldId id="293" r:id="rId7"/>
-    <p:sldId id="262" r:id="rId8"/>
+    <p:sldId id="262" r:id="rId5"/>
+    <p:sldId id="263" r:id="rId6"/>
+    <p:sldId id="294" r:id="rId7"/>
+    <p:sldId id="295" r:id="rId8"/>
+    <p:sldId id="293" r:id="rId9"/>
   </p:sldIdLst>
   <p:sldSz cx="9144000" cy="5143500" type="screen16x9"/>
   <p:notesSz cx="6858000" cy="9144000"/>
   <p:embeddedFontLst>
     <p:embeddedFont>
       <p:font typeface="Anek Devanagari ExtraBold" panose="020B0604020202020204" charset="0"/>
-      <p:bold r:id="rId10"/>
+      <p:bold r:id="rId11"/>
     </p:embeddedFont>
     <p:embeddedFont>
       <p:font typeface="Chivo" panose="020B0604020202020204" charset="0"/>
-      <p:regular r:id="rId11"/>
-      <p:bold r:id="rId12"/>
-      <p:italic r:id="rId13"/>
-      <p:boldItalic r:id="rId14"/>
+      <p:regular r:id="rId12"/>
+      <p:bold r:id="rId13"/>
+      <p:italic r:id="rId14"/>
+      <p:boldItalic r:id="rId15"/>
     </p:embeddedFont>
     <p:embeddedFont>
       <p:font typeface="Fredoka One" panose="02000000000000000000" pitchFamily="2" charset="0"/>
-      <p:regular r:id="rId15"/>
+      <p:regular r:id="rId16"/>
     </p:embeddedFont>
     <p:embeddedFont>
       <p:font typeface="Palanquin Dark" panose="020B0604020202020204" charset="0"/>
-      <p:regular r:id="rId16"/>
-      <p:bold r:id="rId17"/>
+      <p:regular r:id="rId17"/>
+      <p:bold r:id="rId18"/>
     </p:embeddedFont>
     <p:embeddedFont>
       <p:font typeface="Roboto Condensed Light" panose="02000000000000000000" pitchFamily="2" charset="0"/>
-      <p:regular r:id="rId18"/>
-      <p:italic r:id="rId19"/>
+      <p:regular r:id="rId19"/>
+      <p:italic r:id="rId20"/>
     </p:embeddedFont>
   </p:embeddedFontLst>
   <p:defaultTextStyle>
@@ -1048,7 +1049,7 @@
   <p:cSld>
     <p:spTree>
       <p:nvGrpSpPr>
-        <p:cNvPr id="1" name="Shape 1221"/>
+        <p:cNvPr id="1" name="Shape 1212"/>
         <p:cNvGrpSpPr/>
         <p:nvPr/>
       </p:nvGrpSpPr>
@@ -1062,7 +1063,7 @@
       </p:grpSpPr>
       <p:sp>
         <p:nvSpPr>
-          <p:cNvPr id="1222" name="Google Shape;1222;g1ff189cb9ef_0_207:notes"/>
+          <p:cNvPr id="1213" name="Google Shape;1213;g877b642fd3_0_290:notes"/>
           <p:cNvSpPr>
             <a:spLocks noGrp="1" noRot="1" noChangeAspect="1"/>
           </p:cNvSpPr>
@@ -1103,7 +1104,7 @@
       </p:sp>
       <p:sp>
         <p:nvSpPr>
-          <p:cNvPr id="1223" name="Google Shape;1223;g1ff189cb9ef_0_207:notes"/>
+          <p:cNvPr id="1214" name="Google Shape;1214;g877b642fd3_0_290:notes"/>
           <p:cNvSpPr txBox="1">
             <a:spLocks noGrp="1"/>
           </p:cNvSpPr>
@@ -1239,16 +1240,15 @@
               </a:spcAft>
               <a:buNone/>
             </a:pPr>
-            <a:endParaRPr/>
+            <a:r>
+              <a:rPr lang="en-US" dirty="0"/>
+              <a:t>Importance of nozzles </a:t>
+            </a:r>
+            <a:endParaRPr dirty="0"/>
           </a:p>
         </p:txBody>
       </p:sp>
     </p:spTree>
-    <p:extLst>
-      <p:ext uri="{BB962C8B-B14F-4D97-AF65-F5344CB8AC3E}">
-        <p14:creationId xmlns:p14="http://schemas.microsoft.com/office/powerpoint/2010/main" val="1624419972"/>
-      </p:ext>
-    </p:extLst>
   </p:cSld>
   <p:clrMapOvr>
     <a:masterClrMapping/>
@@ -1355,7 +1355,7 @@
     </p:spTree>
     <p:extLst>
       <p:ext uri="{BB962C8B-B14F-4D97-AF65-F5344CB8AC3E}">
-        <p14:creationId xmlns:p14="http://schemas.microsoft.com/office/powerpoint/2010/main" val="948030704"/>
+        <p14:creationId xmlns:p14="http://schemas.microsoft.com/office/powerpoint/2010/main" val="1624419972"/>
       </p:ext>
     </p:extLst>
   </p:cSld>
@@ -1457,11 +1457,129 @@
               </a:spcAft>
               <a:buNone/>
             </a:pPr>
+            <a:r>
+              <a:rPr lang="en-US" dirty="0"/>
+              <a:t>However, to get higher thrust, the hollow core is used. This increases the surface area of the propellants available for burning. The propellants burn from the inside out at a much higher rate, sending mass out the nozzle at a higher rate and speed. This typically results in greater thrust. </a:t>
+            </a:r>
+            <a:endParaRPr dirty="0"/>
+          </a:p>
+        </p:txBody>
+      </p:sp>
+    </p:spTree>
+    <p:extLst>
+      <p:ext uri="{BB962C8B-B14F-4D97-AF65-F5344CB8AC3E}">
+        <p14:creationId xmlns:p14="http://schemas.microsoft.com/office/powerpoint/2010/main" val="2134050359"/>
+      </p:ext>
+    </p:extLst>
+  </p:cSld>
+  <p:clrMapOvr>
+    <a:masterClrMapping/>
+  </p:clrMapOvr>
+</p:notes>
+</file>
+
+<file path=ppt/notesSlides/notesSlide8.xml><?xml version="1.0" encoding="utf-8"?>
+<p:notes xmlns:a="http://schemas.openxmlformats.org/drawingml/2006/main" xmlns:r="http://schemas.openxmlformats.org/officeDocument/2006/relationships" xmlns:p="http://schemas.openxmlformats.org/presentationml/2006/main" showMasterSp="0" showMasterPhAnim="0">
+  <p:cSld>
+    <p:spTree>
+      <p:nvGrpSpPr>
+        <p:cNvPr id="1" name="Shape 1221"/>
+        <p:cNvGrpSpPr/>
+        <p:nvPr/>
+      </p:nvGrpSpPr>
+      <p:grpSpPr>
+        <a:xfrm>
+          <a:off x="0" y="0"/>
+          <a:ext cx="0" cy="0"/>
+          <a:chOff x="0" y="0"/>
+          <a:chExt cx="0" cy="0"/>
+        </a:xfrm>
+      </p:grpSpPr>
+      <p:sp>
+        <p:nvSpPr>
+          <p:cNvPr id="1222" name="Google Shape;1222;g1ff189cb9ef_0_207:notes"/>
+          <p:cNvSpPr>
+            <a:spLocks noGrp="1" noRot="1" noChangeAspect="1"/>
+          </p:cNvSpPr>
+          <p:nvPr>
+            <p:ph type="sldImg" idx="2"/>
+          </p:nvPr>
+        </p:nvSpPr>
+        <p:spPr>
+          <a:xfrm>
+            <a:off x="381000" y="685800"/>
+            <a:ext cx="6096000" cy="3429000"/>
+          </a:xfrm>
+          <a:custGeom>
+            <a:avLst/>
+            <a:gdLst/>
+            <a:ahLst/>
+            <a:cxnLst/>
+            <a:rect l="l" t="t" r="r" b="b"/>
+            <a:pathLst>
+              <a:path w="120000" h="120000" extrusionOk="0">
+                <a:moveTo>
+                  <a:pt x="0" y="0"/>
+                </a:moveTo>
+                <a:lnTo>
+                  <a:pt x="120000" y="0"/>
+                </a:lnTo>
+                <a:lnTo>
+                  <a:pt x="120000" y="120000"/>
+                </a:lnTo>
+                <a:lnTo>
+                  <a:pt x="0" y="120000"/>
+                </a:lnTo>
+                <a:close/>
+              </a:path>
+            </a:pathLst>
+          </a:custGeom>
+        </p:spPr>
+      </p:sp>
+      <p:sp>
+        <p:nvSpPr>
+          <p:cNvPr id="1223" name="Google Shape;1223;g1ff189cb9ef_0_207:notes"/>
+          <p:cNvSpPr txBox="1">
+            <a:spLocks noGrp="1"/>
+          </p:cNvSpPr>
+          <p:nvPr>
+            <p:ph type="body" idx="1"/>
+          </p:nvPr>
+        </p:nvSpPr>
+        <p:spPr>
+          <a:xfrm>
+            <a:off x="685800" y="4343400"/>
+            <a:ext cx="5486400" cy="4114800"/>
+          </a:xfrm>
+          <a:prstGeom prst="rect">
+            <a:avLst/>
+          </a:prstGeom>
+        </p:spPr>
+        <p:txBody>
+          <a:bodyPr spcFirstLastPara="1" wrap="square" lIns="91425" tIns="91425" rIns="91425" bIns="91425" anchor="t" anchorCtr="0">
+            <a:noAutofit/>
+          </a:bodyPr>
+          <a:lstStyle/>
+          <a:p>
+            <a:pPr marL="0" lvl="0" indent="0" algn="l" rtl="0">
+              <a:spcBef>
+                <a:spcPts val="0"/>
+              </a:spcBef>
+              <a:spcAft>
+                <a:spcPts val="0"/>
+              </a:spcAft>
+              <a:buNone/>
+            </a:pPr>
             <a:endParaRPr/>
           </a:p>
         </p:txBody>
       </p:sp>
     </p:spTree>
+    <p:extLst>
+      <p:ext uri="{BB962C8B-B14F-4D97-AF65-F5344CB8AC3E}">
+        <p14:creationId xmlns:p14="http://schemas.microsoft.com/office/powerpoint/2010/main" val="948030704"/>
+      </p:ext>
+    </p:extLst>
   </p:cSld>
   <p:clrMapOvr>
     <a:masterClrMapping/>
@@ -24991,502 +25109,6 @@
   <p:cSld>
     <p:spTree>
       <p:nvGrpSpPr>
-        <p:cNvPr id="1" name="Shape 1224"/>
-        <p:cNvGrpSpPr/>
-        <p:nvPr/>
-      </p:nvGrpSpPr>
-      <p:grpSpPr>
-        <a:xfrm>
-          <a:off x="0" y="0"/>
-          <a:ext cx="0" cy="0"/>
-          <a:chOff x="0" y="0"/>
-          <a:chExt cx="0" cy="0"/>
-        </a:xfrm>
-      </p:grpSpPr>
-      <p:sp>
-        <p:nvSpPr>
-          <p:cNvPr id="1226" name="Google Shape;1226;p47"/>
-          <p:cNvSpPr txBox="1">
-            <a:spLocks noGrp="1"/>
-          </p:cNvSpPr>
-          <p:nvPr>
-            <p:ph type="title"/>
-          </p:nvPr>
-        </p:nvSpPr>
-        <p:spPr>
-          <a:xfrm>
-            <a:off x="720000" y="387600"/>
-            <a:ext cx="7704000" cy="592200"/>
-          </a:xfrm>
-          <a:prstGeom prst="rect">
-            <a:avLst/>
-          </a:prstGeom>
-        </p:spPr>
-        <p:txBody>
-          <a:bodyPr spcFirstLastPara="1" wrap="square" lIns="91425" tIns="91425" rIns="91425" bIns="91425" anchor="t" anchorCtr="0">
-            <a:noAutofit/>
-          </a:bodyPr>
-          <a:lstStyle/>
-          <a:p>
-            <a:pPr marL="0" lvl="0" indent="0" algn="l" rtl="0">
-              <a:spcBef>
-                <a:spcPts val="0"/>
-              </a:spcBef>
-              <a:spcAft>
-                <a:spcPts val="0"/>
-              </a:spcAft>
-              <a:buNone/>
-            </a:pPr>
-            <a:r>
-              <a:rPr lang="en"/>
-              <a:t>Solid Propulsion</a:t>
-            </a:r>
-            <a:endParaRPr dirty="0"/>
-          </a:p>
-        </p:txBody>
-      </p:sp>
-      <p:sp>
-        <p:nvSpPr>
-          <p:cNvPr id="1236" name="Google Shape;1236;p47"/>
-          <p:cNvSpPr/>
-          <p:nvPr/>
-        </p:nvSpPr>
-        <p:spPr>
-          <a:xfrm>
-            <a:off x="825075" y="1021550"/>
-            <a:ext cx="3180300" cy="78600"/>
-          </a:xfrm>
-          <a:prstGeom prst="roundRect">
-            <a:avLst>
-              <a:gd name="adj" fmla="val 50000"/>
-            </a:avLst>
-          </a:prstGeom>
-          <a:gradFill>
-            <a:gsLst>
-              <a:gs pos="0">
-                <a:srgbClr val="FFFFFF">
-                  <a:alpha val="0"/>
-                </a:srgbClr>
-              </a:gs>
-              <a:gs pos="100000">
-                <a:srgbClr val="FFFFFF">
-                  <a:alpha val="56078"/>
-                </a:srgbClr>
-              </a:gs>
-            </a:gsLst>
-            <a:lin ang="0" scaled="0"/>
-          </a:gradFill>
-          <a:ln>
-            <a:noFill/>
-          </a:ln>
-        </p:spPr>
-        <p:txBody>
-          <a:bodyPr spcFirstLastPara="1" wrap="square" lIns="91425" tIns="91425" rIns="91425" bIns="91425" anchor="ctr" anchorCtr="0">
-            <a:noAutofit/>
-          </a:bodyPr>
-          <a:lstStyle/>
-          <a:p>
-            <a:pPr marL="0" lvl="0" indent="0" algn="l" rtl="0">
-              <a:spcBef>
-                <a:spcPts val="0"/>
-              </a:spcBef>
-              <a:spcAft>
-                <a:spcPts val="0"/>
-              </a:spcAft>
-              <a:buNone/>
-            </a:pPr>
-            <a:endParaRPr/>
-          </a:p>
-        </p:txBody>
-      </p:sp>
-      <p:pic>
-        <p:nvPicPr>
-          <p:cNvPr id="2050" name="Picture 2" descr="Solid Fuel Rocket Diagram">
-            <a:extLst>
-              <a:ext uri="{FF2B5EF4-FFF2-40B4-BE49-F238E27FC236}">
-                <a16:creationId xmlns:a16="http://schemas.microsoft.com/office/drawing/2014/main" id="{B16245CF-8405-11BB-AF6A-69AF2BEC38BB}"/>
-              </a:ext>
-            </a:extLst>
-          </p:cNvPr>
-          <p:cNvPicPr>
-            <a:picLocks noChangeAspect="1" noChangeArrowheads="1"/>
-          </p:cNvPicPr>
-          <p:nvPr/>
-        </p:nvPicPr>
-        <p:blipFill>
-          <a:blip r:embed="rId3">
-            <a:extLst>
-              <a:ext uri="{28A0092B-C50C-407E-A947-70E740481C1C}">
-                <a14:useLocalDpi xmlns:a14="http://schemas.microsoft.com/office/drawing/2010/main" val="0"/>
-              </a:ext>
-            </a:extLst>
-          </a:blip>
-          <a:srcRect/>
-          <a:stretch>
-            <a:fillRect/>
-          </a:stretch>
-        </p:blipFill>
-        <p:spPr bwMode="auto">
-          <a:xfrm>
-            <a:off x="1252105" y="1171575"/>
-            <a:ext cx="1714500" cy="3486150"/>
-          </a:xfrm>
-          <a:prstGeom prst="rect">
-            <a:avLst/>
-          </a:prstGeom>
-          <a:noFill/>
-          <a:extLst>
-            <a:ext uri="{909E8E84-426E-40DD-AFC4-6F175D3DCCD1}">
-              <a14:hiddenFill xmlns:a14="http://schemas.microsoft.com/office/drawing/2010/main">
-                <a:solidFill>
-                  <a:srgbClr val="FFFFFF"/>
-                </a:solidFill>
-              </a14:hiddenFill>
-            </a:ext>
-          </a:extLst>
-        </p:spPr>
-      </p:pic>
-    </p:spTree>
-  </p:cSld>
-  <p:clrMapOvr>
-    <a:masterClrMapping/>
-  </p:clrMapOvr>
-</p:sld>
-</file>
-
-<file path=ppt/slides/slide5.xml><?xml version="1.0" encoding="utf-8"?>
-<p:sld xmlns:a="http://schemas.openxmlformats.org/drawingml/2006/main" xmlns:r="http://schemas.openxmlformats.org/officeDocument/2006/relationships" xmlns:p="http://schemas.openxmlformats.org/presentationml/2006/main">
-  <p:cSld>
-    <p:spTree>
-      <p:nvGrpSpPr>
-        <p:cNvPr id="1" name="Shape 1224"/>
-        <p:cNvGrpSpPr/>
-        <p:nvPr/>
-      </p:nvGrpSpPr>
-      <p:grpSpPr>
-        <a:xfrm>
-          <a:off x="0" y="0"/>
-          <a:ext cx="0" cy="0"/>
-          <a:chOff x="0" y="0"/>
-          <a:chExt cx="0" cy="0"/>
-        </a:xfrm>
-      </p:grpSpPr>
-      <p:sp>
-        <p:nvSpPr>
-          <p:cNvPr id="1226" name="Google Shape;1226;p47"/>
-          <p:cNvSpPr txBox="1">
-            <a:spLocks noGrp="1"/>
-          </p:cNvSpPr>
-          <p:nvPr>
-            <p:ph type="title"/>
-          </p:nvPr>
-        </p:nvSpPr>
-        <p:spPr>
-          <a:xfrm>
-            <a:off x="720000" y="387600"/>
-            <a:ext cx="7704000" cy="592200"/>
-          </a:xfrm>
-          <a:prstGeom prst="rect">
-            <a:avLst/>
-          </a:prstGeom>
-        </p:spPr>
-        <p:txBody>
-          <a:bodyPr spcFirstLastPara="1" wrap="square" lIns="91425" tIns="91425" rIns="91425" bIns="91425" anchor="t" anchorCtr="0">
-            <a:noAutofit/>
-          </a:bodyPr>
-          <a:lstStyle/>
-          <a:p>
-            <a:pPr marL="0" lvl="0" indent="0" algn="l" rtl="0">
-              <a:spcBef>
-                <a:spcPts val="0"/>
-              </a:spcBef>
-              <a:spcAft>
-                <a:spcPts val="0"/>
-              </a:spcAft>
-              <a:buNone/>
-            </a:pPr>
-            <a:r>
-              <a:rPr lang="en" dirty="0"/>
-              <a:t>Liquid Propulsion</a:t>
-            </a:r>
-            <a:endParaRPr dirty="0"/>
-          </a:p>
-        </p:txBody>
-      </p:sp>
-      <p:sp>
-        <p:nvSpPr>
-          <p:cNvPr id="1236" name="Google Shape;1236;p47"/>
-          <p:cNvSpPr/>
-          <p:nvPr/>
-        </p:nvSpPr>
-        <p:spPr>
-          <a:xfrm>
-            <a:off x="825075" y="1021550"/>
-            <a:ext cx="3180300" cy="78600"/>
-          </a:xfrm>
-          <a:prstGeom prst="roundRect">
-            <a:avLst>
-              <a:gd name="adj" fmla="val 50000"/>
-            </a:avLst>
-          </a:prstGeom>
-          <a:gradFill>
-            <a:gsLst>
-              <a:gs pos="0">
-                <a:srgbClr val="FFFFFF">
-                  <a:alpha val="0"/>
-                </a:srgbClr>
-              </a:gs>
-              <a:gs pos="100000">
-                <a:srgbClr val="FFFFFF">
-                  <a:alpha val="56078"/>
-                </a:srgbClr>
-              </a:gs>
-            </a:gsLst>
-            <a:lin ang="0" scaled="0"/>
-          </a:gradFill>
-          <a:ln>
-            <a:noFill/>
-          </a:ln>
-        </p:spPr>
-        <p:txBody>
-          <a:bodyPr spcFirstLastPara="1" wrap="square" lIns="91425" tIns="91425" rIns="91425" bIns="91425" anchor="ctr" anchorCtr="0">
-            <a:noAutofit/>
-          </a:bodyPr>
-          <a:lstStyle/>
-          <a:p>
-            <a:pPr marL="0" lvl="0" indent="0" algn="l" rtl="0">
-              <a:spcBef>
-                <a:spcPts val="0"/>
-              </a:spcBef>
-              <a:spcAft>
-                <a:spcPts val="0"/>
-              </a:spcAft>
-              <a:buNone/>
-            </a:pPr>
-            <a:endParaRPr/>
-          </a:p>
-        </p:txBody>
-      </p:sp>
-      <p:pic>
-        <p:nvPicPr>
-          <p:cNvPr id="3" name="Picture 2">
-            <a:extLst>
-              <a:ext uri="{FF2B5EF4-FFF2-40B4-BE49-F238E27FC236}">
-                <a16:creationId xmlns:a16="http://schemas.microsoft.com/office/drawing/2014/main" id="{7704A297-066E-F9FB-1DAE-6DF464948D47}"/>
-              </a:ext>
-            </a:extLst>
-          </p:cNvPr>
-          <p:cNvPicPr>
-            <a:picLocks noChangeAspect="1"/>
-          </p:cNvPicPr>
-          <p:nvPr/>
-        </p:nvPicPr>
-        <p:blipFill rotWithShape="1">
-          <a:blip r:embed="rId3"/>
-          <a:srcRect l="2955" t="6306"/>
-          <a:stretch/>
-        </p:blipFill>
-        <p:spPr>
-          <a:xfrm>
-            <a:off x="945573" y="1310778"/>
-            <a:ext cx="1478972" cy="2811172"/>
-          </a:xfrm>
-          <a:prstGeom prst="rect">
-            <a:avLst/>
-          </a:prstGeom>
-        </p:spPr>
-      </p:pic>
-    </p:spTree>
-    <p:extLst>
-      <p:ext uri="{BB962C8B-B14F-4D97-AF65-F5344CB8AC3E}">
-        <p14:creationId xmlns:p14="http://schemas.microsoft.com/office/powerpoint/2010/main" val="3506268666"/>
-      </p:ext>
-    </p:extLst>
-  </p:cSld>
-  <p:clrMapOvr>
-    <a:masterClrMapping/>
-  </p:clrMapOvr>
-</p:sld>
-</file>
-
-<file path=ppt/slides/slide6.xml><?xml version="1.0" encoding="utf-8"?>
-<p:sld xmlns:a="http://schemas.openxmlformats.org/drawingml/2006/main" xmlns:r="http://schemas.openxmlformats.org/officeDocument/2006/relationships" xmlns:p="http://schemas.openxmlformats.org/presentationml/2006/main">
-  <p:cSld>
-    <p:spTree>
-      <p:nvGrpSpPr>
-        <p:cNvPr id="1" name="Shape 1224"/>
-        <p:cNvGrpSpPr/>
-        <p:nvPr/>
-      </p:nvGrpSpPr>
-      <p:grpSpPr>
-        <a:xfrm>
-          <a:off x="0" y="0"/>
-          <a:ext cx="0" cy="0"/>
-          <a:chOff x="0" y="0"/>
-          <a:chExt cx="0" cy="0"/>
-        </a:xfrm>
-      </p:grpSpPr>
-      <p:sp>
-        <p:nvSpPr>
-          <p:cNvPr id="1226" name="Google Shape;1226;p47"/>
-          <p:cNvSpPr txBox="1">
-            <a:spLocks noGrp="1"/>
-          </p:cNvSpPr>
-          <p:nvPr>
-            <p:ph type="title"/>
-          </p:nvPr>
-        </p:nvSpPr>
-        <p:spPr>
-          <a:xfrm>
-            <a:off x="720000" y="387600"/>
-            <a:ext cx="7704000" cy="592200"/>
-          </a:xfrm>
-          <a:prstGeom prst="rect">
-            <a:avLst/>
-          </a:prstGeom>
-        </p:spPr>
-        <p:txBody>
-          <a:bodyPr spcFirstLastPara="1" wrap="square" lIns="91425" tIns="91425" rIns="91425" bIns="91425" anchor="t" anchorCtr="0">
-            <a:noAutofit/>
-          </a:bodyPr>
-          <a:lstStyle/>
-          <a:p>
-            <a:pPr marL="0" lvl="0" indent="0" algn="l" rtl="0">
-              <a:spcBef>
-                <a:spcPts val="0"/>
-              </a:spcBef>
-              <a:spcAft>
-                <a:spcPts val="0"/>
-              </a:spcAft>
-              <a:buNone/>
-            </a:pPr>
-            <a:r>
-              <a:rPr lang="en" dirty="0"/>
-              <a:t>Hybrid Propulsion</a:t>
-            </a:r>
-            <a:endParaRPr dirty="0"/>
-          </a:p>
-        </p:txBody>
-      </p:sp>
-      <p:sp>
-        <p:nvSpPr>
-          <p:cNvPr id="1236" name="Google Shape;1236;p47"/>
-          <p:cNvSpPr/>
-          <p:nvPr/>
-        </p:nvSpPr>
-        <p:spPr>
-          <a:xfrm>
-            <a:off x="825075" y="1021550"/>
-            <a:ext cx="3180300" cy="78600"/>
-          </a:xfrm>
-          <a:prstGeom prst="roundRect">
-            <a:avLst>
-              <a:gd name="adj" fmla="val 50000"/>
-            </a:avLst>
-          </a:prstGeom>
-          <a:gradFill>
-            <a:gsLst>
-              <a:gs pos="0">
-                <a:srgbClr val="FFFFFF">
-                  <a:alpha val="0"/>
-                </a:srgbClr>
-              </a:gs>
-              <a:gs pos="100000">
-                <a:srgbClr val="FFFFFF">
-                  <a:alpha val="56078"/>
-                </a:srgbClr>
-              </a:gs>
-            </a:gsLst>
-            <a:lin ang="0" scaled="0"/>
-          </a:gradFill>
-          <a:ln>
-            <a:noFill/>
-          </a:ln>
-        </p:spPr>
-        <p:txBody>
-          <a:bodyPr spcFirstLastPara="1" wrap="square" lIns="91425" tIns="91425" rIns="91425" bIns="91425" anchor="ctr" anchorCtr="0">
-            <a:noAutofit/>
-          </a:bodyPr>
-          <a:lstStyle/>
-          <a:p>
-            <a:pPr marL="0" lvl="0" indent="0" algn="l" rtl="0">
-              <a:spcBef>
-                <a:spcPts val="0"/>
-              </a:spcBef>
-              <a:spcAft>
-                <a:spcPts val="0"/>
-              </a:spcAft>
-              <a:buNone/>
-            </a:pPr>
-            <a:endParaRPr/>
-          </a:p>
-        </p:txBody>
-      </p:sp>
-      <p:pic>
-        <p:nvPicPr>
-          <p:cNvPr id="4098" name="Picture 2" descr="Hybrid Rocket Propulsion - AERO NOTES...">
-            <a:extLst>
-              <a:ext uri="{FF2B5EF4-FFF2-40B4-BE49-F238E27FC236}">
-                <a16:creationId xmlns:a16="http://schemas.microsoft.com/office/drawing/2014/main" id="{8001359A-16B0-841C-146A-D327D3D94848}"/>
-              </a:ext>
-            </a:extLst>
-          </p:cNvPr>
-          <p:cNvPicPr>
-            <a:picLocks noChangeAspect="1" noChangeArrowheads="1"/>
-          </p:cNvPicPr>
-          <p:nvPr/>
-        </p:nvPicPr>
-        <p:blipFill>
-          <a:blip r:embed="rId3">
-            <a:extLst>
-              <a:ext uri="{28A0092B-C50C-407E-A947-70E740481C1C}">
-                <a14:useLocalDpi xmlns:a14="http://schemas.microsoft.com/office/drawing/2010/main" val="0"/>
-              </a:ext>
-            </a:extLst>
-          </a:blip>
-          <a:srcRect/>
-          <a:stretch>
-            <a:fillRect/>
-          </a:stretch>
-        </p:blipFill>
-        <p:spPr bwMode="auto">
-          <a:xfrm>
-            <a:off x="720000" y="1331336"/>
-            <a:ext cx="7600950" cy="1552575"/>
-          </a:xfrm>
-          <a:prstGeom prst="rect">
-            <a:avLst/>
-          </a:prstGeom>
-          <a:noFill/>
-          <a:extLst>
-            <a:ext uri="{909E8E84-426E-40DD-AFC4-6F175D3DCCD1}">
-              <a14:hiddenFill xmlns:a14="http://schemas.microsoft.com/office/drawing/2010/main">
-                <a:solidFill>
-                  <a:srgbClr val="FFFFFF"/>
-                </a:solidFill>
-              </a14:hiddenFill>
-            </a:ext>
-          </a:extLst>
-        </p:spPr>
-      </p:pic>
-    </p:spTree>
-    <p:extLst>
-      <p:ext uri="{BB962C8B-B14F-4D97-AF65-F5344CB8AC3E}">
-        <p14:creationId xmlns:p14="http://schemas.microsoft.com/office/powerpoint/2010/main" val="4133145296"/>
-      </p:ext>
-    </p:extLst>
-  </p:cSld>
-  <p:clrMapOvr>
-    <a:masterClrMapping/>
-  </p:clrMapOvr>
-</p:sld>
-</file>
-
-<file path=ppt/slides/slide7.xml><?xml version="1.0" encoding="utf-8"?>
-<p:sld xmlns:a="http://schemas.openxmlformats.org/drawingml/2006/main" xmlns:r="http://schemas.openxmlformats.org/officeDocument/2006/relationships" xmlns:p="http://schemas.openxmlformats.org/presentationml/2006/main">
-  <p:cSld>
-    <p:spTree>
-      <p:nvGrpSpPr>
         <p:cNvPr id="1" name="Shape 1215"/>
         <p:cNvGrpSpPr/>
         <p:nvPr/>
@@ -25719,6 +25341,798 @@
         </p:spPr>
       </p:pic>
     </p:spTree>
+  </p:cSld>
+  <p:clrMapOvr>
+    <a:masterClrMapping/>
+  </p:clrMapOvr>
+</p:sld>
+</file>
+
+<file path=ppt/slides/slide5.xml><?xml version="1.0" encoding="utf-8"?>
+<p:sld xmlns:a="http://schemas.openxmlformats.org/drawingml/2006/main" xmlns:r="http://schemas.openxmlformats.org/officeDocument/2006/relationships" xmlns:p="http://schemas.openxmlformats.org/presentationml/2006/main">
+  <p:cSld>
+    <p:spTree>
+      <p:nvGrpSpPr>
+        <p:cNvPr id="1" name="Shape 1224"/>
+        <p:cNvGrpSpPr/>
+        <p:nvPr/>
+      </p:nvGrpSpPr>
+      <p:grpSpPr>
+        <a:xfrm>
+          <a:off x="0" y="0"/>
+          <a:ext cx="0" cy="0"/>
+          <a:chOff x="0" y="0"/>
+          <a:chExt cx="0" cy="0"/>
+        </a:xfrm>
+      </p:grpSpPr>
+      <p:sp>
+        <p:nvSpPr>
+          <p:cNvPr id="1226" name="Google Shape;1226;p47"/>
+          <p:cNvSpPr txBox="1">
+            <a:spLocks noGrp="1"/>
+          </p:cNvSpPr>
+          <p:nvPr>
+            <p:ph type="title"/>
+          </p:nvPr>
+        </p:nvSpPr>
+        <p:spPr>
+          <a:xfrm>
+            <a:off x="720000" y="387600"/>
+            <a:ext cx="7704000" cy="592200"/>
+          </a:xfrm>
+          <a:prstGeom prst="rect">
+            <a:avLst/>
+          </a:prstGeom>
+        </p:spPr>
+        <p:txBody>
+          <a:bodyPr spcFirstLastPara="1" wrap="square" lIns="91425" tIns="91425" rIns="91425" bIns="91425" anchor="t" anchorCtr="0">
+            <a:noAutofit/>
+          </a:bodyPr>
+          <a:lstStyle/>
+          <a:p>
+            <a:pPr marL="0" lvl="0" indent="0" algn="l" rtl="0">
+              <a:spcBef>
+                <a:spcPts val="0"/>
+              </a:spcBef>
+              <a:spcAft>
+                <a:spcPts val="0"/>
+              </a:spcAft>
+              <a:buNone/>
+            </a:pPr>
+            <a:r>
+              <a:rPr lang="en"/>
+              <a:t>Solid Propulsion</a:t>
+            </a:r>
+            <a:endParaRPr dirty="0"/>
+          </a:p>
+        </p:txBody>
+      </p:sp>
+      <p:sp>
+        <p:nvSpPr>
+          <p:cNvPr id="1236" name="Google Shape;1236;p47"/>
+          <p:cNvSpPr/>
+          <p:nvPr/>
+        </p:nvSpPr>
+        <p:spPr>
+          <a:xfrm>
+            <a:off x="825075" y="1021550"/>
+            <a:ext cx="3180300" cy="78600"/>
+          </a:xfrm>
+          <a:prstGeom prst="roundRect">
+            <a:avLst>
+              <a:gd name="adj" fmla="val 50000"/>
+            </a:avLst>
+          </a:prstGeom>
+          <a:gradFill>
+            <a:gsLst>
+              <a:gs pos="0">
+                <a:srgbClr val="FFFFFF">
+                  <a:alpha val="0"/>
+                </a:srgbClr>
+              </a:gs>
+              <a:gs pos="100000">
+                <a:srgbClr val="FFFFFF">
+                  <a:alpha val="56078"/>
+                </a:srgbClr>
+              </a:gs>
+            </a:gsLst>
+            <a:lin ang="0" scaled="0"/>
+          </a:gradFill>
+          <a:ln>
+            <a:noFill/>
+          </a:ln>
+        </p:spPr>
+        <p:txBody>
+          <a:bodyPr spcFirstLastPara="1" wrap="square" lIns="91425" tIns="91425" rIns="91425" bIns="91425" anchor="ctr" anchorCtr="0">
+            <a:noAutofit/>
+          </a:bodyPr>
+          <a:lstStyle/>
+          <a:p>
+            <a:pPr marL="0" lvl="0" indent="0" algn="l" rtl="0">
+              <a:spcBef>
+                <a:spcPts val="0"/>
+              </a:spcBef>
+              <a:spcAft>
+                <a:spcPts val="0"/>
+              </a:spcAft>
+              <a:buNone/>
+            </a:pPr>
+            <a:endParaRPr/>
+          </a:p>
+        </p:txBody>
+      </p:sp>
+      <p:pic>
+        <p:nvPicPr>
+          <p:cNvPr id="2050" name="Picture 2" descr="Solid Fuel Rocket Diagram">
+            <a:extLst>
+              <a:ext uri="{FF2B5EF4-FFF2-40B4-BE49-F238E27FC236}">
+                <a16:creationId xmlns:a16="http://schemas.microsoft.com/office/drawing/2014/main" id="{B16245CF-8405-11BB-AF6A-69AF2BEC38BB}"/>
+              </a:ext>
+            </a:extLst>
+          </p:cNvPr>
+          <p:cNvPicPr>
+            <a:picLocks noChangeAspect="1" noChangeArrowheads="1"/>
+          </p:cNvPicPr>
+          <p:nvPr/>
+        </p:nvPicPr>
+        <p:blipFill>
+          <a:blip r:embed="rId3">
+            <a:extLst>
+              <a:ext uri="{28A0092B-C50C-407E-A947-70E740481C1C}">
+                <a14:useLocalDpi xmlns:a14="http://schemas.microsoft.com/office/drawing/2010/main" val="0"/>
+              </a:ext>
+            </a:extLst>
+          </a:blip>
+          <a:srcRect/>
+          <a:stretch>
+            <a:fillRect/>
+          </a:stretch>
+        </p:blipFill>
+        <p:spPr bwMode="auto">
+          <a:xfrm>
+            <a:off x="1252105" y="1171575"/>
+            <a:ext cx="1714500" cy="3486150"/>
+          </a:xfrm>
+          <a:prstGeom prst="rect">
+            <a:avLst/>
+          </a:prstGeom>
+          <a:noFill/>
+          <a:extLst>
+            <a:ext uri="{909E8E84-426E-40DD-AFC4-6F175D3DCCD1}">
+              <a14:hiddenFill xmlns:a14="http://schemas.microsoft.com/office/drawing/2010/main">
+                <a:solidFill>
+                  <a:srgbClr val="FFFFFF"/>
+                </a:solidFill>
+              </a14:hiddenFill>
+            </a:ext>
+          </a:extLst>
+        </p:spPr>
+      </p:pic>
+    </p:spTree>
+  </p:cSld>
+  <p:clrMapOvr>
+    <a:masterClrMapping/>
+  </p:clrMapOvr>
+</p:sld>
+</file>
+
+<file path=ppt/slides/slide6.xml><?xml version="1.0" encoding="utf-8"?>
+<p:sld xmlns:a="http://schemas.openxmlformats.org/drawingml/2006/main" xmlns:r="http://schemas.openxmlformats.org/officeDocument/2006/relationships" xmlns:p="http://schemas.openxmlformats.org/presentationml/2006/main">
+  <p:cSld>
+    <p:spTree>
+      <p:nvGrpSpPr>
+        <p:cNvPr id="1" name="Shape 1224"/>
+        <p:cNvGrpSpPr/>
+        <p:nvPr/>
+      </p:nvGrpSpPr>
+      <p:grpSpPr>
+        <a:xfrm>
+          <a:off x="0" y="0"/>
+          <a:ext cx="0" cy="0"/>
+          <a:chOff x="0" y="0"/>
+          <a:chExt cx="0" cy="0"/>
+        </a:xfrm>
+      </p:grpSpPr>
+      <p:sp>
+        <p:nvSpPr>
+          <p:cNvPr id="1226" name="Google Shape;1226;p47"/>
+          <p:cNvSpPr txBox="1">
+            <a:spLocks noGrp="1"/>
+          </p:cNvSpPr>
+          <p:nvPr>
+            <p:ph type="title"/>
+          </p:nvPr>
+        </p:nvSpPr>
+        <p:spPr>
+          <a:xfrm>
+            <a:off x="720000" y="387600"/>
+            <a:ext cx="7704000" cy="592200"/>
+          </a:xfrm>
+          <a:prstGeom prst="rect">
+            <a:avLst/>
+          </a:prstGeom>
+        </p:spPr>
+        <p:txBody>
+          <a:bodyPr spcFirstLastPara="1" wrap="square" lIns="91425" tIns="91425" rIns="91425" bIns="91425" anchor="t" anchorCtr="0">
+            <a:noAutofit/>
+          </a:bodyPr>
+          <a:lstStyle/>
+          <a:p>
+            <a:pPr marL="0" lvl="0" indent="0" algn="l" rtl="0">
+              <a:spcBef>
+                <a:spcPts val="0"/>
+              </a:spcBef>
+              <a:spcAft>
+                <a:spcPts val="0"/>
+              </a:spcAft>
+              <a:buNone/>
+            </a:pPr>
+            <a:r>
+              <a:rPr lang="en" dirty="0"/>
+              <a:t>Liquid Propulsion</a:t>
+            </a:r>
+            <a:endParaRPr dirty="0"/>
+          </a:p>
+        </p:txBody>
+      </p:sp>
+      <p:sp>
+        <p:nvSpPr>
+          <p:cNvPr id="1236" name="Google Shape;1236;p47"/>
+          <p:cNvSpPr/>
+          <p:nvPr/>
+        </p:nvSpPr>
+        <p:spPr>
+          <a:xfrm>
+            <a:off x="825075" y="1021550"/>
+            <a:ext cx="3180300" cy="78600"/>
+          </a:xfrm>
+          <a:prstGeom prst="roundRect">
+            <a:avLst>
+              <a:gd name="adj" fmla="val 50000"/>
+            </a:avLst>
+          </a:prstGeom>
+          <a:gradFill>
+            <a:gsLst>
+              <a:gs pos="0">
+                <a:srgbClr val="FFFFFF">
+                  <a:alpha val="0"/>
+                </a:srgbClr>
+              </a:gs>
+              <a:gs pos="100000">
+                <a:srgbClr val="FFFFFF">
+                  <a:alpha val="56078"/>
+                </a:srgbClr>
+              </a:gs>
+            </a:gsLst>
+            <a:lin ang="0" scaled="0"/>
+          </a:gradFill>
+          <a:ln>
+            <a:noFill/>
+          </a:ln>
+        </p:spPr>
+        <p:txBody>
+          <a:bodyPr spcFirstLastPara="1" wrap="square" lIns="91425" tIns="91425" rIns="91425" bIns="91425" anchor="ctr" anchorCtr="0">
+            <a:noAutofit/>
+          </a:bodyPr>
+          <a:lstStyle/>
+          <a:p>
+            <a:pPr marL="0" lvl="0" indent="0" algn="l" rtl="0">
+              <a:spcBef>
+                <a:spcPts val="0"/>
+              </a:spcBef>
+              <a:spcAft>
+                <a:spcPts val="0"/>
+              </a:spcAft>
+              <a:buNone/>
+            </a:pPr>
+            <a:endParaRPr/>
+          </a:p>
+        </p:txBody>
+      </p:sp>
+      <p:pic>
+        <p:nvPicPr>
+          <p:cNvPr id="3" name="Picture 2">
+            <a:extLst>
+              <a:ext uri="{FF2B5EF4-FFF2-40B4-BE49-F238E27FC236}">
+                <a16:creationId xmlns:a16="http://schemas.microsoft.com/office/drawing/2014/main" id="{7704A297-066E-F9FB-1DAE-6DF464948D47}"/>
+              </a:ext>
+            </a:extLst>
+          </p:cNvPr>
+          <p:cNvPicPr>
+            <a:picLocks noChangeAspect="1"/>
+          </p:cNvPicPr>
+          <p:nvPr/>
+        </p:nvPicPr>
+        <p:blipFill rotWithShape="1">
+          <a:blip r:embed="rId3"/>
+          <a:srcRect l="2955" t="6306"/>
+          <a:stretch/>
+        </p:blipFill>
+        <p:spPr>
+          <a:xfrm>
+            <a:off x="945573" y="1310778"/>
+            <a:ext cx="1478972" cy="2811172"/>
+          </a:xfrm>
+          <a:prstGeom prst="rect">
+            <a:avLst/>
+          </a:prstGeom>
+        </p:spPr>
+      </p:pic>
+    </p:spTree>
+    <p:extLst>
+      <p:ext uri="{BB962C8B-B14F-4D97-AF65-F5344CB8AC3E}">
+        <p14:creationId xmlns:p14="http://schemas.microsoft.com/office/powerpoint/2010/main" val="3506268666"/>
+      </p:ext>
+    </p:extLst>
+  </p:cSld>
+  <p:clrMapOvr>
+    <a:masterClrMapping/>
+  </p:clrMapOvr>
+</p:sld>
+</file>
+
+<file path=ppt/slides/slide7.xml><?xml version="1.0" encoding="utf-8"?>
+<p:sld xmlns:a="http://schemas.openxmlformats.org/drawingml/2006/main" xmlns:r="http://schemas.openxmlformats.org/officeDocument/2006/relationships" xmlns:p="http://schemas.openxmlformats.org/presentationml/2006/main">
+  <p:cSld>
+    <p:spTree>
+      <p:nvGrpSpPr>
+        <p:cNvPr id="1" name="Shape 1215"/>
+        <p:cNvGrpSpPr/>
+        <p:nvPr/>
+      </p:nvGrpSpPr>
+      <p:grpSpPr>
+        <a:xfrm>
+          <a:off x="0" y="0"/>
+          <a:ext cx="0" cy="0"/>
+          <a:chOff x="0" y="0"/>
+          <a:chExt cx="0" cy="0"/>
+        </a:xfrm>
+      </p:grpSpPr>
+      <p:sp>
+        <p:nvSpPr>
+          <p:cNvPr id="1216" name="Google Shape;1216;p46"/>
+          <p:cNvSpPr txBox="1">
+            <a:spLocks noGrp="1"/>
+          </p:cNvSpPr>
+          <p:nvPr>
+            <p:ph type="title"/>
+          </p:nvPr>
+        </p:nvSpPr>
+        <p:spPr>
+          <a:xfrm>
+            <a:off x="720000" y="387600"/>
+            <a:ext cx="7704000" cy="592200"/>
+          </a:xfrm>
+          <a:prstGeom prst="rect">
+            <a:avLst/>
+          </a:prstGeom>
+        </p:spPr>
+        <p:txBody>
+          <a:bodyPr spcFirstLastPara="1" wrap="square" lIns="91425" tIns="91425" rIns="91425" bIns="91425" anchor="t" anchorCtr="0">
+            <a:noAutofit/>
+          </a:bodyPr>
+          <a:lstStyle/>
+          <a:p>
+            <a:pPr marL="0" lvl="0" indent="0" algn="l" rtl="0">
+              <a:spcBef>
+                <a:spcPts val="0"/>
+              </a:spcBef>
+              <a:spcAft>
+                <a:spcPts val="0"/>
+              </a:spcAft>
+              <a:buNone/>
+            </a:pPr>
+            <a:r>
+              <a:rPr lang="en" dirty="0"/>
+              <a:t>Core Burning vs End Burning</a:t>
+            </a:r>
+            <a:endParaRPr dirty="0"/>
+          </a:p>
+        </p:txBody>
+      </p:sp>
+      <p:sp>
+        <p:nvSpPr>
+          <p:cNvPr id="1219" name="Google Shape;1219;p46"/>
+          <p:cNvSpPr/>
+          <p:nvPr/>
+        </p:nvSpPr>
+        <p:spPr>
+          <a:xfrm>
+            <a:off x="825075" y="1021550"/>
+            <a:ext cx="3180300" cy="78600"/>
+          </a:xfrm>
+          <a:prstGeom prst="roundRect">
+            <a:avLst>
+              <a:gd name="adj" fmla="val 50000"/>
+            </a:avLst>
+          </a:prstGeom>
+          <a:gradFill>
+            <a:gsLst>
+              <a:gs pos="0">
+                <a:srgbClr val="FFFFFF">
+                  <a:alpha val="0"/>
+                </a:srgbClr>
+              </a:gs>
+              <a:gs pos="100000">
+                <a:srgbClr val="FFFFFF">
+                  <a:alpha val="56078"/>
+                </a:srgbClr>
+              </a:gs>
+            </a:gsLst>
+            <a:lin ang="0" scaled="0"/>
+          </a:gradFill>
+          <a:ln>
+            <a:noFill/>
+          </a:ln>
+        </p:spPr>
+        <p:txBody>
+          <a:bodyPr spcFirstLastPara="1" wrap="square" lIns="91425" tIns="91425" rIns="91425" bIns="91425" anchor="ctr" anchorCtr="0">
+            <a:noAutofit/>
+          </a:bodyPr>
+          <a:lstStyle/>
+          <a:p>
+            <a:pPr marL="0" lvl="0" indent="0" algn="l" rtl="0">
+              <a:spcBef>
+                <a:spcPts val="0"/>
+              </a:spcBef>
+              <a:spcAft>
+                <a:spcPts val="0"/>
+              </a:spcAft>
+              <a:buNone/>
+            </a:pPr>
+            <a:endParaRPr/>
+          </a:p>
+        </p:txBody>
+      </p:sp>
+      <p:sp>
+        <p:nvSpPr>
+          <p:cNvPr id="1220" name="Google Shape;1220;p46"/>
+          <p:cNvSpPr/>
+          <p:nvPr/>
+        </p:nvSpPr>
+        <p:spPr>
+          <a:xfrm>
+            <a:off x="7878457" y="759014"/>
+            <a:ext cx="78214" cy="78273"/>
+          </a:xfrm>
+          <a:custGeom>
+            <a:avLst/>
+            <a:gdLst/>
+            <a:ahLst/>
+            <a:cxnLst/>
+            <a:rect l="l" t="t" r="r" b="b"/>
+            <a:pathLst>
+              <a:path w="1199" h="1200" extrusionOk="0">
+                <a:moveTo>
+                  <a:pt x="609" y="1"/>
+                </a:moveTo>
+                <a:lnTo>
+                  <a:pt x="400" y="381"/>
+                </a:lnTo>
+                <a:lnTo>
+                  <a:pt x="1" y="591"/>
+                </a:lnTo>
+                <a:lnTo>
+                  <a:pt x="400" y="800"/>
+                </a:lnTo>
+                <a:lnTo>
+                  <a:pt x="609" y="1199"/>
+                </a:lnTo>
+                <a:lnTo>
+                  <a:pt x="818" y="800"/>
+                </a:lnTo>
+                <a:lnTo>
+                  <a:pt x="1199" y="591"/>
+                </a:lnTo>
+                <a:lnTo>
+                  <a:pt x="818" y="381"/>
+                </a:lnTo>
+                <a:lnTo>
+                  <a:pt x="609" y="1"/>
+                </a:lnTo>
+                <a:close/>
+              </a:path>
+            </a:pathLst>
+          </a:custGeom>
+          <a:solidFill>
+            <a:srgbClr val="F9FBFC"/>
+          </a:solidFill>
+          <a:ln>
+            <a:noFill/>
+          </a:ln>
+        </p:spPr>
+        <p:txBody>
+          <a:bodyPr spcFirstLastPara="1" wrap="square" lIns="91425" tIns="91425" rIns="91425" bIns="91425" anchor="ctr" anchorCtr="0">
+            <a:noAutofit/>
+          </a:bodyPr>
+          <a:lstStyle/>
+          <a:p>
+            <a:pPr marL="0" lvl="0" indent="0" algn="l" rtl="0">
+              <a:spcBef>
+                <a:spcPts val="0"/>
+              </a:spcBef>
+              <a:spcAft>
+                <a:spcPts val="0"/>
+              </a:spcAft>
+              <a:buNone/>
+            </a:pPr>
+            <a:endParaRPr/>
+          </a:p>
+        </p:txBody>
+      </p:sp>
+      <p:pic>
+        <p:nvPicPr>
+          <p:cNvPr id="2056" name="Picture 8">
+            <a:extLst>
+              <a:ext uri="{FF2B5EF4-FFF2-40B4-BE49-F238E27FC236}">
+                <a16:creationId xmlns:a16="http://schemas.microsoft.com/office/drawing/2014/main" id="{6249DCF3-0E93-0F9B-94B4-7FC048702E48}"/>
+              </a:ext>
+            </a:extLst>
+          </p:cNvPr>
+          <p:cNvPicPr>
+            <a:picLocks noChangeAspect="1" noChangeArrowheads="1"/>
+          </p:cNvPicPr>
+          <p:nvPr/>
+        </p:nvPicPr>
+        <p:blipFill>
+          <a:blip r:embed="rId3">
+            <a:extLst>
+              <a:ext uri="{28A0092B-C50C-407E-A947-70E740481C1C}">
+                <a14:useLocalDpi xmlns:a14="http://schemas.microsoft.com/office/drawing/2010/main" val="0"/>
+              </a:ext>
+            </a:extLst>
+          </a:blip>
+          <a:srcRect/>
+          <a:stretch>
+            <a:fillRect/>
+          </a:stretch>
+        </p:blipFill>
+        <p:spPr bwMode="auto">
+          <a:xfrm>
+            <a:off x="2358736" y="1242891"/>
+            <a:ext cx="4752109" cy="1611261"/>
+          </a:xfrm>
+          <a:prstGeom prst="rect">
+            <a:avLst/>
+          </a:prstGeom>
+          <a:noFill/>
+          <a:extLst>
+            <a:ext uri="{909E8E84-426E-40DD-AFC4-6F175D3DCCD1}">
+              <a14:hiddenFill xmlns:a14="http://schemas.microsoft.com/office/drawing/2010/main">
+                <a:solidFill>
+                  <a:srgbClr val="FFFFFF"/>
+                </a:solidFill>
+              </a14:hiddenFill>
+            </a:ext>
+          </a:extLst>
+        </p:spPr>
+      </p:pic>
+      <p:pic>
+        <p:nvPicPr>
+          <p:cNvPr id="2058" name="Picture 10">
+            <a:extLst>
+              <a:ext uri="{FF2B5EF4-FFF2-40B4-BE49-F238E27FC236}">
+                <a16:creationId xmlns:a16="http://schemas.microsoft.com/office/drawing/2014/main" id="{1DDA079F-DC2F-219B-D01A-E3780AFE6C42}"/>
+              </a:ext>
+            </a:extLst>
+          </p:cNvPr>
+          <p:cNvPicPr>
+            <a:picLocks noChangeAspect="1" noChangeArrowheads="1"/>
+          </p:cNvPicPr>
+          <p:nvPr/>
+        </p:nvPicPr>
+        <p:blipFill>
+          <a:blip r:embed="rId4">
+            <a:extLst>
+              <a:ext uri="{28A0092B-C50C-407E-A947-70E740481C1C}">
+                <a14:useLocalDpi xmlns:a14="http://schemas.microsoft.com/office/drawing/2010/main" val="0"/>
+              </a:ext>
+            </a:extLst>
+          </a:blip>
+          <a:srcRect/>
+          <a:stretch>
+            <a:fillRect/>
+          </a:stretch>
+        </p:blipFill>
+        <p:spPr bwMode="auto">
+          <a:xfrm>
+            <a:off x="2358736" y="3337076"/>
+            <a:ext cx="4855932" cy="1569747"/>
+          </a:xfrm>
+          <a:prstGeom prst="rect">
+            <a:avLst/>
+          </a:prstGeom>
+          <a:noFill/>
+          <a:extLst>
+            <a:ext uri="{909E8E84-426E-40DD-AFC4-6F175D3DCCD1}">
+              <a14:hiddenFill xmlns:a14="http://schemas.microsoft.com/office/drawing/2010/main">
+                <a:solidFill>
+                  <a:srgbClr val="FFFFFF"/>
+                </a:solidFill>
+              </a14:hiddenFill>
+            </a:ext>
+          </a:extLst>
+        </p:spPr>
+      </p:pic>
+    </p:spTree>
+    <p:extLst>
+      <p:ext uri="{BB962C8B-B14F-4D97-AF65-F5344CB8AC3E}">
+        <p14:creationId xmlns:p14="http://schemas.microsoft.com/office/powerpoint/2010/main" val="1886839504"/>
+      </p:ext>
+    </p:extLst>
+  </p:cSld>
+  <p:clrMapOvr>
+    <a:masterClrMapping/>
+  </p:clrMapOvr>
+</p:sld>
+</file>
+
+<file path=ppt/slides/slide8.xml><?xml version="1.0" encoding="utf-8"?>
+<p:sld xmlns:a="http://schemas.openxmlformats.org/drawingml/2006/main" xmlns:r="http://schemas.openxmlformats.org/officeDocument/2006/relationships" xmlns:p="http://schemas.openxmlformats.org/presentationml/2006/main">
+  <p:cSld>
+    <p:spTree>
+      <p:nvGrpSpPr>
+        <p:cNvPr id="1" name="Shape 1224"/>
+        <p:cNvGrpSpPr/>
+        <p:nvPr/>
+      </p:nvGrpSpPr>
+      <p:grpSpPr>
+        <a:xfrm>
+          <a:off x="0" y="0"/>
+          <a:ext cx="0" cy="0"/>
+          <a:chOff x="0" y="0"/>
+          <a:chExt cx="0" cy="0"/>
+        </a:xfrm>
+      </p:grpSpPr>
+      <p:sp>
+        <p:nvSpPr>
+          <p:cNvPr id="1226" name="Google Shape;1226;p47"/>
+          <p:cNvSpPr txBox="1">
+            <a:spLocks noGrp="1"/>
+          </p:cNvSpPr>
+          <p:nvPr>
+            <p:ph type="title"/>
+          </p:nvPr>
+        </p:nvSpPr>
+        <p:spPr>
+          <a:xfrm>
+            <a:off x="720000" y="387600"/>
+            <a:ext cx="7704000" cy="592200"/>
+          </a:xfrm>
+          <a:prstGeom prst="rect">
+            <a:avLst/>
+          </a:prstGeom>
+        </p:spPr>
+        <p:txBody>
+          <a:bodyPr spcFirstLastPara="1" wrap="square" lIns="91425" tIns="91425" rIns="91425" bIns="91425" anchor="t" anchorCtr="0">
+            <a:noAutofit/>
+          </a:bodyPr>
+          <a:lstStyle/>
+          <a:p>
+            <a:pPr marL="0" lvl="0" indent="0" algn="l" rtl="0">
+              <a:spcBef>
+                <a:spcPts val="0"/>
+              </a:spcBef>
+              <a:spcAft>
+                <a:spcPts val="0"/>
+              </a:spcAft>
+              <a:buNone/>
+            </a:pPr>
+            <a:r>
+              <a:rPr lang="en" dirty="0"/>
+              <a:t>Hybrid Propulsion</a:t>
+            </a:r>
+            <a:endParaRPr dirty="0"/>
+          </a:p>
+        </p:txBody>
+      </p:sp>
+      <p:sp>
+        <p:nvSpPr>
+          <p:cNvPr id="1236" name="Google Shape;1236;p47"/>
+          <p:cNvSpPr/>
+          <p:nvPr/>
+        </p:nvSpPr>
+        <p:spPr>
+          <a:xfrm>
+            <a:off x="825075" y="1021550"/>
+            <a:ext cx="3180300" cy="78600"/>
+          </a:xfrm>
+          <a:prstGeom prst="roundRect">
+            <a:avLst>
+              <a:gd name="adj" fmla="val 50000"/>
+            </a:avLst>
+          </a:prstGeom>
+          <a:gradFill>
+            <a:gsLst>
+              <a:gs pos="0">
+                <a:srgbClr val="FFFFFF">
+                  <a:alpha val="0"/>
+                </a:srgbClr>
+              </a:gs>
+              <a:gs pos="100000">
+                <a:srgbClr val="FFFFFF">
+                  <a:alpha val="56078"/>
+                </a:srgbClr>
+              </a:gs>
+            </a:gsLst>
+            <a:lin ang="0" scaled="0"/>
+          </a:gradFill>
+          <a:ln>
+            <a:noFill/>
+          </a:ln>
+        </p:spPr>
+        <p:txBody>
+          <a:bodyPr spcFirstLastPara="1" wrap="square" lIns="91425" tIns="91425" rIns="91425" bIns="91425" anchor="ctr" anchorCtr="0">
+            <a:noAutofit/>
+          </a:bodyPr>
+          <a:lstStyle/>
+          <a:p>
+            <a:pPr marL="0" lvl="0" indent="0" algn="l" rtl="0">
+              <a:spcBef>
+                <a:spcPts val="0"/>
+              </a:spcBef>
+              <a:spcAft>
+                <a:spcPts val="0"/>
+              </a:spcAft>
+              <a:buNone/>
+            </a:pPr>
+            <a:endParaRPr/>
+          </a:p>
+        </p:txBody>
+      </p:sp>
+      <p:pic>
+        <p:nvPicPr>
+          <p:cNvPr id="4098" name="Picture 2" descr="Hybrid Rocket Propulsion - AERO NOTES...">
+            <a:extLst>
+              <a:ext uri="{FF2B5EF4-FFF2-40B4-BE49-F238E27FC236}">
+                <a16:creationId xmlns:a16="http://schemas.microsoft.com/office/drawing/2014/main" id="{8001359A-16B0-841C-146A-D327D3D94848}"/>
+              </a:ext>
+            </a:extLst>
+          </p:cNvPr>
+          <p:cNvPicPr>
+            <a:picLocks noChangeAspect="1" noChangeArrowheads="1"/>
+          </p:cNvPicPr>
+          <p:nvPr/>
+        </p:nvPicPr>
+        <p:blipFill>
+          <a:blip r:embed="rId3">
+            <a:extLst>
+              <a:ext uri="{28A0092B-C50C-407E-A947-70E740481C1C}">
+                <a14:useLocalDpi xmlns:a14="http://schemas.microsoft.com/office/drawing/2010/main" val="0"/>
+              </a:ext>
+            </a:extLst>
+          </a:blip>
+          <a:srcRect/>
+          <a:stretch>
+            <a:fillRect/>
+          </a:stretch>
+        </p:blipFill>
+        <p:spPr bwMode="auto">
+          <a:xfrm>
+            <a:off x="720000" y="1331336"/>
+            <a:ext cx="7600950" cy="1552575"/>
+          </a:xfrm>
+          <a:prstGeom prst="rect">
+            <a:avLst/>
+          </a:prstGeom>
+          <a:noFill/>
+          <a:extLst>
+            <a:ext uri="{909E8E84-426E-40DD-AFC4-6F175D3DCCD1}">
+              <a14:hiddenFill xmlns:a14="http://schemas.microsoft.com/office/drawing/2010/main">
+                <a:solidFill>
+                  <a:srgbClr val="FFFFFF"/>
+                </a:solidFill>
+              </a14:hiddenFill>
+            </a:ext>
+          </a:extLst>
+        </p:spPr>
+      </p:pic>
+    </p:spTree>
+    <p:extLst>
+      <p:ext uri="{BB962C8B-B14F-4D97-AF65-F5344CB8AC3E}">
+        <p14:creationId xmlns:p14="http://schemas.microsoft.com/office/powerpoint/2010/main" val="4133145296"/>
+      </p:ext>
+    </p:extLst>
   </p:cSld>
   <p:clrMapOvr>
     <a:masterClrMapping/>

--- a/Beginner/Day 3/Rocket Motors.pptx
+++ b/Beginner/Day 3/Rocket Motors.pptx
@@ -5,45 +5,46 @@
     <p:sldMasterId id="2147483685" r:id="rId1"/>
   </p:sldMasterIdLst>
   <p:notesMasterIdLst>
-    <p:notesMasterId r:id="rId10"/>
+    <p:notesMasterId r:id="rId11"/>
   </p:notesMasterIdLst>
   <p:sldIdLst>
     <p:sldId id="256" r:id="rId2"/>
-    <p:sldId id="259" r:id="rId3"/>
-    <p:sldId id="258" r:id="rId4"/>
-    <p:sldId id="262" r:id="rId5"/>
+    <p:sldId id="258" r:id="rId3"/>
+    <p:sldId id="262" r:id="rId4"/>
+    <p:sldId id="259" r:id="rId5"/>
     <p:sldId id="263" r:id="rId6"/>
     <p:sldId id="294" r:id="rId7"/>
     <p:sldId id="295" r:id="rId8"/>
-    <p:sldId id="293" r:id="rId9"/>
+    <p:sldId id="296" r:id="rId9"/>
+    <p:sldId id="293" r:id="rId10"/>
   </p:sldIdLst>
   <p:sldSz cx="9144000" cy="5143500" type="screen16x9"/>
   <p:notesSz cx="6858000" cy="9144000"/>
   <p:embeddedFontLst>
     <p:embeddedFont>
       <p:font typeface="Anek Devanagari ExtraBold" panose="020B0604020202020204" charset="0"/>
-      <p:bold r:id="rId11"/>
+      <p:bold r:id="rId12"/>
     </p:embeddedFont>
     <p:embeddedFont>
       <p:font typeface="Chivo" panose="020B0604020202020204" charset="0"/>
-      <p:regular r:id="rId12"/>
-      <p:bold r:id="rId13"/>
-      <p:italic r:id="rId14"/>
-      <p:boldItalic r:id="rId15"/>
+      <p:regular r:id="rId13"/>
+      <p:bold r:id="rId14"/>
+      <p:italic r:id="rId15"/>
+      <p:boldItalic r:id="rId16"/>
     </p:embeddedFont>
     <p:embeddedFont>
       <p:font typeface="Fredoka One" panose="02000000000000000000" pitchFamily="2" charset="0"/>
-      <p:regular r:id="rId16"/>
+      <p:regular r:id="rId17"/>
     </p:embeddedFont>
     <p:embeddedFont>
       <p:font typeface="Palanquin Dark" panose="020B0604020202020204" charset="0"/>
-      <p:regular r:id="rId17"/>
-      <p:bold r:id="rId18"/>
+      <p:regular r:id="rId18"/>
+      <p:bold r:id="rId19"/>
     </p:embeddedFont>
     <p:embeddedFont>
       <p:font typeface="Roboto Condensed Light" panose="02000000000000000000" pitchFamily="2" charset="0"/>
-      <p:regular r:id="rId19"/>
-      <p:italic r:id="rId20"/>
+      <p:regular r:id="rId20"/>
+      <p:italic r:id="rId21"/>
     </p:embeddedFont>
   </p:embeddedFontLst>
   <p:defaultTextStyle>
@@ -833,110 +834,6 @@
   <p:cSld>
     <p:spTree>
       <p:nvGrpSpPr>
-        <p:cNvPr id="1" name="Shape 1140"/>
-        <p:cNvGrpSpPr/>
-        <p:nvPr/>
-      </p:nvGrpSpPr>
-      <p:grpSpPr>
-        <a:xfrm>
-          <a:off x="0" y="0"/>
-          <a:ext cx="0" cy="0"/>
-          <a:chOff x="0" y="0"/>
-          <a:chExt cx="0" cy="0"/>
-        </a:xfrm>
-      </p:grpSpPr>
-      <p:sp>
-        <p:nvSpPr>
-          <p:cNvPr id="1141" name="Google Shape;1141;g1ff189cb9ef_0_1603:notes"/>
-          <p:cNvSpPr>
-            <a:spLocks noGrp="1" noRot="1" noChangeAspect="1"/>
-          </p:cNvSpPr>
-          <p:nvPr>
-            <p:ph type="sldImg" idx="2"/>
-          </p:nvPr>
-        </p:nvSpPr>
-        <p:spPr>
-          <a:xfrm>
-            <a:off x="381000" y="685800"/>
-            <a:ext cx="6096000" cy="3429000"/>
-          </a:xfrm>
-          <a:custGeom>
-            <a:avLst/>
-            <a:gdLst/>
-            <a:ahLst/>
-            <a:cxnLst/>
-            <a:rect l="l" t="t" r="r" b="b"/>
-            <a:pathLst>
-              <a:path w="120000" h="120000" extrusionOk="0">
-                <a:moveTo>
-                  <a:pt x="0" y="0"/>
-                </a:moveTo>
-                <a:lnTo>
-                  <a:pt x="120000" y="0"/>
-                </a:lnTo>
-                <a:lnTo>
-                  <a:pt x="120000" y="120000"/>
-                </a:lnTo>
-                <a:lnTo>
-                  <a:pt x="0" y="120000"/>
-                </a:lnTo>
-                <a:close/>
-              </a:path>
-            </a:pathLst>
-          </a:custGeom>
-        </p:spPr>
-      </p:sp>
-      <p:sp>
-        <p:nvSpPr>
-          <p:cNvPr id="1142" name="Google Shape;1142;g1ff189cb9ef_0_1603:notes"/>
-          <p:cNvSpPr txBox="1">
-            <a:spLocks noGrp="1"/>
-          </p:cNvSpPr>
-          <p:nvPr>
-            <p:ph type="body" idx="1"/>
-          </p:nvPr>
-        </p:nvSpPr>
-        <p:spPr>
-          <a:xfrm>
-            <a:off x="685800" y="4343400"/>
-            <a:ext cx="5486400" cy="4114800"/>
-          </a:xfrm>
-          <a:prstGeom prst="rect">
-            <a:avLst/>
-          </a:prstGeom>
-        </p:spPr>
-        <p:txBody>
-          <a:bodyPr spcFirstLastPara="1" wrap="square" lIns="91425" tIns="91425" rIns="91425" bIns="91425" anchor="t" anchorCtr="0">
-            <a:noAutofit/>
-          </a:bodyPr>
-          <a:lstStyle/>
-          <a:p>
-            <a:pPr marL="0" lvl="0" indent="0" algn="l" rtl="0">
-              <a:spcBef>
-                <a:spcPts val="0"/>
-              </a:spcBef>
-              <a:spcAft>
-                <a:spcPts val="0"/>
-              </a:spcAft>
-              <a:buNone/>
-            </a:pPr>
-            <a:endParaRPr/>
-          </a:p>
-        </p:txBody>
-      </p:sp>
-    </p:spTree>
-  </p:cSld>
-  <p:clrMapOvr>
-    <a:masterClrMapping/>
-  </p:clrMapOvr>
-</p:notes>
-</file>
-
-<file path=ppt/notesSlides/notesSlide3.xml><?xml version="1.0" encoding="utf-8"?>
-<p:notes xmlns:a="http://schemas.openxmlformats.org/drawingml/2006/main" xmlns:r="http://schemas.openxmlformats.org/officeDocument/2006/relationships" xmlns:p="http://schemas.openxmlformats.org/presentationml/2006/main" showMasterSp="0" showMasterPhAnim="0">
-  <p:cSld>
-    <p:spTree>
-      <p:nvGrpSpPr>
         <p:cNvPr id="1" name="Shape 1113"/>
         <p:cNvGrpSpPr/>
         <p:nvPr/>
@@ -1044,7 +941,7 @@
 </p:notes>
 </file>
 
-<file path=ppt/notesSlides/notesSlide4.xml><?xml version="1.0" encoding="utf-8"?>
+<file path=ppt/notesSlides/notesSlide3.xml><?xml version="1.0" encoding="utf-8"?>
 <p:notes xmlns:a="http://schemas.openxmlformats.org/drawingml/2006/main" xmlns:r="http://schemas.openxmlformats.org/officeDocument/2006/relationships" xmlns:p="http://schemas.openxmlformats.org/presentationml/2006/main" showMasterSp="0" showMasterPhAnim="0">
   <p:cSld>
     <p:spTree>
@@ -1136,7 +1033,164 @@
               </a:spcAft>
               <a:buNone/>
             </a:pPr>
-            <a:endParaRPr/>
+            <a:r>
+              <a:rPr lang="en-US" dirty="0"/>
+              <a:t>Turboprop: Normal engine drives a propeller, the propeller propels air back, generating thrust</a:t>
+            </a:r>
+          </a:p>
+          <a:p>
+            <a:pPr marL="0" lvl="0" indent="0" algn="l" rtl="0">
+              <a:spcBef>
+                <a:spcPts val="0"/>
+              </a:spcBef>
+              <a:spcAft>
+                <a:spcPts val="0"/>
+              </a:spcAft>
+              <a:buNone/>
+            </a:pPr>
+            <a:r>
+              <a:rPr lang="en-US" dirty="0"/>
+              <a:t>Turbojet engine: Air gets intake, compressed, fuel added, burned, and then expelled</a:t>
+            </a:r>
+          </a:p>
+          <a:p>
+            <a:pPr marL="0" lvl="0" indent="0" algn="l" rtl="0">
+              <a:spcBef>
+                <a:spcPts val="0"/>
+              </a:spcBef>
+              <a:spcAft>
+                <a:spcPts val="0"/>
+              </a:spcAft>
+              <a:buNone/>
+            </a:pPr>
+            <a:r>
+              <a:rPr lang="en-US" dirty="0"/>
+              <a:t>Ramjet: Air gets compressed due to the aircraft going a high speed – aircraft using it normally need assistance to get up to speeds because ram jets have low efficiency at low speeds</a:t>
+            </a:r>
+          </a:p>
+          <a:p>
+            <a:pPr marL="0" lvl="0" indent="0" algn="l" rtl="0">
+              <a:spcBef>
+                <a:spcPts val="0"/>
+              </a:spcBef>
+              <a:spcAft>
+                <a:spcPts val="0"/>
+              </a:spcAft>
+              <a:buNone/>
+            </a:pPr>
+            <a:r>
+              <a:rPr lang="en-US" dirty="0"/>
+              <a:t>All 3 work by expelling air backwards</a:t>
+            </a:r>
+            <a:endParaRPr dirty="0"/>
+          </a:p>
+        </p:txBody>
+      </p:sp>
+    </p:spTree>
+  </p:cSld>
+  <p:clrMapOvr>
+    <a:masterClrMapping/>
+  </p:clrMapOvr>
+</p:notes>
+</file>
+
+<file path=ppt/notesSlides/notesSlide4.xml><?xml version="1.0" encoding="utf-8"?>
+<p:notes xmlns:a="http://schemas.openxmlformats.org/drawingml/2006/main" xmlns:r="http://schemas.openxmlformats.org/officeDocument/2006/relationships" xmlns:p="http://schemas.openxmlformats.org/presentationml/2006/main" showMasterSp="0" showMasterPhAnim="0">
+  <p:cSld>
+    <p:spTree>
+      <p:nvGrpSpPr>
+        <p:cNvPr id="1" name="Shape 1140"/>
+        <p:cNvGrpSpPr/>
+        <p:nvPr/>
+      </p:nvGrpSpPr>
+      <p:grpSpPr>
+        <a:xfrm>
+          <a:off x="0" y="0"/>
+          <a:ext cx="0" cy="0"/>
+          <a:chOff x="0" y="0"/>
+          <a:chExt cx="0" cy="0"/>
+        </a:xfrm>
+      </p:grpSpPr>
+      <p:sp>
+        <p:nvSpPr>
+          <p:cNvPr id="1141" name="Google Shape;1141;g1ff189cb9ef_0_1603:notes"/>
+          <p:cNvSpPr>
+            <a:spLocks noGrp="1" noRot="1" noChangeAspect="1"/>
+          </p:cNvSpPr>
+          <p:nvPr>
+            <p:ph type="sldImg" idx="2"/>
+          </p:nvPr>
+        </p:nvSpPr>
+        <p:spPr>
+          <a:xfrm>
+            <a:off x="381000" y="685800"/>
+            <a:ext cx="6096000" cy="3429000"/>
+          </a:xfrm>
+          <a:custGeom>
+            <a:avLst/>
+            <a:gdLst/>
+            <a:ahLst/>
+            <a:cxnLst/>
+            <a:rect l="l" t="t" r="r" b="b"/>
+            <a:pathLst>
+              <a:path w="120000" h="120000" extrusionOk="0">
+                <a:moveTo>
+                  <a:pt x="0" y="0"/>
+                </a:moveTo>
+                <a:lnTo>
+                  <a:pt x="120000" y="0"/>
+                </a:lnTo>
+                <a:lnTo>
+                  <a:pt x="120000" y="120000"/>
+                </a:lnTo>
+                <a:lnTo>
+                  <a:pt x="0" y="120000"/>
+                </a:lnTo>
+                <a:close/>
+              </a:path>
+            </a:pathLst>
+          </a:custGeom>
+        </p:spPr>
+      </p:sp>
+      <p:sp>
+        <p:nvSpPr>
+          <p:cNvPr id="1142" name="Google Shape;1142;g1ff189cb9ef_0_1603:notes"/>
+          <p:cNvSpPr txBox="1">
+            <a:spLocks noGrp="1"/>
+          </p:cNvSpPr>
+          <p:nvPr>
+            <p:ph type="body" idx="1"/>
+          </p:nvPr>
+        </p:nvSpPr>
+        <p:spPr>
+          <a:xfrm>
+            <a:off x="685800" y="4343400"/>
+            <a:ext cx="5486400" cy="4114800"/>
+          </a:xfrm>
+          <a:prstGeom prst="rect">
+            <a:avLst/>
+          </a:prstGeom>
+        </p:spPr>
+        <p:txBody>
+          <a:bodyPr spcFirstLastPara="1" wrap="square" lIns="91425" tIns="91425" rIns="91425" bIns="91425" anchor="t" anchorCtr="0">
+            <a:noAutofit/>
+          </a:bodyPr>
+          <a:lstStyle/>
+          <a:p>
+            <a:pPr marL="0" lvl="0" indent="0" algn="l" rtl="0">
+              <a:spcBef>
+                <a:spcPts val="0"/>
+              </a:spcBef>
+              <a:spcAft>
+                <a:spcPts val="0"/>
+              </a:spcAft>
+              <a:buNone/>
+            </a:pPr>
+            <a:r>
+              <a:rPr lang="en-US" dirty="0"/>
+              <a:t>Have students guess which ones</a:t>
+            </a:r>
+            <a:endParaRPr dirty="0"/>
           </a:p>
         </p:txBody>
       </p:sp>
@@ -1461,6 +1515,21 @@
               <a:rPr lang="en-US" dirty="0"/>
               <a:t>However, to get higher thrust, the hollow core is used. This increases the surface area of the propellants available for burning. The propellants burn from the inside out at a much higher rate, sending mass out the nozzle at a higher rate and speed. This typically results in greater thrust. </a:t>
             </a:r>
+          </a:p>
+          <a:p>
+            <a:pPr marL="0" lvl="0" indent="0" algn="l" rtl="0">
+              <a:spcBef>
+                <a:spcPts val="0"/>
+              </a:spcBef>
+              <a:spcAft>
+                <a:spcPts val="0"/>
+              </a:spcAft>
+              <a:buNone/>
+            </a:pPr>
+            <a:r>
+              <a:rPr lang="en-US" dirty="0"/>
+              <a:t>End burning – easier to manufacture, longer burn time, but can lift less payload</a:t>
+            </a:r>
             <a:endParaRPr dirty="0"/>
           </a:p>
         </p:txBody>
@@ -1479,6 +1548,164 @@
 </file>
 
 <file path=ppt/notesSlides/notesSlide8.xml><?xml version="1.0" encoding="utf-8"?>
+<p:notes xmlns:a="http://schemas.openxmlformats.org/drawingml/2006/main" xmlns:r="http://schemas.openxmlformats.org/officeDocument/2006/relationships" xmlns:p="http://schemas.openxmlformats.org/presentationml/2006/main" showMasterSp="0" showMasterPhAnim="0">
+  <p:cSld>
+    <p:spTree>
+      <p:nvGrpSpPr>
+        <p:cNvPr id="1" name="Shape 1113"/>
+        <p:cNvGrpSpPr/>
+        <p:nvPr/>
+      </p:nvGrpSpPr>
+      <p:grpSpPr>
+        <a:xfrm>
+          <a:off x="0" y="0"/>
+          <a:ext cx="0" cy="0"/>
+          <a:chOff x="0" y="0"/>
+          <a:chExt cx="0" cy="0"/>
+        </a:xfrm>
+      </p:grpSpPr>
+      <p:sp>
+        <p:nvSpPr>
+          <p:cNvPr id="1114" name="Google Shape;1114;g877498f77e_1_19:notes"/>
+          <p:cNvSpPr>
+            <a:spLocks noGrp="1" noRot="1" noChangeAspect="1"/>
+          </p:cNvSpPr>
+          <p:nvPr>
+            <p:ph type="sldImg" idx="2"/>
+          </p:nvPr>
+        </p:nvSpPr>
+        <p:spPr>
+          <a:xfrm>
+            <a:off x="381000" y="685800"/>
+            <a:ext cx="6096000" cy="3429000"/>
+          </a:xfrm>
+          <a:custGeom>
+            <a:avLst/>
+            <a:gdLst/>
+            <a:ahLst/>
+            <a:cxnLst/>
+            <a:rect l="l" t="t" r="r" b="b"/>
+            <a:pathLst>
+              <a:path w="120000" h="120000" extrusionOk="0">
+                <a:moveTo>
+                  <a:pt x="0" y="0"/>
+                </a:moveTo>
+                <a:lnTo>
+                  <a:pt x="120000" y="0"/>
+                </a:lnTo>
+                <a:lnTo>
+                  <a:pt x="120000" y="120000"/>
+                </a:lnTo>
+                <a:lnTo>
+                  <a:pt x="0" y="120000"/>
+                </a:lnTo>
+                <a:close/>
+              </a:path>
+            </a:pathLst>
+          </a:custGeom>
+        </p:spPr>
+      </p:sp>
+      <p:sp>
+        <p:nvSpPr>
+          <p:cNvPr id="1115" name="Google Shape;1115;g877498f77e_1_19:notes"/>
+          <p:cNvSpPr txBox="1">
+            <a:spLocks noGrp="1"/>
+          </p:cNvSpPr>
+          <p:nvPr>
+            <p:ph type="body" idx="1"/>
+          </p:nvPr>
+        </p:nvSpPr>
+        <p:spPr>
+          <a:xfrm>
+            <a:off x="685800" y="4343400"/>
+            <a:ext cx="5486400" cy="4114800"/>
+          </a:xfrm>
+          <a:prstGeom prst="rect">
+            <a:avLst/>
+          </a:prstGeom>
+        </p:spPr>
+        <p:txBody>
+          <a:bodyPr spcFirstLastPara="1" wrap="square" lIns="91425" tIns="91425" rIns="91425" bIns="91425" anchor="t" anchorCtr="0">
+            <a:noAutofit/>
+          </a:bodyPr>
+          <a:lstStyle/>
+          <a:p>
+            <a:pPr marL="0" lvl="0" indent="0" algn="l" rtl="0">
+              <a:spcBef>
+                <a:spcPts val="0"/>
+              </a:spcBef>
+              <a:spcAft>
+                <a:spcPts val="0"/>
+              </a:spcAft>
+              <a:buNone/>
+            </a:pPr>
+            <a:r>
+              <a:rPr lang="en-US" dirty="0"/>
+              <a:t>Liquid hydrogen and oxygen combine to turn into water, releasing energy and hot gasses that get expelled, producing thrust</a:t>
+            </a:r>
+          </a:p>
+          <a:p>
+            <a:pPr marL="0" lvl="0" indent="0" algn="l" rtl="0">
+              <a:spcBef>
+                <a:spcPts val="0"/>
+              </a:spcBef>
+              <a:spcAft>
+                <a:spcPts val="0"/>
+              </a:spcAft>
+              <a:buNone/>
+            </a:pPr>
+            <a:r>
+              <a:rPr lang="en-US" dirty="0"/>
+              <a:t>Gunpowder – charcoal is fuel, potassium nitrate is oxidizer</a:t>
+            </a:r>
+          </a:p>
+          <a:p>
+            <a:pPr marL="0" lvl="0" indent="0" algn="l" rtl="0">
+              <a:spcBef>
+                <a:spcPts val="0"/>
+              </a:spcBef>
+              <a:spcAft>
+                <a:spcPts val="0"/>
+              </a:spcAft>
+              <a:buNone/>
+            </a:pPr>
+            <a:r>
+              <a:rPr lang="en-US" dirty="0"/>
+              <a:t>Baking soda + vinegar produce CO2, and that gas gets expelled, producing thrust</a:t>
+            </a:r>
+          </a:p>
+          <a:p>
+            <a:pPr marL="0" lvl="0" indent="0" algn="l" rtl="0">
+              <a:spcBef>
+                <a:spcPts val="0"/>
+              </a:spcBef>
+              <a:spcAft>
+                <a:spcPts val="0"/>
+              </a:spcAft>
+              <a:buNone/>
+            </a:pPr>
+            <a:r>
+              <a:rPr lang="en-US" dirty="0"/>
+              <a:t>Alka seltzer contains both the base and the acid – citric acid and sodium bicarbonate ( baking soda) – water is just a catalyst – reaction also releases CO2</a:t>
+            </a:r>
+            <a:endParaRPr dirty="0"/>
+          </a:p>
+        </p:txBody>
+      </p:sp>
+    </p:spTree>
+    <p:extLst>
+      <p:ext uri="{BB962C8B-B14F-4D97-AF65-F5344CB8AC3E}">
+        <p14:creationId xmlns:p14="http://schemas.microsoft.com/office/powerpoint/2010/main" val="3897960257"/>
+      </p:ext>
+    </p:extLst>
+  </p:cSld>
+  <p:clrMapOvr>
+    <a:masterClrMapping/>
+  </p:clrMapOvr>
+</p:notes>
+</file>
+
+<file path=ppt/notesSlides/notesSlide9.xml><?xml version="1.0" encoding="utf-8"?>
 <p:notes xmlns:a="http://schemas.openxmlformats.org/drawingml/2006/main" xmlns:r="http://schemas.openxmlformats.org/officeDocument/2006/relationships" xmlns:p="http://schemas.openxmlformats.org/presentationml/2006/main" showMasterSp="0" showMasterPhAnim="0">
   <p:cSld>
     <p:spTree>
@@ -21535,6 +21762,1533 @@
 </file>
 
 <file path=ppt/slides/slide2.xml><?xml version="1.0" encoding="utf-8"?>
+<p:sld xmlns:a="http://schemas.openxmlformats.org/drawingml/2006/main" xmlns:r="http://schemas.openxmlformats.org/officeDocument/2006/relationships" xmlns:p="http://schemas.openxmlformats.org/presentationml/2006/main">
+  <p:cSld>
+    <p:spTree>
+      <p:nvGrpSpPr>
+        <p:cNvPr id="1" name="Shape 1116"/>
+        <p:cNvGrpSpPr/>
+        <p:nvPr/>
+      </p:nvGrpSpPr>
+      <p:grpSpPr>
+        <a:xfrm>
+          <a:off x="0" y="0"/>
+          <a:ext cx="0" cy="0"/>
+          <a:chOff x="0" y="0"/>
+          <a:chExt cx="0" cy="0"/>
+        </a:xfrm>
+      </p:grpSpPr>
+      <p:sp>
+        <p:nvSpPr>
+          <p:cNvPr id="1117" name="Google Shape;1117;p42"/>
+          <p:cNvSpPr txBox="1">
+            <a:spLocks noGrp="1"/>
+          </p:cNvSpPr>
+          <p:nvPr>
+            <p:ph type="title" idx="9"/>
+          </p:nvPr>
+        </p:nvSpPr>
+        <p:spPr>
+          <a:xfrm>
+            <a:off x="720000" y="387600"/>
+            <a:ext cx="7704000" cy="592200"/>
+          </a:xfrm>
+          <a:prstGeom prst="rect">
+            <a:avLst/>
+          </a:prstGeom>
+        </p:spPr>
+        <p:txBody>
+          <a:bodyPr spcFirstLastPara="1" wrap="square" lIns="91425" tIns="91425" rIns="91425" bIns="91425" anchor="t" anchorCtr="0">
+            <a:noAutofit/>
+          </a:bodyPr>
+          <a:lstStyle/>
+          <a:p>
+            <a:pPr marL="0" lvl="0" indent="0" algn="l" rtl="0">
+              <a:spcBef>
+                <a:spcPts val="0"/>
+              </a:spcBef>
+              <a:spcAft>
+                <a:spcPts val="0"/>
+              </a:spcAft>
+              <a:buNone/>
+            </a:pPr>
+            <a:r>
+              <a:rPr lang="en" dirty="0"/>
+              <a:t>How Engines Work</a:t>
+            </a:r>
+            <a:endParaRPr dirty="0"/>
+          </a:p>
+        </p:txBody>
+      </p:sp>
+      <p:sp>
+        <p:nvSpPr>
+          <p:cNvPr id="1120" name="Google Shape;1120;p42"/>
+          <p:cNvSpPr txBox="1">
+            <a:spLocks noGrp="1"/>
+          </p:cNvSpPr>
+          <p:nvPr>
+            <p:ph type="subTitle" idx="2"/>
+          </p:nvPr>
+        </p:nvSpPr>
+        <p:spPr>
+          <a:xfrm>
+            <a:off x="643462" y="1522959"/>
+            <a:ext cx="6578220" cy="3021332"/>
+          </a:xfrm>
+          <a:prstGeom prst="rect">
+            <a:avLst/>
+          </a:prstGeom>
+        </p:spPr>
+        <p:txBody>
+          <a:bodyPr spcFirstLastPara="1" wrap="square" lIns="91425" tIns="91425" rIns="91425" bIns="91425" anchor="t" anchorCtr="0">
+            <a:noAutofit/>
+          </a:bodyPr>
+          <a:lstStyle/>
+          <a:p>
+            <a:pPr marL="285750" lvl="0" indent="-285750" algn="l" rtl="0">
+              <a:spcBef>
+                <a:spcPts val="0"/>
+              </a:spcBef>
+              <a:spcAft>
+                <a:spcPts val="0"/>
+              </a:spcAft>
+              <a:buFont typeface="Arial" panose="020B0604020202020204" pitchFamily="34" charset="0"/>
+              <a:buChar char="•"/>
+            </a:pPr>
+            <a:r>
+              <a:rPr lang="en-US" sz="2000" dirty="0"/>
+              <a:t>In order for something to burn, you need a fuel + oxidizer</a:t>
+            </a:r>
+          </a:p>
+          <a:p>
+            <a:pPr marL="742950" lvl="1" indent="-285750">
+              <a:buFont typeface="Arial" panose="020B0604020202020204" pitchFamily="34" charset="0"/>
+              <a:buChar char="•"/>
+            </a:pPr>
+            <a:r>
+              <a:rPr lang="en-US" sz="2000" dirty="0"/>
+              <a:t>Fuel – the chemical that burns</a:t>
+            </a:r>
+          </a:p>
+          <a:p>
+            <a:pPr marL="742950" lvl="1" indent="-285750">
+              <a:buFont typeface="Arial" panose="020B0604020202020204" pitchFamily="34" charset="0"/>
+              <a:buChar char="•"/>
+            </a:pPr>
+            <a:r>
+              <a:rPr lang="en-US" sz="2000" dirty="0"/>
+              <a:t>Oxidizer – the thing that causes the burning</a:t>
+            </a:r>
+          </a:p>
+          <a:p>
+            <a:pPr marL="285750" indent="-285750" algn="l">
+              <a:buFont typeface="Arial" panose="020B0604020202020204" pitchFamily="34" charset="0"/>
+              <a:buChar char="•"/>
+            </a:pPr>
+            <a:r>
+              <a:rPr lang="en-US" sz="2000" dirty="0"/>
+              <a:t>Compare this to airplanes</a:t>
+            </a:r>
+          </a:p>
+          <a:p>
+            <a:pPr marL="742950" lvl="1" indent="-285750">
+              <a:buFont typeface="Arial" panose="020B0604020202020204" pitchFamily="34" charset="0"/>
+              <a:buChar char="•"/>
+            </a:pPr>
+            <a:r>
+              <a:rPr lang="en-US" sz="2000" dirty="0"/>
+              <a:t>Where is their oxidizer?</a:t>
+            </a:r>
+          </a:p>
+          <a:p>
+            <a:pPr marL="285750" indent="-285750" algn="l">
+              <a:buFont typeface="Arial" panose="020B0604020202020204" pitchFamily="34" charset="0"/>
+              <a:buChar char="•"/>
+            </a:pPr>
+            <a:r>
+              <a:rPr lang="en-US" sz="2000" dirty="0"/>
+              <a:t>Motor vs engine</a:t>
+            </a:r>
+          </a:p>
+        </p:txBody>
+      </p:sp>
+      <p:sp>
+        <p:nvSpPr>
+          <p:cNvPr id="1127" name="Google Shape;1127;p42"/>
+          <p:cNvSpPr/>
+          <p:nvPr/>
+        </p:nvSpPr>
+        <p:spPr>
+          <a:xfrm>
+            <a:off x="825075" y="1021550"/>
+            <a:ext cx="3180300" cy="78600"/>
+          </a:xfrm>
+          <a:prstGeom prst="roundRect">
+            <a:avLst>
+              <a:gd name="adj" fmla="val 50000"/>
+            </a:avLst>
+          </a:prstGeom>
+          <a:gradFill>
+            <a:gsLst>
+              <a:gs pos="0">
+                <a:srgbClr val="FFFFFF">
+                  <a:alpha val="0"/>
+                </a:srgbClr>
+              </a:gs>
+              <a:gs pos="100000">
+                <a:srgbClr val="FFFFFF">
+                  <a:alpha val="56078"/>
+                </a:srgbClr>
+              </a:gs>
+            </a:gsLst>
+            <a:lin ang="0" scaled="0"/>
+          </a:gradFill>
+          <a:ln>
+            <a:noFill/>
+          </a:ln>
+        </p:spPr>
+        <p:txBody>
+          <a:bodyPr spcFirstLastPara="1" wrap="square" lIns="91425" tIns="91425" rIns="91425" bIns="91425" anchor="ctr" anchorCtr="0">
+            <a:noAutofit/>
+          </a:bodyPr>
+          <a:lstStyle/>
+          <a:p>
+            <a:pPr marL="0" lvl="0" indent="0" algn="l" rtl="0">
+              <a:spcBef>
+                <a:spcPts val="0"/>
+              </a:spcBef>
+              <a:spcAft>
+                <a:spcPts val="0"/>
+              </a:spcAft>
+              <a:buNone/>
+            </a:pPr>
+            <a:endParaRPr/>
+          </a:p>
+        </p:txBody>
+      </p:sp>
+      <p:grpSp>
+        <p:nvGrpSpPr>
+          <p:cNvPr id="1128" name="Google Shape;1128;p42"/>
+          <p:cNvGrpSpPr/>
+          <p:nvPr/>
+        </p:nvGrpSpPr>
+        <p:grpSpPr>
+          <a:xfrm>
+            <a:off x="7507154" y="182008"/>
+            <a:ext cx="1114164" cy="1020775"/>
+            <a:chOff x="2972050" y="2772000"/>
+            <a:chExt cx="907300" cy="831250"/>
+          </a:xfrm>
+        </p:grpSpPr>
+        <p:sp>
+          <p:nvSpPr>
+            <p:cNvPr id="1129" name="Google Shape;1129;p42"/>
+            <p:cNvSpPr/>
+            <p:nvPr/>
+          </p:nvSpPr>
+          <p:spPr>
+            <a:xfrm>
+              <a:off x="3425675" y="2772000"/>
+              <a:ext cx="453675" cy="465250"/>
+            </a:xfrm>
+            <a:custGeom>
+              <a:avLst/>
+              <a:gdLst/>
+              <a:ahLst/>
+              <a:cxnLst/>
+              <a:rect l="l" t="t" r="r" b="b"/>
+              <a:pathLst>
+                <a:path w="18147" h="18610" extrusionOk="0">
+                  <a:moveTo>
+                    <a:pt x="18147" y="405"/>
+                  </a:moveTo>
+                  <a:cubicBezTo>
+                    <a:pt x="17877" y="3218"/>
+                    <a:pt x="17588" y="6049"/>
+                    <a:pt x="16587" y="8688"/>
+                  </a:cubicBezTo>
+                  <a:cubicBezTo>
+                    <a:pt x="14294" y="14679"/>
+                    <a:pt x="6069" y="18609"/>
+                    <a:pt x="3295" y="10807"/>
+                  </a:cubicBezTo>
+                  <a:cubicBezTo>
+                    <a:pt x="1" y="1542"/>
+                    <a:pt x="11809" y="1"/>
+                    <a:pt x="18147" y="405"/>
+                  </a:cubicBezTo>
+                  <a:close/>
+                </a:path>
+              </a:pathLst>
+            </a:custGeom>
+            <a:gradFill>
+              <a:gsLst>
+                <a:gs pos="0">
+                  <a:schemeClr val="accent2"/>
+                </a:gs>
+                <a:gs pos="100000">
+                  <a:srgbClr val="FFFFFF">
+                    <a:alpha val="0"/>
+                  </a:srgbClr>
+                </a:gs>
+              </a:gsLst>
+              <a:lin ang="0" scaled="0"/>
+            </a:gradFill>
+            <a:ln>
+              <a:noFill/>
+            </a:ln>
+          </p:spPr>
+          <p:txBody>
+            <a:bodyPr spcFirstLastPara="1" wrap="square" lIns="91425" tIns="91425" rIns="91425" bIns="91425" anchor="ctr" anchorCtr="0">
+              <a:noAutofit/>
+            </a:bodyPr>
+            <a:lstStyle/>
+            <a:p>
+              <a:pPr marL="0" lvl="0" indent="0" algn="l" rtl="0">
+                <a:spcBef>
+                  <a:spcPts val="0"/>
+                </a:spcBef>
+                <a:spcAft>
+                  <a:spcPts val="0"/>
+                </a:spcAft>
+                <a:buNone/>
+              </a:pPr>
+              <a:endParaRPr/>
+            </a:p>
+          </p:txBody>
+        </p:sp>
+        <p:sp>
+          <p:nvSpPr>
+            <p:cNvPr id="1130" name="Google Shape;1130;p42"/>
+            <p:cNvSpPr/>
+            <p:nvPr/>
+          </p:nvSpPr>
+          <p:spPr>
+            <a:xfrm>
+              <a:off x="3472875" y="2865425"/>
+              <a:ext cx="307275" cy="314975"/>
+            </a:xfrm>
+            <a:custGeom>
+              <a:avLst/>
+              <a:gdLst/>
+              <a:ahLst/>
+              <a:cxnLst/>
+              <a:rect l="l" t="t" r="r" b="b"/>
+              <a:pathLst>
+                <a:path w="12291" h="12599" extrusionOk="0">
+                  <a:moveTo>
+                    <a:pt x="12291" y="271"/>
+                  </a:moveTo>
+                  <a:cubicBezTo>
+                    <a:pt x="12098" y="2178"/>
+                    <a:pt x="11905" y="4104"/>
+                    <a:pt x="11231" y="5876"/>
+                  </a:cubicBezTo>
+                  <a:cubicBezTo>
+                    <a:pt x="9690" y="9941"/>
+                    <a:pt x="4104" y="12599"/>
+                    <a:pt x="2235" y="7321"/>
+                  </a:cubicBezTo>
+                  <a:cubicBezTo>
+                    <a:pt x="1" y="1041"/>
+                    <a:pt x="8014" y="1"/>
+                    <a:pt x="12291" y="271"/>
+                  </a:cubicBezTo>
+                  <a:close/>
+                </a:path>
+              </a:pathLst>
+            </a:custGeom>
+            <a:gradFill>
+              <a:gsLst>
+                <a:gs pos="0">
+                  <a:schemeClr val="accent2"/>
+                </a:gs>
+                <a:gs pos="100000">
+                  <a:schemeClr val="accent6"/>
+                </a:gs>
+              </a:gsLst>
+              <a:lin ang="0" scaled="0"/>
+            </a:gradFill>
+            <a:ln>
+              <a:noFill/>
+            </a:ln>
+          </p:spPr>
+          <p:txBody>
+            <a:bodyPr spcFirstLastPara="1" wrap="square" lIns="91425" tIns="91425" rIns="91425" bIns="91425" anchor="ctr" anchorCtr="0">
+              <a:noAutofit/>
+            </a:bodyPr>
+            <a:lstStyle/>
+            <a:p>
+              <a:pPr marL="0" lvl="0" indent="0" algn="l" rtl="0">
+                <a:spcBef>
+                  <a:spcPts val="0"/>
+                </a:spcBef>
+                <a:spcAft>
+                  <a:spcPts val="0"/>
+                </a:spcAft>
+                <a:buNone/>
+              </a:pPr>
+              <a:endParaRPr/>
+            </a:p>
+          </p:txBody>
+        </p:sp>
+        <p:sp>
+          <p:nvSpPr>
+            <p:cNvPr id="1131" name="Google Shape;1131;p42"/>
+            <p:cNvSpPr/>
+            <p:nvPr/>
+          </p:nvSpPr>
+          <p:spPr>
+            <a:xfrm>
+              <a:off x="3321175" y="2860125"/>
+              <a:ext cx="400700" cy="419975"/>
+            </a:xfrm>
+            <a:custGeom>
+              <a:avLst/>
+              <a:gdLst/>
+              <a:ahLst/>
+              <a:cxnLst/>
+              <a:rect l="l" t="t" r="r" b="b"/>
+              <a:pathLst>
+                <a:path w="16028" h="16799" extrusionOk="0">
+                  <a:moveTo>
+                    <a:pt x="9478" y="16741"/>
+                  </a:moveTo>
+                  <a:cubicBezTo>
+                    <a:pt x="9498" y="16760"/>
+                    <a:pt x="9498" y="16779"/>
+                    <a:pt x="9498" y="16798"/>
+                  </a:cubicBezTo>
+                  <a:cubicBezTo>
+                    <a:pt x="12464" y="15527"/>
+                    <a:pt x="16028" y="15257"/>
+                    <a:pt x="15989" y="11694"/>
+                  </a:cubicBezTo>
+                  <a:cubicBezTo>
+                    <a:pt x="15970" y="9093"/>
+                    <a:pt x="14545" y="6300"/>
+                    <a:pt x="12753" y="4470"/>
+                  </a:cubicBezTo>
+                  <a:cubicBezTo>
+                    <a:pt x="11193" y="2871"/>
+                    <a:pt x="6820" y="1"/>
+                    <a:pt x="4393" y="1137"/>
+                  </a:cubicBezTo>
+                  <a:cubicBezTo>
+                    <a:pt x="3237" y="1696"/>
+                    <a:pt x="1" y="6589"/>
+                    <a:pt x="579" y="7937"/>
+                  </a:cubicBezTo>
+                  <a:cubicBezTo>
+                    <a:pt x="1041" y="8939"/>
+                    <a:pt x="5029" y="10307"/>
+                    <a:pt x="6050" y="11270"/>
+                  </a:cubicBezTo>
+                  <a:cubicBezTo>
+                    <a:pt x="7629" y="12772"/>
+                    <a:pt x="8843" y="14660"/>
+                    <a:pt x="9478" y="16741"/>
+                  </a:cubicBezTo>
+                  <a:close/>
+                </a:path>
+              </a:pathLst>
+            </a:custGeom>
+            <a:gradFill>
+              <a:gsLst>
+                <a:gs pos="0">
+                  <a:schemeClr val="dk2"/>
+                </a:gs>
+                <a:gs pos="100000">
+                  <a:schemeClr val="lt2"/>
+                </a:gs>
+              </a:gsLst>
+              <a:lin ang="0" scaled="0"/>
+            </a:gradFill>
+            <a:ln>
+              <a:noFill/>
+            </a:ln>
+          </p:spPr>
+          <p:txBody>
+            <a:bodyPr spcFirstLastPara="1" wrap="square" lIns="91425" tIns="91425" rIns="91425" bIns="91425" anchor="ctr" anchorCtr="0">
+              <a:noAutofit/>
+            </a:bodyPr>
+            <a:lstStyle/>
+            <a:p>
+              <a:pPr marL="0" lvl="0" indent="0" algn="l" rtl="0">
+                <a:spcBef>
+                  <a:spcPts val="0"/>
+                </a:spcBef>
+                <a:spcAft>
+                  <a:spcPts val="0"/>
+                </a:spcAft>
+                <a:buNone/>
+              </a:pPr>
+              <a:endParaRPr/>
+            </a:p>
+          </p:txBody>
+        </p:sp>
+        <p:sp>
+          <p:nvSpPr>
+            <p:cNvPr id="1132" name="Google Shape;1132;p42"/>
+            <p:cNvSpPr/>
+            <p:nvPr/>
+          </p:nvSpPr>
+          <p:spPr>
+            <a:xfrm>
+              <a:off x="3102075" y="2801875"/>
+              <a:ext cx="200350" cy="438725"/>
+            </a:xfrm>
+            <a:custGeom>
+              <a:avLst/>
+              <a:gdLst/>
+              <a:ahLst/>
+              <a:cxnLst/>
+              <a:rect l="l" t="t" r="r" b="b"/>
+              <a:pathLst>
+                <a:path w="8014" h="17549" extrusionOk="0">
+                  <a:moveTo>
+                    <a:pt x="0" y="17549"/>
+                  </a:moveTo>
+                  <a:lnTo>
+                    <a:pt x="1541" y="2408"/>
+                  </a:lnTo>
+                  <a:lnTo>
+                    <a:pt x="3834" y="0"/>
+                  </a:lnTo>
+                  <a:lnTo>
+                    <a:pt x="8014" y="7763"/>
+                  </a:lnTo>
+                  <a:close/>
+                </a:path>
+              </a:pathLst>
+            </a:custGeom>
+            <a:gradFill>
+              <a:gsLst>
+                <a:gs pos="0">
+                  <a:schemeClr val="dk2"/>
+                </a:gs>
+                <a:gs pos="100000">
+                  <a:schemeClr val="lt2"/>
+                </a:gs>
+              </a:gsLst>
+              <a:lin ang="0" scaled="0"/>
+            </a:gradFill>
+            <a:ln>
+              <a:noFill/>
+            </a:ln>
+          </p:spPr>
+          <p:txBody>
+            <a:bodyPr spcFirstLastPara="1" wrap="square" lIns="91425" tIns="91425" rIns="91425" bIns="91425" anchor="ctr" anchorCtr="0">
+              <a:noAutofit/>
+            </a:bodyPr>
+            <a:lstStyle/>
+            <a:p>
+              <a:pPr marL="0" lvl="0" indent="0" algn="l" rtl="0">
+                <a:spcBef>
+                  <a:spcPts val="0"/>
+                </a:spcBef>
+                <a:spcAft>
+                  <a:spcPts val="0"/>
+                </a:spcAft>
+                <a:buNone/>
+              </a:pPr>
+              <a:endParaRPr/>
+            </a:p>
+          </p:txBody>
+        </p:sp>
+        <p:sp>
+          <p:nvSpPr>
+            <p:cNvPr id="1133" name="Google Shape;1133;p42"/>
+            <p:cNvSpPr/>
+            <p:nvPr/>
+          </p:nvSpPr>
+          <p:spPr>
+            <a:xfrm>
+              <a:off x="3102075" y="2801875"/>
+              <a:ext cx="116075" cy="438725"/>
+            </a:xfrm>
+            <a:custGeom>
+              <a:avLst/>
+              <a:gdLst/>
+              <a:ahLst/>
+              <a:cxnLst/>
+              <a:rect l="l" t="t" r="r" b="b"/>
+              <a:pathLst>
+                <a:path w="4643" h="17549" extrusionOk="0">
+                  <a:moveTo>
+                    <a:pt x="2774" y="3448"/>
+                  </a:moveTo>
+                  <a:lnTo>
+                    <a:pt x="925" y="17356"/>
+                  </a:lnTo>
+                  <a:lnTo>
+                    <a:pt x="0" y="17549"/>
+                  </a:lnTo>
+                  <a:lnTo>
+                    <a:pt x="1541" y="2408"/>
+                  </a:lnTo>
+                  <a:lnTo>
+                    <a:pt x="3834" y="0"/>
+                  </a:lnTo>
+                  <a:lnTo>
+                    <a:pt x="4643" y="1483"/>
+                  </a:lnTo>
+                  <a:close/>
+                </a:path>
+              </a:pathLst>
+            </a:custGeom>
+            <a:gradFill>
+              <a:gsLst>
+                <a:gs pos="0">
+                  <a:schemeClr val="accent2"/>
+                </a:gs>
+                <a:gs pos="100000">
+                  <a:schemeClr val="accent6"/>
+                </a:gs>
+              </a:gsLst>
+              <a:lin ang="0" scaled="0"/>
+            </a:gradFill>
+            <a:ln>
+              <a:noFill/>
+            </a:ln>
+          </p:spPr>
+          <p:txBody>
+            <a:bodyPr spcFirstLastPara="1" wrap="square" lIns="91425" tIns="91425" rIns="91425" bIns="91425" anchor="ctr" anchorCtr="0">
+              <a:noAutofit/>
+            </a:bodyPr>
+            <a:lstStyle/>
+            <a:p>
+              <a:pPr marL="0" lvl="0" indent="0" algn="l" rtl="0">
+                <a:spcBef>
+                  <a:spcPts val="0"/>
+                </a:spcBef>
+                <a:spcAft>
+                  <a:spcPts val="0"/>
+                </a:spcAft>
+                <a:buNone/>
+              </a:pPr>
+              <a:endParaRPr/>
+            </a:p>
+          </p:txBody>
+        </p:sp>
+        <p:sp>
+          <p:nvSpPr>
+            <p:cNvPr id="1134" name="Google Shape;1134;p42"/>
+            <p:cNvSpPr/>
+            <p:nvPr/>
+          </p:nvSpPr>
+          <p:spPr>
+            <a:xfrm>
+              <a:off x="3350550" y="3291625"/>
+              <a:ext cx="436350" cy="206625"/>
+            </a:xfrm>
+            <a:custGeom>
+              <a:avLst/>
+              <a:gdLst/>
+              <a:ahLst/>
+              <a:cxnLst/>
+              <a:rect l="l" t="t" r="r" b="b"/>
+              <a:pathLst>
+                <a:path w="17454" h="8265" extrusionOk="0">
+                  <a:moveTo>
+                    <a:pt x="1" y="8265"/>
+                  </a:moveTo>
+                  <a:lnTo>
+                    <a:pt x="15084" y="6319"/>
+                  </a:lnTo>
+                  <a:lnTo>
+                    <a:pt x="17453" y="3988"/>
+                  </a:lnTo>
+                  <a:lnTo>
+                    <a:pt x="9594" y="1"/>
+                  </a:lnTo>
+                  <a:close/>
+                </a:path>
+              </a:pathLst>
+            </a:custGeom>
+            <a:gradFill>
+              <a:gsLst>
+                <a:gs pos="0">
+                  <a:schemeClr val="dk2"/>
+                </a:gs>
+                <a:gs pos="100000">
+                  <a:schemeClr val="lt2"/>
+                </a:gs>
+              </a:gsLst>
+              <a:lin ang="0" scaled="0"/>
+            </a:gradFill>
+            <a:ln>
+              <a:noFill/>
+            </a:ln>
+          </p:spPr>
+          <p:txBody>
+            <a:bodyPr spcFirstLastPara="1" wrap="square" lIns="91425" tIns="91425" rIns="91425" bIns="91425" anchor="ctr" anchorCtr="0">
+              <a:noAutofit/>
+            </a:bodyPr>
+            <a:lstStyle/>
+            <a:p>
+              <a:pPr marL="0" lvl="0" indent="0" algn="l" rtl="0">
+                <a:spcBef>
+                  <a:spcPts val="0"/>
+                </a:spcBef>
+                <a:spcAft>
+                  <a:spcPts val="0"/>
+                </a:spcAft>
+                <a:buNone/>
+              </a:pPr>
+              <a:endParaRPr/>
+            </a:p>
+          </p:txBody>
+        </p:sp>
+        <p:sp>
+          <p:nvSpPr>
+            <p:cNvPr id="1135" name="Google Shape;1135;p42"/>
+            <p:cNvSpPr/>
+            <p:nvPr/>
+          </p:nvSpPr>
+          <p:spPr>
+            <a:xfrm>
+              <a:off x="3350550" y="3372050"/>
+              <a:ext cx="436350" cy="126200"/>
+            </a:xfrm>
+            <a:custGeom>
+              <a:avLst/>
+              <a:gdLst/>
+              <a:ahLst/>
+              <a:cxnLst/>
+              <a:rect l="l" t="t" r="r" b="b"/>
+              <a:pathLst>
+                <a:path w="17454" h="5048" extrusionOk="0">
+                  <a:moveTo>
+                    <a:pt x="14025" y="1908"/>
+                  </a:moveTo>
+                  <a:lnTo>
+                    <a:pt x="174" y="4104"/>
+                  </a:lnTo>
+                  <a:lnTo>
+                    <a:pt x="1" y="5048"/>
+                  </a:lnTo>
+                  <a:lnTo>
+                    <a:pt x="15084" y="3102"/>
+                  </a:lnTo>
+                  <a:lnTo>
+                    <a:pt x="17453" y="771"/>
+                  </a:lnTo>
+                  <a:lnTo>
+                    <a:pt x="15932" y="1"/>
+                  </a:lnTo>
+                  <a:close/>
+                </a:path>
+              </a:pathLst>
+            </a:custGeom>
+            <a:gradFill>
+              <a:gsLst>
+                <a:gs pos="0">
+                  <a:schemeClr val="accent2"/>
+                </a:gs>
+                <a:gs pos="100000">
+                  <a:schemeClr val="accent6"/>
+                </a:gs>
+              </a:gsLst>
+              <a:lin ang="0" scaled="0"/>
+            </a:gradFill>
+            <a:ln>
+              <a:noFill/>
+            </a:ln>
+          </p:spPr>
+          <p:txBody>
+            <a:bodyPr spcFirstLastPara="1" wrap="square" lIns="91425" tIns="91425" rIns="91425" bIns="91425" anchor="ctr" anchorCtr="0">
+              <a:noAutofit/>
+            </a:bodyPr>
+            <a:lstStyle/>
+            <a:p>
+              <a:pPr marL="0" lvl="0" indent="0" algn="l" rtl="0">
+                <a:spcBef>
+                  <a:spcPts val="0"/>
+                </a:spcBef>
+                <a:spcAft>
+                  <a:spcPts val="0"/>
+                </a:spcAft>
+                <a:buNone/>
+              </a:pPr>
+              <a:endParaRPr/>
+            </a:p>
+          </p:txBody>
+        </p:sp>
+        <p:sp>
+          <p:nvSpPr>
+            <p:cNvPr id="1136" name="Google Shape;1136;p42"/>
+            <p:cNvSpPr/>
+            <p:nvPr/>
+          </p:nvSpPr>
+          <p:spPr>
+            <a:xfrm>
+              <a:off x="2972050" y="2950150"/>
+              <a:ext cx="716600" cy="645675"/>
+            </a:xfrm>
+            <a:custGeom>
+              <a:avLst/>
+              <a:gdLst/>
+              <a:ahLst/>
+              <a:cxnLst/>
+              <a:rect l="l" t="t" r="r" b="b"/>
+              <a:pathLst>
+                <a:path w="28664" h="25827" extrusionOk="0">
+                  <a:moveTo>
+                    <a:pt x="15061" y="0"/>
+                  </a:moveTo>
+                  <a:cubicBezTo>
+                    <a:pt x="12478" y="0"/>
+                    <a:pt x="10436" y="3076"/>
+                    <a:pt x="8842" y="5049"/>
+                  </a:cubicBezTo>
+                  <a:cubicBezTo>
+                    <a:pt x="5008" y="9769"/>
+                    <a:pt x="2158" y="15259"/>
+                    <a:pt x="578" y="21134"/>
+                  </a:cubicBezTo>
+                  <a:lnTo>
+                    <a:pt x="578" y="21115"/>
+                  </a:lnTo>
+                  <a:lnTo>
+                    <a:pt x="578" y="21115"/>
+                  </a:lnTo>
+                  <a:cubicBezTo>
+                    <a:pt x="231" y="22444"/>
+                    <a:pt x="0" y="24004"/>
+                    <a:pt x="905" y="25025"/>
+                  </a:cubicBezTo>
+                  <a:cubicBezTo>
+                    <a:pt x="1461" y="25622"/>
+                    <a:pt x="2238" y="25826"/>
+                    <a:pt x="3067" y="25826"/>
+                  </a:cubicBezTo>
+                  <a:cubicBezTo>
+                    <a:pt x="3762" y="25826"/>
+                    <a:pt x="4495" y="25682"/>
+                    <a:pt x="5163" y="25507"/>
+                  </a:cubicBezTo>
+                  <a:cubicBezTo>
+                    <a:pt x="10768" y="24023"/>
+                    <a:pt x="16123" y="21673"/>
+                    <a:pt x="21016" y="18553"/>
+                  </a:cubicBezTo>
+                  <a:cubicBezTo>
+                    <a:pt x="22923" y="17339"/>
+                    <a:pt x="24830" y="15933"/>
+                    <a:pt x="25774" y="13891"/>
+                  </a:cubicBezTo>
+                  <a:cubicBezTo>
+                    <a:pt x="28664" y="7688"/>
+                    <a:pt x="21267" y="214"/>
+                    <a:pt x="15179" y="2"/>
+                  </a:cubicBezTo>
+                  <a:cubicBezTo>
+                    <a:pt x="15140" y="1"/>
+                    <a:pt x="15100" y="0"/>
+                    <a:pt x="15061" y="0"/>
+                  </a:cubicBezTo>
+                  <a:close/>
+                </a:path>
+              </a:pathLst>
+            </a:custGeom>
+            <a:solidFill>
+              <a:schemeClr val="lt1"/>
+            </a:solidFill>
+            <a:ln>
+              <a:noFill/>
+            </a:ln>
+          </p:spPr>
+          <p:txBody>
+            <a:bodyPr spcFirstLastPara="1" wrap="square" lIns="91425" tIns="91425" rIns="91425" bIns="91425" anchor="ctr" anchorCtr="0">
+              <a:noAutofit/>
+            </a:bodyPr>
+            <a:lstStyle/>
+            <a:p>
+              <a:pPr marL="0" lvl="0" indent="0" algn="l" rtl="0">
+                <a:spcBef>
+                  <a:spcPts val="0"/>
+                </a:spcBef>
+                <a:spcAft>
+                  <a:spcPts val="0"/>
+                </a:spcAft>
+                <a:buNone/>
+              </a:pPr>
+              <a:endParaRPr/>
+            </a:p>
+          </p:txBody>
+        </p:sp>
+        <p:sp>
+          <p:nvSpPr>
+            <p:cNvPr id="1137" name="Google Shape;1137;p42"/>
+            <p:cNvSpPr/>
+            <p:nvPr/>
+          </p:nvSpPr>
+          <p:spPr>
+            <a:xfrm>
+              <a:off x="2972050" y="3394700"/>
+              <a:ext cx="206600" cy="208550"/>
+            </a:xfrm>
+            <a:custGeom>
+              <a:avLst/>
+              <a:gdLst/>
+              <a:ahLst/>
+              <a:cxnLst/>
+              <a:rect l="l" t="t" r="r" b="b"/>
+              <a:pathLst>
+                <a:path w="8264" h="8342" extrusionOk="0">
+                  <a:moveTo>
+                    <a:pt x="7879" y="6049"/>
+                  </a:moveTo>
+                  <a:cubicBezTo>
+                    <a:pt x="7185" y="4739"/>
+                    <a:pt x="6318" y="3506"/>
+                    <a:pt x="5259" y="2466"/>
+                  </a:cubicBezTo>
+                  <a:cubicBezTo>
+                    <a:pt x="4238" y="1406"/>
+                    <a:pt x="3005" y="559"/>
+                    <a:pt x="1637" y="0"/>
+                  </a:cubicBezTo>
+                  <a:lnTo>
+                    <a:pt x="1637" y="0"/>
+                  </a:lnTo>
+                  <a:cubicBezTo>
+                    <a:pt x="1252" y="1098"/>
+                    <a:pt x="886" y="2215"/>
+                    <a:pt x="597" y="3333"/>
+                  </a:cubicBezTo>
+                  <a:cubicBezTo>
+                    <a:pt x="231" y="4662"/>
+                    <a:pt x="0" y="6222"/>
+                    <a:pt x="925" y="7243"/>
+                  </a:cubicBezTo>
+                  <a:cubicBezTo>
+                    <a:pt x="1926" y="8341"/>
+                    <a:pt x="3699" y="8110"/>
+                    <a:pt x="5163" y="7725"/>
+                  </a:cubicBezTo>
+                  <a:cubicBezTo>
+                    <a:pt x="6203" y="7455"/>
+                    <a:pt x="7243" y="7147"/>
+                    <a:pt x="8264" y="6800"/>
+                  </a:cubicBezTo>
+                  <a:cubicBezTo>
+                    <a:pt x="8148" y="6550"/>
+                    <a:pt x="8014" y="6299"/>
+                    <a:pt x="7879" y="6049"/>
+                  </a:cubicBezTo>
+                  <a:close/>
+                </a:path>
+              </a:pathLst>
+            </a:custGeom>
+            <a:gradFill>
+              <a:gsLst>
+                <a:gs pos="0">
+                  <a:schemeClr val="dk2"/>
+                </a:gs>
+                <a:gs pos="100000">
+                  <a:schemeClr val="lt2"/>
+                </a:gs>
+              </a:gsLst>
+              <a:lin ang="0" scaled="0"/>
+            </a:gradFill>
+            <a:ln>
+              <a:noFill/>
+            </a:ln>
+          </p:spPr>
+          <p:txBody>
+            <a:bodyPr spcFirstLastPara="1" wrap="square" lIns="91425" tIns="91425" rIns="91425" bIns="91425" anchor="ctr" anchorCtr="0">
+              <a:noAutofit/>
+            </a:bodyPr>
+            <a:lstStyle/>
+            <a:p>
+              <a:pPr marL="0" lvl="0" indent="0" algn="l" rtl="0">
+                <a:spcBef>
+                  <a:spcPts val="0"/>
+                </a:spcBef>
+                <a:spcAft>
+                  <a:spcPts val="0"/>
+                </a:spcAft>
+                <a:buNone/>
+              </a:pPr>
+              <a:endParaRPr/>
+            </a:p>
+          </p:txBody>
+        </p:sp>
+        <p:sp>
+          <p:nvSpPr>
+            <p:cNvPr id="1138" name="Google Shape;1138;p42"/>
+            <p:cNvSpPr/>
+            <p:nvPr/>
+          </p:nvSpPr>
+          <p:spPr>
+            <a:xfrm>
+              <a:off x="3160825" y="3140425"/>
+              <a:ext cx="279325" cy="279825"/>
+            </a:xfrm>
+            <a:custGeom>
+              <a:avLst/>
+              <a:gdLst/>
+              <a:ahLst/>
+              <a:cxnLst/>
+              <a:rect l="l" t="t" r="r" b="b"/>
+              <a:pathLst>
+                <a:path w="11173" h="11193" extrusionOk="0">
+                  <a:moveTo>
+                    <a:pt x="7397" y="1002"/>
+                  </a:moveTo>
+                  <a:cubicBezTo>
+                    <a:pt x="9940" y="2003"/>
+                    <a:pt x="11173" y="4854"/>
+                    <a:pt x="10190" y="7397"/>
+                  </a:cubicBezTo>
+                  <a:cubicBezTo>
+                    <a:pt x="9189" y="9940"/>
+                    <a:pt x="6319" y="11192"/>
+                    <a:pt x="3776" y="10190"/>
+                  </a:cubicBezTo>
+                  <a:cubicBezTo>
+                    <a:pt x="1252" y="9189"/>
+                    <a:pt x="0" y="6318"/>
+                    <a:pt x="1002" y="3776"/>
+                  </a:cubicBezTo>
+                  <a:cubicBezTo>
+                    <a:pt x="1984" y="1252"/>
+                    <a:pt x="4855" y="0"/>
+                    <a:pt x="7397" y="1002"/>
+                  </a:cubicBezTo>
+                  <a:close/>
+                </a:path>
+              </a:pathLst>
+            </a:custGeom>
+            <a:gradFill>
+              <a:gsLst>
+                <a:gs pos="0">
+                  <a:schemeClr val="accent2"/>
+                </a:gs>
+                <a:gs pos="100000">
+                  <a:schemeClr val="accent6"/>
+                </a:gs>
+              </a:gsLst>
+              <a:lin ang="0" scaled="0"/>
+            </a:gradFill>
+            <a:ln>
+              <a:noFill/>
+            </a:ln>
+          </p:spPr>
+          <p:txBody>
+            <a:bodyPr spcFirstLastPara="1" wrap="square" lIns="91425" tIns="91425" rIns="91425" bIns="91425" anchor="ctr" anchorCtr="0">
+              <a:noAutofit/>
+            </a:bodyPr>
+            <a:lstStyle/>
+            <a:p>
+              <a:pPr marL="0" lvl="0" indent="0" algn="l" rtl="0">
+                <a:spcBef>
+                  <a:spcPts val="0"/>
+                </a:spcBef>
+                <a:spcAft>
+                  <a:spcPts val="0"/>
+                </a:spcAft>
+                <a:buNone/>
+              </a:pPr>
+              <a:endParaRPr/>
+            </a:p>
+          </p:txBody>
+        </p:sp>
+        <p:sp>
+          <p:nvSpPr>
+            <p:cNvPr id="1139" name="Google Shape;1139;p42"/>
+            <p:cNvSpPr/>
+            <p:nvPr/>
+          </p:nvSpPr>
+          <p:spPr>
+            <a:xfrm>
+              <a:off x="3220525" y="3200125"/>
+              <a:ext cx="159925" cy="159925"/>
+            </a:xfrm>
+            <a:custGeom>
+              <a:avLst/>
+              <a:gdLst/>
+              <a:ahLst/>
+              <a:cxnLst/>
+              <a:rect l="l" t="t" r="r" b="b"/>
+              <a:pathLst>
+                <a:path w="6397" h="6397" extrusionOk="0">
+                  <a:moveTo>
+                    <a:pt x="6396" y="3198"/>
+                  </a:moveTo>
+                  <a:cubicBezTo>
+                    <a:pt x="6396" y="4971"/>
+                    <a:pt x="4971" y="6396"/>
+                    <a:pt x="3199" y="6396"/>
+                  </a:cubicBezTo>
+                  <a:cubicBezTo>
+                    <a:pt x="1426" y="6396"/>
+                    <a:pt x="1" y="4971"/>
+                    <a:pt x="1" y="3198"/>
+                  </a:cubicBezTo>
+                  <a:cubicBezTo>
+                    <a:pt x="1" y="1426"/>
+                    <a:pt x="1426" y="1"/>
+                    <a:pt x="3199" y="1"/>
+                  </a:cubicBezTo>
+                  <a:cubicBezTo>
+                    <a:pt x="4971" y="1"/>
+                    <a:pt x="6396" y="1426"/>
+                    <a:pt x="6396" y="3198"/>
+                  </a:cubicBezTo>
+                  <a:close/>
+                </a:path>
+              </a:pathLst>
+            </a:custGeom>
+            <a:solidFill>
+              <a:schemeClr val="accent1"/>
+            </a:solidFill>
+            <a:ln>
+              <a:noFill/>
+            </a:ln>
+          </p:spPr>
+          <p:txBody>
+            <a:bodyPr spcFirstLastPara="1" wrap="square" lIns="91425" tIns="91425" rIns="91425" bIns="91425" anchor="ctr" anchorCtr="0">
+              <a:noAutofit/>
+            </a:bodyPr>
+            <a:lstStyle/>
+            <a:p>
+              <a:pPr marL="0" lvl="0" indent="0" algn="l" rtl="0">
+                <a:spcBef>
+                  <a:spcPts val="0"/>
+                </a:spcBef>
+                <a:spcAft>
+                  <a:spcPts val="0"/>
+                </a:spcAft>
+                <a:buNone/>
+              </a:pPr>
+              <a:endParaRPr/>
+            </a:p>
+          </p:txBody>
+        </p:sp>
+      </p:grpSp>
+    </p:spTree>
+  </p:cSld>
+  <p:clrMapOvr>
+    <a:masterClrMapping/>
+  </p:clrMapOvr>
+</p:sld>
+</file>
+
+<file path=ppt/slides/slide3.xml><?xml version="1.0" encoding="utf-8"?>
+<p:sld xmlns:a="http://schemas.openxmlformats.org/drawingml/2006/main" xmlns:r="http://schemas.openxmlformats.org/officeDocument/2006/relationships" xmlns:p="http://schemas.openxmlformats.org/presentationml/2006/main">
+  <p:cSld>
+    <p:spTree>
+      <p:nvGrpSpPr>
+        <p:cNvPr id="1" name="Shape 1215"/>
+        <p:cNvGrpSpPr/>
+        <p:nvPr/>
+      </p:nvGrpSpPr>
+      <p:grpSpPr>
+        <a:xfrm>
+          <a:off x="0" y="0"/>
+          <a:ext cx="0" cy="0"/>
+          <a:chOff x="0" y="0"/>
+          <a:chExt cx="0" cy="0"/>
+        </a:xfrm>
+      </p:grpSpPr>
+      <p:sp>
+        <p:nvSpPr>
+          <p:cNvPr id="1216" name="Google Shape;1216;p46"/>
+          <p:cNvSpPr txBox="1">
+            <a:spLocks noGrp="1"/>
+          </p:cNvSpPr>
+          <p:nvPr>
+            <p:ph type="title"/>
+          </p:nvPr>
+        </p:nvSpPr>
+        <p:spPr>
+          <a:xfrm>
+            <a:off x="720000" y="387600"/>
+            <a:ext cx="7704000" cy="592200"/>
+          </a:xfrm>
+          <a:prstGeom prst="rect">
+            <a:avLst/>
+          </a:prstGeom>
+        </p:spPr>
+        <p:txBody>
+          <a:bodyPr spcFirstLastPara="1" wrap="square" lIns="91425" tIns="91425" rIns="91425" bIns="91425" anchor="t" anchorCtr="0">
+            <a:noAutofit/>
+          </a:bodyPr>
+          <a:lstStyle/>
+          <a:p>
+            <a:pPr marL="0" lvl="0" indent="0" algn="l" rtl="0">
+              <a:spcBef>
+                <a:spcPts val="0"/>
+              </a:spcBef>
+              <a:spcAft>
+                <a:spcPts val="0"/>
+              </a:spcAft>
+              <a:buNone/>
+            </a:pPr>
+            <a:r>
+              <a:rPr lang="en" dirty="0"/>
+              <a:t>Airplane Motors</a:t>
+            </a:r>
+            <a:endParaRPr dirty="0"/>
+          </a:p>
+        </p:txBody>
+      </p:sp>
+      <p:sp>
+        <p:nvSpPr>
+          <p:cNvPr id="1219" name="Google Shape;1219;p46"/>
+          <p:cNvSpPr/>
+          <p:nvPr/>
+        </p:nvSpPr>
+        <p:spPr>
+          <a:xfrm>
+            <a:off x="825075" y="1021550"/>
+            <a:ext cx="3180300" cy="78600"/>
+          </a:xfrm>
+          <a:prstGeom prst="roundRect">
+            <a:avLst>
+              <a:gd name="adj" fmla="val 50000"/>
+            </a:avLst>
+          </a:prstGeom>
+          <a:gradFill>
+            <a:gsLst>
+              <a:gs pos="0">
+                <a:srgbClr val="FFFFFF">
+                  <a:alpha val="0"/>
+                </a:srgbClr>
+              </a:gs>
+              <a:gs pos="100000">
+                <a:srgbClr val="FFFFFF">
+                  <a:alpha val="56078"/>
+                </a:srgbClr>
+              </a:gs>
+            </a:gsLst>
+            <a:lin ang="0" scaled="0"/>
+          </a:gradFill>
+          <a:ln>
+            <a:noFill/>
+          </a:ln>
+        </p:spPr>
+        <p:txBody>
+          <a:bodyPr spcFirstLastPara="1" wrap="square" lIns="91425" tIns="91425" rIns="91425" bIns="91425" anchor="ctr" anchorCtr="0">
+            <a:noAutofit/>
+          </a:bodyPr>
+          <a:lstStyle/>
+          <a:p>
+            <a:pPr marL="0" lvl="0" indent="0" algn="l" rtl="0">
+              <a:spcBef>
+                <a:spcPts val="0"/>
+              </a:spcBef>
+              <a:spcAft>
+                <a:spcPts val="0"/>
+              </a:spcAft>
+              <a:buNone/>
+            </a:pPr>
+            <a:endParaRPr/>
+          </a:p>
+        </p:txBody>
+      </p:sp>
+      <p:sp>
+        <p:nvSpPr>
+          <p:cNvPr id="1220" name="Google Shape;1220;p46"/>
+          <p:cNvSpPr/>
+          <p:nvPr/>
+        </p:nvSpPr>
+        <p:spPr>
+          <a:xfrm>
+            <a:off x="7878457" y="759014"/>
+            <a:ext cx="78214" cy="78273"/>
+          </a:xfrm>
+          <a:custGeom>
+            <a:avLst/>
+            <a:gdLst/>
+            <a:ahLst/>
+            <a:cxnLst/>
+            <a:rect l="l" t="t" r="r" b="b"/>
+            <a:pathLst>
+              <a:path w="1199" h="1200" extrusionOk="0">
+                <a:moveTo>
+                  <a:pt x="609" y="1"/>
+                </a:moveTo>
+                <a:lnTo>
+                  <a:pt x="400" y="381"/>
+                </a:lnTo>
+                <a:lnTo>
+                  <a:pt x="1" y="591"/>
+                </a:lnTo>
+                <a:lnTo>
+                  <a:pt x="400" y="800"/>
+                </a:lnTo>
+                <a:lnTo>
+                  <a:pt x="609" y="1199"/>
+                </a:lnTo>
+                <a:lnTo>
+                  <a:pt x="818" y="800"/>
+                </a:lnTo>
+                <a:lnTo>
+                  <a:pt x="1199" y="591"/>
+                </a:lnTo>
+                <a:lnTo>
+                  <a:pt x="818" y="381"/>
+                </a:lnTo>
+                <a:lnTo>
+                  <a:pt x="609" y="1"/>
+                </a:lnTo>
+                <a:close/>
+              </a:path>
+            </a:pathLst>
+          </a:custGeom>
+          <a:solidFill>
+            <a:srgbClr val="F9FBFC"/>
+          </a:solidFill>
+          <a:ln>
+            <a:noFill/>
+          </a:ln>
+        </p:spPr>
+        <p:txBody>
+          <a:bodyPr spcFirstLastPara="1" wrap="square" lIns="91425" tIns="91425" rIns="91425" bIns="91425" anchor="ctr" anchorCtr="0">
+            <a:noAutofit/>
+          </a:bodyPr>
+          <a:lstStyle/>
+          <a:p>
+            <a:pPr marL="0" lvl="0" indent="0" algn="l" rtl="0">
+              <a:spcBef>
+                <a:spcPts val="0"/>
+              </a:spcBef>
+              <a:spcAft>
+                <a:spcPts val="0"/>
+              </a:spcAft>
+              <a:buNone/>
+            </a:pPr>
+            <a:endParaRPr/>
+          </a:p>
+        </p:txBody>
+      </p:sp>
+      <p:pic>
+        <p:nvPicPr>
+          <p:cNvPr id="1026" name="Picture 2">
+            <a:extLst>
+              <a:ext uri="{FF2B5EF4-FFF2-40B4-BE49-F238E27FC236}">
+                <a16:creationId xmlns:a16="http://schemas.microsoft.com/office/drawing/2014/main" id="{0CF501CB-844C-C29B-4F0E-9F9D920A3108}"/>
+              </a:ext>
+            </a:extLst>
+          </p:cNvPr>
+          <p:cNvPicPr>
+            <a:picLocks noChangeAspect="1" noChangeArrowheads="1"/>
+          </p:cNvPicPr>
+          <p:nvPr/>
+        </p:nvPicPr>
+        <p:blipFill>
+          <a:blip r:embed="rId3">
+            <a:extLst>
+              <a:ext uri="{28A0092B-C50C-407E-A947-70E740481C1C}">
+                <a14:useLocalDpi xmlns:a14="http://schemas.microsoft.com/office/drawing/2010/main" val="0"/>
+              </a:ext>
+            </a:extLst>
+          </a:blip>
+          <a:srcRect/>
+          <a:stretch>
+            <a:fillRect/>
+          </a:stretch>
+        </p:blipFill>
+        <p:spPr bwMode="auto">
+          <a:xfrm>
+            <a:off x="4690411" y="1405992"/>
+            <a:ext cx="4576285" cy="1396720"/>
+          </a:xfrm>
+          <a:prstGeom prst="rect">
+            <a:avLst/>
+          </a:prstGeom>
+          <a:noFill/>
+          <a:extLst>
+            <a:ext uri="{909E8E84-426E-40DD-AFC4-6F175D3DCCD1}">
+              <a14:hiddenFill xmlns:a14="http://schemas.microsoft.com/office/drawing/2010/main">
+                <a:solidFill>
+                  <a:srgbClr val="FFFFFF"/>
+                </a:solidFill>
+              </a14:hiddenFill>
+            </a:ext>
+          </a:extLst>
+        </p:spPr>
+      </p:pic>
+      <p:grpSp>
+        <p:nvGrpSpPr>
+          <p:cNvPr id="4" name="Group 3">
+            <a:extLst>
+              <a:ext uri="{FF2B5EF4-FFF2-40B4-BE49-F238E27FC236}">
+                <a16:creationId xmlns:a16="http://schemas.microsoft.com/office/drawing/2014/main" id="{FC9880E5-9FA9-2A52-48CC-E417732533C5}"/>
+              </a:ext>
+            </a:extLst>
+          </p:cNvPr>
+          <p:cNvGrpSpPr/>
+          <p:nvPr/>
+        </p:nvGrpSpPr>
+        <p:grpSpPr>
+          <a:xfrm>
+            <a:off x="4940389" y="2881347"/>
+            <a:ext cx="3877978" cy="1921242"/>
+            <a:chOff x="1841957" y="2616771"/>
+            <a:chExt cx="4479902" cy="2419353"/>
+          </a:xfrm>
+        </p:grpSpPr>
+        <p:sp>
+          <p:nvSpPr>
+            <p:cNvPr id="3" name="Rectangle 2">
+              <a:extLst>
+                <a:ext uri="{FF2B5EF4-FFF2-40B4-BE49-F238E27FC236}">
+                  <a16:creationId xmlns:a16="http://schemas.microsoft.com/office/drawing/2014/main" id="{14356133-C0D2-5F14-AE4F-0CCEAFCAB3CA}"/>
+                </a:ext>
+              </a:extLst>
+            </p:cNvPr>
+            <p:cNvSpPr/>
+            <p:nvPr/>
+          </p:nvSpPr>
+          <p:spPr>
+            <a:xfrm>
+              <a:off x="1841957" y="2739911"/>
+              <a:ext cx="4479902" cy="2197191"/>
+            </a:xfrm>
+            <a:prstGeom prst="rect">
+              <a:avLst/>
+            </a:prstGeom>
+            <a:solidFill>
+              <a:schemeClr val="bg1"/>
+            </a:solidFill>
+            <a:ln>
+              <a:noFill/>
+            </a:ln>
+          </p:spPr>
+          <p:style>
+            <a:lnRef idx="2">
+              <a:schemeClr val="accent1">
+                <a:shade val="15000"/>
+              </a:schemeClr>
+            </a:lnRef>
+            <a:fillRef idx="1">
+              <a:schemeClr val="accent1"/>
+            </a:fillRef>
+            <a:effectRef idx="0">
+              <a:schemeClr val="accent1"/>
+            </a:effectRef>
+            <a:fontRef idx="minor">
+              <a:schemeClr val="lt1"/>
+            </a:fontRef>
+          </p:style>
+          <p:txBody>
+            <a:bodyPr rtlCol="0" anchor="ctr"/>
+            <a:lstStyle/>
+            <a:p>
+              <a:pPr algn="ctr"/>
+              <a:endParaRPr lang="en-US"/>
+            </a:p>
+          </p:txBody>
+        </p:sp>
+        <p:pic>
+          <p:nvPicPr>
+            <p:cNvPr id="2" name="Picture 2" descr="The 5 Main Types of Aircraft Jet Engines - Aero Corner">
+              <a:extLst>
+                <a:ext uri="{FF2B5EF4-FFF2-40B4-BE49-F238E27FC236}">
+                  <a16:creationId xmlns:a16="http://schemas.microsoft.com/office/drawing/2014/main" id="{E26382A6-CB9A-1E35-84E0-C3575E020DB5}"/>
+                </a:ext>
+              </a:extLst>
+            </p:cNvPr>
+            <p:cNvPicPr>
+              <a:picLocks noChangeAspect="1" noChangeArrowheads="1"/>
+            </p:cNvPicPr>
+            <p:nvPr/>
+          </p:nvPicPr>
+          <p:blipFill>
+            <a:blip r:embed="rId4">
+              <a:extLst>
+                <a:ext uri="{28A0092B-C50C-407E-A947-70E740481C1C}">
+                  <a14:useLocalDpi xmlns:a14="http://schemas.microsoft.com/office/drawing/2010/main" val="0"/>
+                </a:ext>
+              </a:extLst>
+            </a:blip>
+            <a:srcRect/>
+            <a:stretch>
+              <a:fillRect/>
+            </a:stretch>
+          </p:blipFill>
+          <p:spPr bwMode="auto">
+            <a:xfrm>
+              <a:off x="1929883" y="2616771"/>
+              <a:ext cx="4150984" cy="2419353"/>
+            </a:xfrm>
+            <a:prstGeom prst="rect">
+              <a:avLst/>
+            </a:prstGeom>
+            <a:noFill/>
+            <a:extLst>
+              <a:ext uri="{909E8E84-426E-40DD-AFC4-6F175D3DCCD1}">
+                <a14:hiddenFill xmlns:a14="http://schemas.microsoft.com/office/drawing/2010/main">
+                  <a:solidFill>
+                    <a:srgbClr val="FFFFFF"/>
+                  </a:solidFill>
+                </a14:hiddenFill>
+              </a:ext>
+            </a:extLst>
+          </p:spPr>
+        </p:pic>
+      </p:grpSp>
+      <p:pic>
+        <p:nvPicPr>
+          <p:cNvPr id="1028" name="Picture 4" descr="Aviation History: The World’s First Turboprop - Hartzell Propeller">
+            <a:extLst>
+              <a:ext uri="{FF2B5EF4-FFF2-40B4-BE49-F238E27FC236}">
+                <a16:creationId xmlns:a16="http://schemas.microsoft.com/office/drawing/2014/main" id="{DC52A22E-52F2-0C3A-1592-7C20A4EDB59B}"/>
+              </a:ext>
+            </a:extLst>
+          </p:cNvPr>
+          <p:cNvPicPr>
+            <a:picLocks noChangeAspect="1" noChangeArrowheads="1"/>
+          </p:cNvPicPr>
+          <p:nvPr/>
+        </p:nvPicPr>
+        <p:blipFill>
+          <a:blip r:embed="rId5">
+            <a:extLst>
+              <a:ext uri="{28A0092B-C50C-407E-A947-70E740481C1C}">
+                <a14:useLocalDpi xmlns:a14="http://schemas.microsoft.com/office/drawing/2010/main" val="0"/>
+              </a:ext>
+            </a:extLst>
+          </a:blip>
+          <a:srcRect/>
+          <a:stretch>
+            <a:fillRect/>
+          </a:stretch>
+        </p:blipFill>
+        <p:spPr bwMode="auto">
+          <a:xfrm>
+            <a:off x="235828" y="1658838"/>
+            <a:ext cx="4527626" cy="3018417"/>
+          </a:xfrm>
+          <a:prstGeom prst="rect">
+            <a:avLst/>
+          </a:prstGeom>
+          <a:noFill/>
+          <a:extLst>
+            <a:ext uri="{909E8E84-426E-40DD-AFC4-6F175D3DCCD1}">
+              <a14:hiddenFill xmlns:a14="http://schemas.microsoft.com/office/drawing/2010/main">
+                <a:solidFill>
+                  <a:srgbClr val="FFFFFF"/>
+                </a:solidFill>
+              </a14:hiddenFill>
+            </a:ext>
+          </a:extLst>
+        </p:spPr>
+      </p:pic>
+    </p:spTree>
+  </p:cSld>
+  <p:clrMapOvr>
+    <a:masterClrMapping/>
+  </p:clrMapOvr>
+</p:sld>
+</file>
+
+<file path=ppt/slides/slide4.xml><?xml version="1.0" encoding="utf-8"?>
 <p:sld xmlns:a="http://schemas.openxmlformats.org/drawingml/2006/main" xmlns:r="http://schemas.openxmlformats.org/officeDocument/2006/relationships" xmlns:p="http://schemas.openxmlformats.org/presentationml/2006/main">
   <p:cSld>
     <p:spTree>
@@ -23985,1366 +25739,147 @@
   <p:clrMapOvr>
     <a:masterClrMapping/>
   </p:clrMapOvr>
-</p:sld>
-</file>
-
-<file path=ppt/slides/slide3.xml><?xml version="1.0" encoding="utf-8"?>
-<p:sld xmlns:a="http://schemas.openxmlformats.org/drawingml/2006/main" xmlns:r="http://schemas.openxmlformats.org/officeDocument/2006/relationships" xmlns:p="http://schemas.openxmlformats.org/presentationml/2006/main">
-  <p:cSld>
-    <p:spTree>
-      <p:nvGrpSpPr>
-        <p:cNvPr id="1" name="Shape 1116"/>
-        <p:cNvGrpSpPr/>
-        <p:nvPr/>
-      </p:nvGrpSpPr>
-      <p:grpSpPr>
-        <a:xfrm>
-          <a:off x="0" y="0"/>
-          <a:ext cx="0" cy="0"/>
-          <a:chOff x="0" y="0"/>
-          <a:chExt cx="0" cy="0"/>
-        </a:xfrm>
-      </p:grpSpPr>
-      <p:sp>
-        <p:nvSpPr>
-          <p:cNvPr id="1117" name="Google Shape;1117;p42"/>
-          <p:cNvSpPr txBox="1">
-            <a:spLocks noGrp="1"/>
-          </p:cNvSpPr>
-          <p:nvPr>
-            <p:ph type="title" idx="9"/>
-          </p:nvPr>
-        </p:nvSpPr>
-        <p:spPr>
-          <a:xfrm>
-            <a:off x="720000" y="387600"/>
-            <a:ext cx="7704000" cy="592200"/>
-          </a:xfrm>
-          <a:prstGeom prst="rect">
-            <a:avLst/>
-          </a:prstGeom>
-        </p:spPr>
-        <p:txBody>
-          <a:bodyPr spcFirstLastPara="1" wrap="square" lIns="91425" tIns="91425" rIns="91425" bIns="91425" anchor="t" anchorCtr="0">
-            <a:noAutofit/>
-          </a:bodyPr>
-          <a:lstStyle/>
-          <a:p>
-            <a:pPr marL="0" lvl="0" indent="0" algn="l" rtl="0">
-              <a:spcBef>
-                <a:spcPts val="0"/>
-              </a:spcBef>
-              <a:spcAft>
-                <a:spcPts val="0"/>
-              </a:spcAft>
-              <a:buNone/>
-            </a:pPr>
-            <a:r>
-              <a:rPr lang="en" dirty="0"/>
-              <a:t>How Engines Work</a:t>
-            </a:r>
-            <a:endParaRPr dirty="0"/>
-          </a:p>
-        </p:txBody>
-      </p:sp>
-      <p:sp>
-        <p:nvSpPr>
-          <p:cNvPr id="1120" name="Google Shape;1120;p42"/>
-          <p:cNvSpPr txBox="1">
-            <a:spLocks noGrp="1"/>
-          </p:cNvSpPr>
-          <p:nvPr>
-            <p:ph type="subTitle" idx="2"/>
-          </p:nvPr>
-        </p:nvSpPr>
-        <p:spPr>
-          <a:xfrm>
-            <a:off x="643462" y="1522959"/>
-            <a:ext cx="6578220" cy="3021332"/>
-          </a:xfrm>
-          <a:prstGeom prst="rect">
-            <a:avLst/>
-          </a:prstGeom>
-        </p:spPr>
-        <p:txBody>
-          <a:bodyPr spcFirstLastPara="1" wrap="square" lIns="91425" tIns="91425" rIns="91425" bIns="91425" anchor="t" anchorCtr="0">
-            <a:noAutofit/>
-          </a:bodyPr>
-          <a:lstStyle/>
-          <a:p>
-            <a:pPr marL="285750" lvl="0" indent="-285750" algn="l" rtl="0">
-              <a:spcBef>
-                <a:spcPts val="0"/>
-              </a:spcBef>
-              <a:spcAft>
-                <a:spcPts val="0"/>
-              </a:spcAft>
-              <a:buFont typeface="Arial" panose="020B0604020202020204" pitchFamily="34" charset="0"/>
-              <a:buChar char="•"/>
-            </a:pPr>
-            <a:r>
-              <a:rPr lang="en-US" dirty="0"/>
-              <a:t>In order for something to burn, you need a fuel + oxidizer</a:t>
-            </a:r>
-          </a:p>
-          <a:p>
-            <a:pPr marL="742950" lvl="1" indent="-285750">
-              <a:buFont typeface="Arial" panose="020B0604020202020204" pitchFamily="34" charset="0"/>
-              <a:buChar char="•"/>
-            </a:pPr>
-            <a:r>
-              <a:rPr lang="en-US" dirty="0"/>
-              <a:t>Fuel – the chemical that burns</a:t>
-            </a:r>
-          </a:p>
-          <a:p>
-            <a:pPr marL="742950" lvl="1" indent="-285750">
-              <a:buFont typeface="Arial" panose="020B0604020202020204" pitchFamily="34" charset="0"/>
-              <a:buChar char="•"/>
-            </a:pPr>
-            <a:r>
-              <a:rPr lang="en-US" dirty="0"/>
-              <a:t>Oxidizer – the thing that causes the burning</a:t>
-            </a:r>
-          </a:p>
-          <a:p>
-            <a:pPr marL="285750" indent="-285750" algn="l">
-              <a:buFont typeface="Arial" panose="020B0604020202020204" pitchFamily="34" charset="0"/>
-              <a:buChar char="•"/>
-            </a:pPr>
-            <a:r>
-              <a:rPr lang="en-US" dirty="0"/>
-              <a:t>Compare this to airplanes</a:t>
-            </a:r>
-          </a:p>
-          <a:p>
-            <a:pPr marL="742950" lvl="1" indent="-285750">
-              <a:buFont typeface="Arial" panose="020B0604020202020204" pitchFamily="34" charset="0"/>
-              <a:buChar char="•"/>
-            </a:pPr>
-            <a:r>
-              <a:rPr lang="en-US" dirty="0"/>
-              <a:t>Where is their oxidizer?</a:t>
-            </a:r>
-          </a:p>
-          <a:p>
-            <a:pPr marL="285750" indent="-285750" algn="l">
-              <a:buFont typeface="Arial" panose="020B0604020202020204" pitchFamily="34" charset="0"/>
-              <a:buChar char="•"/>
-            </a:pPr>
-            <a:r>
-              <a:rPr lang="en-US" dirty="0"/>
-              <a:t>Motor vs engine</a:t>
-            </a:r>
-          </a:p>
-        </p:txBody>
-      </p:sp>
-      <p:sp>
-        <p:nvSpPr>
-          <p:cNvPr id="1127" name="Google Shape;1127;p42"/>
-          <p:cNvSpPr/>
-          <p:nvPr/>
-        </p:nvSpPr>
-        <p:spPr>
-          <a:xfrm>
-            <a:off x="825075" y="1021550"/>
-            <a:ext cx="3180300" cy="78600"/>
-          </a:xfrm>
-          <a:prstGeom prst="roundRect">
-            <a:avLst>
-              <a:gd name="adj" fmla="val 50000"/>
-            </a:avLst>
-          </a:prstGeom>
-          <a:gradFill>
-            <a:gsLst>
-              <a:gs pos="0">
-                <a:srgbClr val="FFFFFF">
-                  <a:alpha val="0"/>
-                </a:srgbClr>
-              </a:gs>
-              <a:gs pos="100000">
-                <a:srgbClr val="FFFFFF">
-                  <a:alpha val="56078"/>
-                </a:srgbClr>
-              </a:gs>
-            </a:gsLst>
-            <a:lin ang="0" scaled="0"/>
-          </a:gradFill>
-          <a:ln>
-            <a:noFill/>
-          </a:ln>
-        </p:spPr>
-        <p:txBody>
-          <a:bodyPr spcFirstLastPara="1" wrap="square" lIns="91425" tIns="91425" rIns="91425" bIns="91425" anchor="ctr" anchorCtr="0">
-            <a:noAutofit/>
-          </a:bodyPr>
-          <a:lstStyle/>
-          <a:p>
-            <a:pPr marL="0" lvl="0" indent="0" algn="l" rtl="0">
-              <a:spcBef>
-                <a:spcPts val="0"/>
-              </a:spcBef>
-              <a:spcAft>
-                <a:spcPts val="0"/>
-              </a:spcAft>
-              <a:buNone/>
-            </a:pPr>
-            <a:endParaRPr/>
-          </a:p>
-        </p:txBody>
-      </p:sp>
-      <p:grpSp>
-        <p:nvGrpSpPr>
-          <p:cNvPr id="1128" name="Google Shape;1128;p42"/>
-          <p:cNvGrpSpPr/>
-          <p:nvPr/>
-        </p:nvGrpSpPr>
-        <p:grpSpPr>
-          <a:xfrm>
-            <a:off x="7507154" y="182008"/>
-            <a:ext cx="1114164" cy="1020775"/>
-            <a:chOff x="2972050" y="2772000"/>
-            <a:chExt cx="907300" cy="831250"/>
-          </a:xfrm>
-        </p:grpSpPr>
-        <p:sp>
-          <p:nvSpPr>
-            <p:cNvPr id="1129" name="Google Shape;1129;p42"/>
-            <p:cNvSpPr/>
-            <p:nvPr/>
-          </p:nvSpPr>
-          <p:spPr>
-            <a:xfrm>
-              <a:off x="3425675" y="2772000"/>
-              <a:ext cx="453675" cy="465250"/>
-            </a:xfrm>
-            <a:custGeom>
-              <a:avLst/>
-              <a:gdLst/>
-              <a:ahLst/>
-              <a:cxnLst/>
-              <a:rect l="l" t="t" r="r" b="b"/>
-              <a:pathLst>
-                <a:path w="18147" h="18610" extrusionOk="0">
-                  <a:moveTo>
-                    <a:pt x="18147" y="405"/>
-                  </a:moveTo>
-                  <a:cubicBezTo>
-                    <a:pt x="17877" y="3218"/>
-                    <a:pt x="17588" y="6049"/>
-                    <a:pt x="16587" y="8688"/>
-                  </a:cubicBezTo>
-                  <a:cubicBezTo>
-                    <a:pt x="14294" y="14679"/>
-                    <a:pt x="6069" y="18609"/>
-                    <a:pt x="3295" y="10807"/>
-                  </a:cubicBezTo>
-                  <a:cubicBezTo>
-                    <a:pt x="1" y="1542"/>
-                    <a:pt x="11809" y="1"/>
-                    <a:pt x="18147" y="405"/>
-                  </a:cubicBezTo>
-                  <a:close/>
-                </a:path>
-              </a:pathLst>
-            </a:custGeom>
-            <a:gradFill>
-              <a:gsLst>
-                <a:gs pos="0">
-                  <a:schemeClr val="accent2"/>
-                </a:gs>
-                <a:gs pos="100000">
-                  <a:srgbClr val="FFFFFF">
-                    <a:alpha val="0"/>
-                  </a:srgbClr>
-                </a:gs>
-              </a:gsLst>
-              <a:lin ang="0" scaled="0"/>
-            </a:gradFill>
-            <a:ln>
-              <a:noFill/>
-            </a:ln>
-          </p:spPr>
-          <p:txBody>
-            <a:bodyPr spcFirstLastPara="1" wrap="square" lIns="91425" tIns="91425" rIns="91425" bIns="91425" anchor="ctr" anchorCtr="0">
-              <a:noAutofit/>
-            </a:bodyPr>
-            <a:lstStyle/>
-            <a:p>
-              <a:pPr marL="0" lvl="0" indent="0" algn="l" rtl="0">
-                <a:spcBef>
-                  <a:spcPts val="0"/>
-                </a:spcBef>
-                <a:spcAft>
-                  <a:spcPts val="0"/>
-                </a:spcAft>
-                <a:buNone/>
-              </a:pPr>
-              <a:endParaRPr/>
-            </a:p>
-          </p:txBody>
-        </p:sp>
-        <p:sp>
-          <p:nvSpPr>
-            <p:cNvPr id="1130" name="Google Shape;1130;p42"/>
-            <p:cNvSpPr/>
-            <p:nvPr/>
-          </p:nvSpPr>
-          <p:spPr>
-            <a:xfrm>
-              <a:off x="3472875" y="2865425"/>
-              <a:ext cx="307275" cy="314975"/>
-            </a:xfrm>
-            <a:custGeom>
-              <a:avLst/>
-              <a:gdLst/>
-              <a:ahLst/>
-              <a:cxnLst/>
-              <a:rect l="l" t="t" r="r" b="b"/>
-              <a:pathLst>
-                <a:path w="12291" h="12599" extrusionOk="0">
-                  <a:moveTo>
-                    <a:pt x="12291" y="271"/>
-                  </a:moveTo>
-                  <a:cubicBezTo>
-                    <a:pt x="12098" y="2178"/>
-                    <a:pt x="11905" y="4104"/>
-                    <a:pt x="11231" y="5876"/>
-                  </a:cubicBezTo>
-                  <a:cubicBezTo>
-                    <a:pt x="9690" y="9941"/>
-                    <a:pt x="4104" y="12599"/>
-                    <a:pt x="2235" y="7321"/>
-                  </a:cubicBezTo>
-                  <a:cubicBezTo>
-                    <a:pt x="1" y="1041"/>
-                    <a:pt x="8014" y="1"/>
-                    <a:pt x="12291" y="271"/>
-                  </a:cubicBezTo>
-                  <a:close/>
-                </a:path>
-              </a:pathLst>
-            </a:custGeom>
-            <a:gradFill>
-              <a:gsLst>
-                <a:gs pos="0">
-                  <a:schemeClr val="accent2"/>
-                </a:gs>
-                <a:gs pos="100000">
-                  <a:schemeClr val="accent6"/>
-                </a:gs>
-              </a:gsLst>
-              <a:lin ang="0" scaled="0"/>
-            </a:gradFill>
-            <a:ln>
-              <a:noFill/>
-            </a:ln>
-          </p:spPr>
-          <p:txBody>
-            <a:bodyPr spcFirstLastPara="1" wrap="square" lIns="91425" tIns="91425" rIns="91425" bIns="91425" anchor="ctr" anchorCtr="0">
-              <a:noAutofit/>
-            </a:bodyPr>
-            <a:lstStyle/>
-            <a:p>
-              <a:pPr marL="0" lvl="0" indent="0" algn="l" rtl="0">
-                <a:spcBef>
-                  <a:spcPts val="0"/>
-                </a:spcBef>
-                <a:spcAft>
-                  <a:spcPts val="0"/>
-                </a:spcAft>
-                <a:buNone/>
-              </a:pPr>
-              <a:endParaRPr/>
-            </a:p>
-          </p:txBody>
-        </p:sp>
-        <p:sp>
-          <p:nvSpPr>
-            <p:cNvPr id="1131" name="Google Shape;1131;p42"/>
-            <p:cNvSpPr/>
-            <p:nvPr/>
-          </p:nvSpPr>
-          <p:spPr>
-            <a:xfrm>
-              <a:off x="3321175" y="2860125"/>
-              <a:ext cx="400700" cy="419975"/>
-            </a:xfrm>
-            <a:custGeom>
-              <a:avLst/>
-              <a:gdLst/>
-              <a:ahLst/>
-              <a:cxnLst/>
-              <a:rect l="l" t="t" r="r" b="b"/>
-              <a:pathLst>
-                <a:path w="16028" h="16799" extrusionOk="0">
-                  <a:moveTo>
-                    <a:pt x="9478" y="16741"/>
-                  </a:moveTo>
-                  <a:cubicBezTo>
-                    <a:pt x="9498" y="16760"/>
-                    <a:pt x="9498" y="16779"/>
-                    <a:pt x="9498" y="16798"/>
-                  </a:cubicBezTo>
-                  <a:cubicBezTo>
-                    <a:pt x="12464" y="15527"/>
-                    <a:pt x="16028" y="15257"/>
-                    <a:pt x="15989" y="11694"/>
-                  </a:cubicBezTo>
-                  <a:cubicBezTo>
-                    <a:pt x="15970" y="9093"/>
-                    <a:pt x="14545" y="6300"/>
-                    <a:pt x="12753" y="4470"/>
-                  </a:cubicBezTo>
-                  <a:cubicBezTo>
-                    <a:pt x="11193" y="2871"/>
-                    <a:pt x="6820" y="1"/>
-                    <a:pt x="4393" y="1137"/>
-                  </a:cubicBezTo>
-                  <a:cubicBezTo>
-                    <a:pt x="3237" y="1696"/>
-                    <a:pt x="1" y="6589"/>
-                    <a:pt x="579" y="7937"/>
-                  </a:cubicBezTo>
-                  <a:cubicBezTo>
-                    <a:pt x="1041" y="8939"/>
-                    <a:pt x="5029" y="10307"/>
-                    <a:pt x="6050" y="11270"/>
-                  </a:cubicBezTo>
-                  <a:cubicBezTo>
-                    <a:pt x="7629" y="12772"/>
-                    <a:pt x="8843" y="14660"/>
-                    <a:pt x="9478" y="16741"/>
-                  </a:cubicBezTo>
-                  <a:close/>
-                </a:path>
-              </a:pathLst>
-            </a:custGeom>
-            <a:gradFill>
-              <a:gsLst>
-                <a:gs pos="0">
-                  <a:schemeClr val="dk2"/>
-                </a:gs>
-                <a:gs pos="100000">
-                  <a:schemeClr val="lt2"/>
-                </a:gs>
-              </a:gsLst>
-              <a:lin ang="0" scaled="0"/>
-            </a:gradFill>
-            <a:ln>
-              <a:noFill/>
-            </a:ln>
-          </p:spPr>
-          <p:txBody>
-            <a:bodyPr spcFirstLastPara="1" wrap="square" lIns="91425" tIns="91425" rIns="91425" bIns="91425" anchor="ctr" anchorCtr="0">
-              <a:noAutofit/>
-            </a:bodyPr>
-            <a:lstStyle/>
-            <a:p>
-              <a:pPr marL="0" lvl="0" indent="0" algn="l" rtl="0">
-                <a:spcBef>
-                  <a:spcPts val="0"/>
-                </a:spcBef>
-                <a:spcAft>
-                  <a:spcPts val="0"/>
-                </a:spcAft>
-                <a:buNone/>
-              </a:pPr>
-              <a:endParaRPr/>
-            </a:p>
-          </p:txBody>
-        </p:sp>
-        <p:sp>
-          <p:nvSpPr>
-            <p:cNvPr id="1132" name="Google Shape;1132;p42"/>
-            <p:cNvSpPr/>
-            <p:nvPr/>
-          </p:nvSpPr>
-          <p:spPr>
-            <a:xfrm>
-              <a:off x="3102075" y="2801875"/>
-              <a:ext cx="200350" cy="438725"/>
-            </a:xfrm>
-            <a:custGeom>
-              <a:avLst/>
-              <a:gdLst/>
-              <a:ahLst/>
-              <a:cxnLst/>
-              <a:rect l="l" t="t" r="r" b="b"/>
-              <a:pathLst>
-                <a:path w="8014" h="17549" extrusionOk="0">
-                  <a:moveTo>
-                    <a:pt x="0" y="17549"/>
-                  </a:moveTo>
-                  <a:lnTo>
-                    <a:pt x="1541" y="2408"/>
-                  </a:lnTo>
-                  <a:lnTo>
-                    <a:pt x="3834" y="0"/>
-                  </a:lnTo>
-                  <a:lnTo>
-                    <a:pt x="8014" y="7763"/>
-                  </a:lnTo>
-                  <a:close/>
-                </a:path>
-              </a:pathLst>
-            </a:custGeom>
-            <a:gradFill>
-              <a:gsLst>
-                <a:gs pos="0">
-                  <a:schemeClr val="dk2"/>
-                </a:gs>
-                <a:gs pos="100000">
-                  <a:schemeClr val="lt2"/>
-                </a:gs>
-              </a:gsLst>
-              <a:lin ang="0" scaled="0"/>
-            </a:gradFill>
-            <a:ln>
-              <a:noFill/>
-            </a:ln>
-          </p:spPr>
-          <p:txBody>
-            <a:bodyPr spcFirstLastPara="1" wrap="square" lIns="91425" tIns="91425" rIns="91425" bIns="91425" anchor="ctr" anchorCtr="0">
-              <a:noAutofit/>
-            </a:bodyPr>
-            <a:lstStyle/>
-            <a:p>
-              <a:pPr marL="0" lvl="0" indent="0" algn="l" rtl="0">
-                <a:spcBef>
-                  <a:spcPts val="0"/>
-                </a:spcBef>
-                <a:spcAft>
-                  <a:spcPts val="0"/>
-                </a:spcAft>
-                <a:buNone/>
-              </a:pPr>
-              <a:endParaRPr/>
-            </a:p>
-          </p:txBody>
-        </p:sp>
-        <p:sp>
-          <p:nvSpPr>
-            <p:cNvPr id="1133" name="Google Shape;1133;p42"/>
-            <p:cNvSpPr/>
-            <p:nvPr/>
-          </p:nvSpPr>
-          <p:spPr>
-            <a:xfrm>
-              <a:off x="3102075" y="2801875"/>
-              <a:ext cx="116075" cy="438725"/>
-            </a:xfrm>
-            <a:custGeom>
-              <a:avLst/>
-              <a:gdLst/>
-              <a:ahLst/>
-              <a:cxnLst/>
-              <a:rect l="l" t="t" r="r" b="b"/>
-              <a:pathLst>
-                <a:path w="4643" h="17549" extrusionOk="0">
-                  <a:moveTo>
-                    <a:pt x="2774" y="3448"/>
-                  </a:moveTo>
-                  <a:lnTo>
-                    <a:pt x="925" y="17356"/>
-                  </a:lnTo>
-                  <a:lnTo>
-                    <a:pt x="0" y="17549"/>
-                  </a:lnTo>
-                  <a:lnTo>
-                    <a:pt x="1541" y="2408"/>
-                  </a:lnTo>
-                  <a:lnTo>
-                    <a:pt x="3834" y="0"/>
-                  </a:lnTo>
-                  <a:lnTo>
-                    <a:pt x="4643" y="1483"/>
-                  </a:lnTo>
-                  <a:close/>
-                </a:path>
-              </a:pathLst>
-            </a:custGeom>
-            <a:gradFill>
-              <a:gsLst>
-                <a:gs pos="0">
-                  <a:schemeClr val="accent2"/>
-                </a:gs>
-                <a:gs pos="100000">
-                  <a:schemeClr val="accent6"/>
-                </a:gs>
-              </a:gsLst>
-              <a:lin ang="0" scaled="0"/>
-            </a:gradFill>
-            <a:ln>
-              <a:noFill/>
-            </a:ln>
-          </p:spPr>
-          <p:txBody>
-            <a:bodyPr spcFirstLastPara="1" wrap="square" lIns="91425" tIns="91425" rIns="91425" bIns="91425" anchor="ctr" anchorCtr="0">
-              <a:noAutofit/>
-            </a:bodyPr>
-            <a:lstStyle/>
-            <a:p>
-              <a:pPr marL="0" lvl="0" indent="0" algn="l" rtl="0">
-                <a:spcBef>
-                  <a:spcPts val="0"/>
-                </a:spcBef>
-                <a:spcAft>
-                  <a:spcPts val="0"/>
-                </a:spcAft>
-                <a:buNone/>
-              </a:pPr>
-              <a:endParaRPr/>
-            </a:p>
-          </p:txBody>
-        </p:sp>
-        <p:sp>
-          <p:nvSpPr>
-            <p:cNvPr id="1134" name="Google Shape;1134;p42"/>
-            <p:cNvSpPr/>
-            <p:nvPr/>
-          </p:nvSpPr>
-          <p:spPr>
-            <a:xfrm>
-              <a:off x="3350550" y="3291625"/>
-              <a:ext cx="436350" cy="206625"/>
-            </a:xfrm>
-            <a:custGeom>
-              <a:avLst/>
-              <a:gdLst/>
-              <a:ahLst/>
-              <a:cxnLst/>
-              <a:rect l="l" t="t" r="r" b="b"/>
-              <a:pathLst>
-                <a:path w="17454" h="8265" extrusionOk="0">
-                  <a:moveTo>
-                    <a:pt x="1" y="8265"/>
-                  </a:moveTo>
-                  <a:lnTo>
-                    <a:pt x="15084" y="6319"/>
-                  </a:lnTo>
-                  <a:lnTo>
-                    <a:pt x="17453" y="3988"/>
-                  </a:lnTo>
-                  <a:lnTo>
-                    <a:pt x="9594" y="1"/>
-                  </a:lnTo>
-                  <a:close/>
-                </a:path>
-              </a:pathLst>
-            </a:custGeom>
-            <a:gradFill>
-              <a:gsLst>
-                <a:gs pos="0">
-                  <a:schemeClr val="dk2"/>
-                </a:gs>
-                <a:gs pos="100000">
-                  <a:schemeClr val="lt2"/>
-                </a:gs>
-              </a:gsLst>
-              <a:lin ang="0" scaled="0"/>
-            </a:gradFill>
-            <a:ln>
-              <a:noFill/>
-            </a:ln>
-          </p:spPr>
-          <p:txBody>
-            <a:bodyPr spcFirstLastPara="1" wrap="square" lIns="91425" tIns="91425" rIns="91425" bIns="91425" anchor="ctr" anchorCtr="0">
-              <a:noAutofit/>
-            </a:bodyPr>
-            <a:lstStyle/>
-            <a:p>
-              <a:pPr marL="0" lvl="0" indent="0" algn="l" rtl="0">
-                <a:spcBef>
-                  <a:spcPts val="0"/>
-                </a:spcBef>
-                <a:spcAft>
-                  <a:spcPts val="0"/>
-                </a:spcAft>
-                <a:buNone/>
-              </a:pPr>
-              <a:endParaRPr/>
-            </a:p>
-          </p:txBody>
-        </p:sp>
-        <p:sp>
-          <p:nvSpPr>
-            <p:cNvPr id="1135" name="Google Shape;1135;p42"/>
-            <p:cNvSpPr/>
-            <p:nvPr/>
-          </p:nvSpPr>
-          <p:spPr>
-            <a:xfrm>
-              <a:off x="3350550" y="3372050"/>
-              <a:ext cx="436350" cy="126200"/>
-            </a:xfrm>
-            <a:custGeom>
-              <a:avLst/>
-              <a:gdLst/>
-              <a:ahLst/>
-              <a:cxnLst/>
-              <a:rect l="l" t="t" r="r" b="b"/>
-              <a:pathLst>
-                <a:path w="17454" h="5048" extrusionOk="0">
-                  <a:moveTo>
-                    <a:pt x="14025" y="1908"/>
-                  </a:moveTo>
-                  <a:lnTo>
-                    <a:pt x="174" y="4104"/>
-                  </a:lnTo>
-                  <a:lnTo>
-                    <a:pt x="1" y="5048"/>
-                  </a:lnTo>
-                  <a:lnTo>
-                    <a:pt x="15084" y="3102"/>
-                  </a:lnTo>
-                  <a:lnTo>
-                    <a:pt x="17453" y="771"/>
-                  </a:lnTo>
-                  <a:lnTo>
-                    <a:pt x="15932" y="1"/>
-                  </a:lnTo>
-                  <a:close/>
-                </a:path>
-              </a:pathLst>
-            </a:custGeom>
-            <a:gradFill>
-              <a:gsLst>
-                <a:gs pos="0">
-                  <a:schemeClr val="accent2"/>
-                </a:gs>
-                <a:gs pos="100000">
-                  <a:schemeClr val="accent6"/>
-                </a:gs>
-              </a:gsLst>
-              <a:lin ang="0" scaled="0"/>
-            </a:gradFill>
-            <a:ln>
-              <a:noFill/>
-            </a:ln>
-          </p:spPr>
-          <p:txBody>
-            <a:bodyPr spcFirstLastPara="1" wrap="square" lIns="91425" tIns="91425" rIns="91425" bIns="91425" anchor="ctr" anchorCtr="0">
-              <a:noAutofit/>
-            </a:bodyPr>
-            <a:lstStyle/>
-            <a:p>
-              <a:pPr marL="0" lvl="0" indent="0" algn="l" rtl="0">
-                <a:spcBef>
-                  <a:spcPts val="0"/>
-                </a:spcBef>
-                <a:spcAft>
-                  <a:spcPts val="0"/>
-                </a:spcAft>
-                <a:buNone/>
-              </a:pPr>
-              <a:endParaRPr/>
-            </a:p>
-          </p:txBody>
-        </p:sp>
-        <p:sp>
-          <p:nvSpPr>
-            <p:cNvPr id="1136" name="Google Shape;1136;p42"/>
-            <p:cNvSpPr/>
-            <p:nvPr/>
-          </p:nvSpPr>
-          <p:spPr>
-            <a:xfrm>
-              <a:off x="2972050" y="2950150"/>
-              <a:ext cx="716600" cy="645675"/>
-            </a:xfrm>
-            <a:custGeom>
-              <a:avLst/>
-              <a:gdLst/>
-              <a:ahLst/>
-              <a:cxnLst/>
-              <a:rect l="l" t="t" r="r" b="b"/>
-              <a:pathLst>
-                <a:path w="28664" h="25827" extrusionOk="0">
-                  <a:moveTo>
-                    <a:pt x="15061" y="0"/>
-                  </a:moveTo>
-                  <a:cubicBezTo>
-                    <a:pt x="12478" y="0"/>
-                    <a:pt x="10436" y="3076"/>
-                    <a:pt x="8842" y="5049"/>
-                  </a:cubicBezTo>
-                  <a:cubicBezTo>
-                    <a:pt x="5008" y="9769"/>
-                    <a:pt x="2158" y="15259"/>
-                    <a:pt x="578" y="21134"/>
-                  </a:cubicBezTo>
-                  <a:lnTo>
-                    <a:pt x="578" y="21115"/>
-                  </a:lnTo>
-                  <a:lnTo>
-                    <a:pt x="578" y="21115"/>
-                  </a:lnTo>
-                  <a:cubicBezTo>
-                    <a:pt x="231" y="22444"/>
-                    <a:pt x="0" y="24004"/>
-                    <a:pt x="905" y="25025"/>
-                  </a:cubicBezTo>
-                  <a:cubicBezTo>
-                    <a:pt x="1461" y="25622"/>
-                    <a:pt x="2238" y="25826"/>
-                    <a:pt x="3067" y="25826"/>
-                  </a:cubicBezTo>
-                  <a:cubicBezTo>
-                    <a:pt x="3762" y="25826"/>
-                    <a:pt x="4495" y="25682"/>
-                    <a:pt x="5163" y="25507"/>
-                  </a:cubicBezTo>
-                  <a:cubicBezTo>
-                    <a:pt x="10768" y="24023"/>
-                    <a:pt x="16123" y="21673"/>
-                    <a:pt x="21016" y="18553"/>
-                  </a:cubicBezTo>
-                  <a:cubicBezTo>
-                    <a:pt x="22923" y="17339"/>
-                    <a:pt x="24830" y="15933"/>
-                    <a:pt x="25774" y="13891"/>
-                  </a:cubicBezTo>
-                  <a:cubicBezTo>
-                    <a:pt x="28664" y="7688"/>
-                    <a:pt x="21267" y="214"/>
-                    <a:pt x="15179" y="2"/>
-                  </a:cubicBezTo>
-                  <a:cubicBezTo>
-                    <a:pt x="15140" y="1"/>
-                    <a:pt x="15100" y="0"/>
-                    <a:pt x="15061" y="0"/>
-                  </a:cubicBezTo>
-                  <a:close/>
-                </a:path>
-              </a:pathLst>
-            </a:custGeom>
-            <a:solidFill>
-              <a:schemeClr val="lt1"/>
-            </a:solidFill>
-            <a:ln>
-              <a:noFill/>
-            </a:ln>
-          </p:spPr>
-          <p:txBody>
-            <a:bodyPr spcFirstLastPara="1" wrap="square" lIns="91425" tIns="91425" rIns="91425" bIns="91425" anchor="ctr" anchorCtr="0">
-              <a:noAutofit/>
-            </a:bodyPr>
-            <a:lstStyle/>
-            <a:p>
-              <a:pPr marL="0" lvl="0" indent="0" algn="l" rtl="0">
-                <a:spcBef>
-                  <a:spcPts val="0"/>
-                </a:spcBef>
-                <a:spcAft>
-                  <a:spcPts val="0"/>
-                </a:spcAft>
-                <a:buNone/>
-              </a:pPr>
-              <a:endParaRPr/>
-            </a:p>
-          </p:txBody>
-        </p:sp>
-        <p:sp>
-          <p:nvSpPr>
-            <p:cNvPr id="1137" name="Google Shape;1137;p42"/>
-            <p:cNvSpPr/>
-            <p:nvPr/>
-          </p:nvSpPr>
-          <p:spPr>
-            <a:xfrm>
-              <a:off x="2972050" y="3394700"/>
-              <a:ext cx="206600" cy="208550"/>
-            </a:xfrm>
-            <a:custGeom>
-              <a:avLst/>
-              <a:gdLst/>
-              <a:ahLst/>
-              <a:cxnLst/>
-              <a:rect l="l" t="t" r="r" b="b"/>
-              <a:pathLst>
-                <a:path w="8264" h="8342" extrusionOk="0">
-                  <a:moveTo>
-                    <a:pt x="7879" y="6049"/>
-                  </a:moveTo>
-                  <a:cubicBezTo>
-                    <a:pt x="7185" y="4739"/>
-                    <a:pt x="6318" y="3506"/>
-                    <a:pt x="5259" y="2466"/>
-                  </a:cubicBezTo>
-                  <a:cubicBezTo>
-                    <a:pt x="4238" y="1406"/>
-                    <a:pt x="3005" y="559"/>
-                    <a:pt x="1637" y="0"/>
-                  </a:cubicBezTo>
-                  <a:lnTo>
-                    <a:pt x="1637" y="0"/>
-                  </a:lnTo>
-                  <a:cubicBezTo>
-                    <a:pt x="1252" y="1098"/>
-                    <a:pt x="886" y="2215"/>
-                    <a:pt x="597" y="3333"/>
-                  </a:cubicBezTo>
-                  <a:cubicBezTo>
-                    <a:pt x="231" y="4662"/>
-                    <a:pt x="0" y="6222"/>
-                    <a:pt x="925" y="7243"/>
-                  </a:cubicBezTo>
-                  <a:cubicBezTo>
-                    <a:pt x="1926" y="8341"/>
-                    <a:pt x="3699" y="8110"/>
-                    <a:pt x="5163" y="7725"/>
-                  </a:cubicBezTo>
-                  <a:cubicBezTo>
-                    <a:pt x="6203" y="7455"/>
-                    <a:pt x="7243" y="7147"/>
-                    <a:pt x="8264" y="6800"/>
-                  </a:cubicBezTo>
-                  <a:cubicBezTo>
-                    <a:pt x="8148" y="6550"/>
-                    <a:pt x="8014" y="6299"/>
-                    <a:pt x="7879" y="6049"/>
-                  </a:cubicBezTo>
-                  <a:close/>
-                </a:path>
-              </a:pathLst>
-            </a:custGeom>
-            <a:gradFill>
-              <a:gsLst>
-                <a:gs pos="0">
-                  <a:schemeClr val="dk2"/>
-                </a:gs>
-                <a:gs pos="100000">
-                  <a:schemeClr val="lt2"/>
-                </a:gs>
-              </a:gsLst>
-              <a:lin ang="0" scaled="0"/>
-            </a:gradFill>
-            <a:ln>
-              <a:noFill/>
-            </a:ln>
-          </p:spPr>
-          <p:txBody>
-            <a:bodyPr spcFirstLastPara="1" wrap="square" lIns="91425" tIns="91425" rIns="91425" bIns="91425" anchor="ctr" anchorCtr="0">
-              <a:noAutofit/>
-            </a:bodyPr>
-            <a:lstStyle/>
-            <a:p>
-              <a:pPr marL="0" lvl="0" indent="0" algn="l" rtl="0">
-                <a:spcBef>
-                  <a:spcPts val="0"/>
-                </a:spcBef>
-                <a:spcAft>
-                  <a:spcPts val="0"/>
-                </a:spcAft>
-                <a:buNone/>
-              </a:pPr>
-              <a:endParaRPr/>
-            </a:p>
-          </p:txBody>
-        </p:sp>
-        <p:sp>
-          <p:nvSpPr>
-            <p:cNvPr id="1138" name="Google Shape;1138;p42"/>
-            <p:cNvSpPr/>
-            <p:nvPr/>
-          </p:nvSpPr>
-          <p:spPr>
-            <a:xfrm>
-              <a:off x="3160825" y="3140425"/>
-              <a:ext cx="279325" cy="279825"/>
-            </a:xfrm>
-            <a:custGeom>
-              <a:avLst/>
-              <a:gdLst/>
-              <a:ahLst/>
-              <a:cxnLst/>
-              <a:rect l="l" t="t" r="r" b="b"/>
-              <a:pathLst>
-                <a:path w="11173" h="11193" extrusionOk="0">
-                  <a:moveTo>
-                    <a:pt x="7397" y="1002"/>
-                  </a:moveTo>
-                  <a:cubicBezTo>
-                    <a:pt x="9940" y="2003"/>
-                    <a:pt x="11173" y="4854"/>
-                    <a:pt x="10190" y="7397"/>
-                  </a:cubicBezTo>
-                  <a:cubicBezTo>
-                    <a:pt x="9189" y="9940"/>
-                    <a:pt x="6319" y="11192"/>
-                    <a:pt x="3776" y="10190"/>
-                  </a:cubicBezTo>
-                  <a:cubicBezTo>
-                    <a:pt x="1252" y="9189"/>
-                    <a:pt x="0" y="6318"/>
-                    <a:pt x="1002" y="3776"/>
-                  </a:cubicBezTo>
-                  <a:cubicBezTo>
-                    <a:pt x="1984" y="1252"/>
-                    <a:pt x="4855" y="0"/>
-                    <a:pt x="7397" y="1002"/>
-                  </a:cubicBezTo>
-                  <a:close/>
-                </a:path>
-              </a:pathLst>
-            </a:custGeom>
-            <a:gradFill>
-              <a:gsLst>
-                <a:gs pos="0">
-                  <a:schemeClr val="accent2"/>
-                </a:gs>
-                <a:gs pos="100000">
-                  <a:schemeClr val="accent6"/>
-                </a:gs>
-              </a:gsLst>
-              <a:lin ang="0" scaled="0"/>
-            </a:gradFill>
-            <a:ln>
-              <a:noFill/>
-            </a:ln>
-          </p:spPr>
-          <p:txBody>
-            <a:bodyPr spcFirstLastPara="1" wrap="square" lIns="91425" tIns="91425" rIns="91425" bIns="91425" anchor="ctr" anchorCtr="0">
-              <a:noAutofit/>
-            </a:bodyPr>
-            <a:lstStyle/>
-            <a:p>
-              <a:pPr marL="0" lvl="0" indent="0" algn="l" rtl="0">
-                <a:spcBef>
-                  <a:spcPts val="0"/>
-                </a:spcBef>
-                <a:spcAft>
-                  <a:spcPts val="0"/>
-                </a:spcAft>
-                <a:buNone/>
-              </a:pPr>
-              <a:endParaRPr/>
-            </a:p>
-          </p:txBody>
-        </p:sp>
-        <p:sp>
-          <p:nvSpPr>
-            <p:cNvPr id="1139" name="Google Shape;1139;p42"/>
-            <p:cNvSpPr/>
-            <p:nvPr/>
-          </p:nvSpPr>
-          <p:spPr>
-            <a:xfrm>
-              <a:off x="3220525" y="3200125"/>
-              <a:ext cx="159925" cy="159925"/>
-            </a:xfrm>
-            <a:custGeom>
-              <a:avLst/>
-              <a:gdLst/>
-              <a:ahLst/>
-              <a:cxnLst/>
-              <a:rect l="l" t="t" r="r" b="b"/>
-              <a:pathLst>
-                <a:path w="6397" h="6397" extrusionOk="0">
-                  <a:moveTo>
-                    <a:pt x="6396" y="3198"/>
-                  </a:moveTo>
-                  <a:cubicBezTo>
-                    <a:pt x="6396" y="4971"/>
-                    <a:pt x="4971" y="6396"/>
-                    <a:pt x="3199" y="6396"/>
-                  </a:cubicBezTo>
-                  <a:cubicBezTo>
-                    <a:pt x="1426" y="6396"/>
-                    <a:pt x="1" y="4971"/>
-                    <a:pt x="1" y="3198"/>
-                  </a:cubicBezTo>
-                  <a:cubicBezTo>
-                    <a:pt x="1" y="1426"/>
-                    <a:pt x="1426" y="1"/>
-                    <a:pt x="3199" y="1"/>
-                  </a:cubicBezTo>
-                  <a:cubicBezTo>
-                    <a:pt x="4971" y="1"/>
-                    <a:pt x="6396" y="1426"/>
-                    <a:pt x="6396" y="3198"/>
-                  </a:cubicBezTo>
-                  <a:close/>
-                </a:path>
-              </a:pathLst>
-            </a:custGeom>
-            <a:solidFill>
-              <a:schemeClr val="accent1"/>
-            </a:solidFill>
-            <a:ln>
-              <a:noFill/>
-            </a:ln>
-          </p:spPr>
-          <p:txBody>
-            <a:bodyPr spcFirstLastPara="1" wrap="square" lIns="91425" tIns="91425" rIns="91425" bIns="91425" anchor="ctr" anchorCtr="0">
-              <a:noAutofit/>
-            </a:bodyPr>
-            <a:lstStyle/>
-            <a:p>
-              <a:pPr marL="0" lvl="0" indent="0" algn="l" rtl="0">
-                <a:spcBef>
-                  <a:spcPts val="0"/>
-                </a:spcBef>
-                <a:spcAft>
-                  <a:spcPts val="0"/>
-                </a:spcAft>
-                <a:buNone/>
-              </a:pPr>
-              <a:endParaRPr/>
-            </a:p>
-          </p:txBody>
-        </p:sp>
-      </p:grpSp>
-    </p:spTree>
-  </p:cSld>
-  <p:clrMapOvr>
-    <a:masterClrMapping/>
-  </p:clrMapOvr>
-</p:sld>
-</file>
-
-<file path=ppt/slides/slide4.xml><?xml version="1.0" encoding="utf-8"?>
-<p:sld xmlns:a="http://schemas.openxmlformats.org/drawingml/2006/main" xmlns:r="http://schemas.openxmlformats.org/officeDocument/2006/relationships" xmlns:p="http://schemas.openxmlformats.org/presentationml/2006/main">
-  <p:cSld>
-    <p:spTree>
-      <p:nvGrpSpPr>
-        <p:cNvPr id="1" name="Shape 1215"/>
-        <p:cNvGrpSpPr/>
-        <p:nvPr/>
-      </p:nvGrpSpPr>
-      <p:grpSpPr>
-        <a:xfrm>
-          <a:off x="0" y="0"/>
-          <a:ext cx="0" cy="0"/>
-          <a:chOff x="0" y="0"/>
-          <a:chExt cx="0" cy="0"/>
-        </a:xfrm>
-      </p:grpSpPr>
-      <p:sp>
-        <p:nvSpPr>
-          <p:cNvPr id="1216" name="Google Shape;1216;p46"/>
-          <p:cNvSpPr txBox="1">
-            <a:spLocks noGrp="1"/>
-          </p:cNvSpPr>
-          <p:nvPr>
-            <p:ph type="title"/>
-          </p:nvPr>
-        </p:nvSpPr>
-        <p:spPr>
-          <a:xfrm>
-            <a:off x="720000" y="387600"/>
-            <a:ext cx="7704000" cy="592200"/>
-          </a:xfrm>
-          <a:prstGeom prst="rect">
-            <a:avLst/>
-          </a:prstGeom>
-        </p:spPr>
-        <p:txBody>
-          <a:bodyPr spcFirstLastPara="1" wrap="square" lIns="91425" tIns="91425" rIns="91425" bIns="91425" anchor="t" anchorCtr="0">
-            <a:noAutofit/>
-          </a:bodyPr>
-          <a:lstStyle/>
-          <a:p>
-            <a:pPr marL="0" lvl="0" indent="0" algn="l" rtl="0">
-              <a:spcBef>
-                <a:spcPts val="0"/>
-              </a:spcBef>
-              <a:spcAft>
-                <a:spcPts val="0"/>
-              </a:spcAft>
-              <a:buNone/>
-            </a:pPr>
-            <a:r>
-              <a:rPr lang="en" dirty="0"/>
-              <a:t>Airplane Motors</a:t>
-            </a:r>
-            <a:endParaRPr dirty="0"/>
-          </a:p>
-        </p:txBody>
-      </p:sp>
-      <p:sp>
-        <p:nvSpPr>
-          <p:cNvPr id="1219" name="Google Shape;1219;p46"/>
-          <p:cNvSpPr/>
-          <p:nvPr/>
-        </p:nvSpPr>
-        <p:spPr>
-          <a:xfrm>
-            <a:off x="825075" y="1021550"/>
-            <a:ext cx="3180300" cy="78600"/>
-          </a:xfrm>
-          <a:prstGeom prst="roundRect">
-            <a:avLst>
-              <a:gd name="adj" fmla="val 50000"/>
-            </a:avLst>
-          </a:prstGeom>
-          <a:gradFill>
-            <a:gsLst>
-              <a:gs pos="0">
-                <a:srgbClr val="FFFFFF">
-                  <a:alpha val="0"/>
-                </a:srgbClr>
-              </a:gs>
-              <a:gs pos="100000">
-                <a:srgbClr val="FFFFFF">
-                  <a:alpha val="56078"/>
-                </a:srgbClr>
-              </a:gs>
-            </a:gsLst>
-            <a:lin ang="0" scaled="0"/>
-          </a:gradFill>
-          <a:ln>
-            <a:noFill/>
-          </a:ln>
-        </p:spPr>
-        <p:txBody>
-          <a:bodyPr spcFirstLastPara="1" wrap="square" lIns="91425" tIns="91425" rIns="91425" bIns="91425" anchor="ctr" anchorCtr="0">
-            <a:noAutofit/>
-          </a:bodyPr>
-          <a:lstStyle/>
-          <a:p>
-            <a:pPr marL="0" lvl="0" indent="0" algn="l" rtl="0">
-              <a:spcBef>
-                <a:spcPts val="0"/>
-              </a:spcBef>
-              <a:spcAft>
-                <a:spcPts val="0"/>
-              </a:spcAft>
-              <a:buNone/>
-            </a:pPr>
-            <a:endParaRPr/>
-          </a:p>
-        </p:txBody>
-      </p:sp>
-      <p:sp>
-        <p:nvSpPr>
-          <p:cNvPr id="1220" name="Google Shape;1220;p46"/>
-          <p:cNvSpPr/>
-          <p:nvPr/>
-        </p:nvSpPr>
-        <p:spPr>
-          <a:xfrm>
-            <a:off x="7878457" y="759014"/>
-            <a:ext cx="78214" cy="78273"/>
-          </a:xfrm>
-          <a:custGeom>
-            <a:avLst/>
-            <a:gdLst/>
-            <a:ahLst/>
-            <a:cxnLst/>
-            <a:rect l="l" t="t" r="r" b="b"/>
-            <a:pathLst>
-              <a:path w="1199" h="1200" extrusionOk="0">
-                <a:moveTo>
-                  <a:pt x="609" y="1"/>
-                </a:moveTo>
-                <a:lnTo>
-                  <a:pt x="400" y="381"/>
-                </a:lnTo>
-                <a:lnTo>
-                  <a:pt x="1" y="591"/>
-                </a:lnTo>
-                <a:lnTo>
-                  <a:pt x="400" y="800"/>
-                </a:lnTo>
-                <a:lnTo>
-                  <a:pt x="609" y="1199"/>
-                </a:lnTo>
-                <a:lnTo>
-                  <a:pt x="818" y="800"/>
-                </a:lnTo>
-                <a:lnTo>
-                  <a:pt x="1199" y="591"/>
-                </a:lnTo>
-                <a:lnTo>
-                  <a:pt x="818" y="381"/>
-                </a:lnTo>
-                <a:lnTo>
-                  <a:pt x="609" y="1"/>
-                </a:lnTo>
-                <a:close/>
-              </a:path>
-            </a:pathLst>
-          </a:custGeom>
-          <a:solidFill>
-            <a:srgbClr val="F9FBFC"/>
-          </a:solidFill>
-          <a:ln>
-            <a:noFill/>
-          </a:ln>
-        </p:spPr>
-        <p:txBody>
-          <a:bodyPr spcFirstLastPara="1" wrap="square" lIns="91425" tIns="91425" rIns="91425" bIns="91425" anchor="ctr" anchorCtr="0">
-            <a:noAutofit/>
-          </a:bodyPr>
-          <a:lstStyle/>
-          <a:p>
-            <a:pPr marL="0" lvl="0" indent="0" algn="l" rtl="0">
-              <a:spcBef>
-                <a:spcPts val="0"/>
-              </a:spcBef>
-              <a:spcAft>
-                <a:spcPts val="0"/>
-              </a:spcAft>
-              <a:buNone/>
-            </a:pPr>
-            <a:endParaRPr/>
-          </a:p>
-        </p:txBody>
-      </p:sp>
-      <p:pic>
-        <p:nvPicPr>
-          <p:cNvPr id="1026" name="Picture 2">
-            <a:extLst>
-              <a:ext uri="{FF2B5EF4-FFF2-40B4-BE49-F238E27FC236}">
-                <a16:creationId xmlns:a16="http://schemas.microsoft.com/office/drawing/2014/main" id="{0CF501CB-844C-C29B-4F0E-9F9D920A3108}"/>
-              </a:ext>
-            </a:extLst>
-          </p:cNvPr>
-          <p:cNvPicPr>
-            <a:picLocks noChangeAspect="1" noChangeArrowheads="1"/>
-          </p:cNvPicPr>
-          <p:nvPr/>
-        </p:nvPicPr>
-        <p:blipFill>
-          <a:blip r:embed="rId3">
-            <a:extLst>
-              <a:ext uri="{28A0092B-C50C-407E-A947-70E740481C1C}">
-                <a14:useLocalDpi xmlns:a14="http://schemas.microsoft.com/office/drawing/2010/main" val="0"/>
-              </a:ext>
-            </a:extLst>
-          </a:blip>
-          <a:srcRect/>
-          <a:stretch>
-            <a:fillRect/>
-          </a:stretch>
-        </p:blipFill>
-        <p:spPr bwMode="auto">
-          <a:xfrm>
-            <a:off x="1711036" y="1060850"/>
-            <a:ext cx="5721927" cy="1746380"/>
-          </a:xfrm>
-          <a:prstGeom prst="rect">
-            <a:avLst/>
-          </a:prstGeom>
-          <a:noFill/>
-          <a:extLst>
-            <a:ext uri="{909E8E84-426E-40DD-AFC4-6F175D3DCCD1}">
-              <a14:hiddenFill xmlns:a14="http://schemas.microsoft.com/office/drawing/2010/main">
-                <a:solidFill>
-                  <a:srgbClr val="FFFFFF"/>
-                </a:solidFill>
-              </a14:hiddenFill>
-            </a:ext>
-          </a:extLst>
-        </p:spPr>
-      </p:pic>
-    </p:spTree>
-  </p:cSld>
-  <p:clrMapOvr>
-    <a:masterClrMapping/>
-  </p:clrMapOvr>
+  <p:timing>
+    <p:tnLst>
+      <p:par>
+        <p:cTn id="1" dur="indefinite" restart="never" nodeType="tmRoot">
+          <p:childTnLst>
+            <p:seq concurrent="1" nextAc="seek">
+              <p:cTn id="2" dur="indefinite" nodeType="mainSeq">
+                <p:childTnLst>
+                  <p:par>
+                    <p:cTn id="3" fill="hold">
+                      <p:stCondLst>
+                        <p:cond delay="indefinite"/>
+                      </p:stCondLst>
+                      <p:childTnLst>
+                        <p:par>
+                          <p:cTn id="4" fill="hold">
+                            <p:stCondLst>
+                              <p:cond delay="0"/>
+                            </p:stCondLst>
+                            <p:childTnLst>
+                              <p:par>
+                                <p:cTn id="5" presetID="1" presetClass="entr" presetSubtype="0" fill="hold" nodeType="clickEffect">
+                                  <p:stCondLst>
+                                    <p:cond delay="0"/>
+                                  </p:stCondLst>
+                                  <p:childTnLst>
+                                    <p:set>
+                                      <p:cBhvr>
+                                        <p:cTn id="6" dur="1" fill="hold">
+                                          <p:stCondLst>
+                                            <p:cond delay="0"/>
+                                          </p:stCondLst>
+                                        </p:cTn>
+                                        <p:tgtEl>
+                                          <p:spTgt spid="1144">
+                                            <p:txEl>
+                                              <p:pRg st="0" end="0"/>
+                                            </p:txEl>
+                                          </p:spTgt>
+                                        </p:tgtEl>
+                                        <p:attrNameLst>
+                                          <p:attrName>style.visibility</p:attrName>
+                                        </p:attrNameLst>
+                                      </p:cBhvr>
+                                      <p:to>
+                                        <p:strVal val="visible"/>
+                                      </p:to>
+                                    </p:set>
+                                  </p:childTnLst>
+                                </p:cTn>
+                              </p:par>
+                              <p:par>
+                                <p:cTn id="7" presetID="1" presetClass="entr" presetSubtype="0" fill="hold" nodeType="withEffect">
+                                  <p:stCondLst>
+                                    <p:cond delay="0"/>
+                                  </p:stCondLst>
+                                  <p:childTnLst>
+                                    <p:set>
+                                      <p:cBhvr>
+                                        <p:cTn id="8" dur="1" fill="hold">
+                                          <p:stCondLst>
+                                            <p:cond delay="0"/>
+                                          </p:stCondLst>
+                                        </p:cTn>
+                                        <p:tgtEl>
+                                          <p:spTgt spid="1144">
+                                            <p:txEl>
+                                              <p:pRg st="1" end="1"/>
+                                            </p:txEl>
+                                          </p:spTgt>
+                                        </p:tgtEl>
+                                        <p:attrNameLst>
+                                          <p:attrName>style.visibility</p:attrName>
+                                        </p:attrNameLst>
+                                      </p:cBhvr>
+                                      <p:to>
+                                        <p:strVal val="visible"/>
+                                      </p:to>
+                                    </p:set>
+                                  </p:childTnLst>
+                                </p:cTn>
+                              </p:par>
+                              <p:par>
+                                <p:cTn id="9" presetID="1" presetClass="entr" presetSubtype="0" fill="hold" nodeType="withEffect">
+                                  <p:stCondLst>
+                                    <p:cond delay="0"/>
+                                  </p:stCondLst>
+                                  <p:childTnLst>
+                                    <p:set>
+                                      <p:cBhvr>
+                                        <p:cTn id="10" dur="1" fill="hold">
+                                          <p:stCondLst>
+                                            <p:cond delay="0"/>
+                                          </p:stCondLst>
+                                        </p:cTn>
+                                        <p:tgtEl>
+                                          <p:spTgt spid="1144">
+                                            <p:txEl>
+                                              <p:pRg st="2" end="2"/>
+                                            </p:txEl>
+                                          </p:spTgt>
+                                        </p:tgtEl>
+                                        <p:attrNameLst>
+                                          <p:attrName>style.visibility</p:attrName>
+                                        </p:attrNameLst>
+                                      </p:cBhvr>
+                                      <p:to>
+                                        <p:strVal val="visible"/>
+                                      </p:to>
+                                    </p:set>
+                                  </p:childTnLst>
+                                </p:cTn>
+                              </p:par>
+                            </p:childTnLst>
+                          </p:cTn>
+                        </p:par>
+                      </p:childTnLst>
+                    </p:cTn>
+                  </p:par>
+                </p:childTnLst>
+              </p:cTn>
+              <p:prevCondLst>
+                <p:cond evt="onPrev" delay="0">
+                  <p:tgtEl>
+                    <p:sldTgt/>
+                  </p:tgtEl>
+                </p:cond>
+              </p:prevCondLst>
+              <p:nextCondLst>
+                <p:cond evt="onNext" delay="0">
+                  <p:tgtEl>
+                    <p:sldTgt/>
+                  </p:tgtEl>
+                </p:cond>
+              </p:nextCondLst>
+            </p:seq>
+          </p:childTnLst>
+        </p:cTn>
+      </p:par>
+    </p:tnLst>
+  </p:timing>
 </p:sld>
 </file>
 
@@ -25508,11 +26043,463 @@
           </a:extLst>
         </p:spPr>
       </p:pic>
+      <p:sp>
+        <p:nvSpPr>
+          <p:cNvPr id="2" name="Google Shape;1144;p43">
+            <a:extLst>
+              <a:ext uri="{FF2B5EF4-FFF2-40B4-BE49-F238E27FC236}">
+                <a16:creationId xmlns:a16="http://schemas.microsoft.com/office/drawing/2014/main" id="{ADD10AAB-C465-DA1B-408B-84883F6D5545}"/>
+              </a:ext>
+            </a:extLst>
+          </p:cNvPr>
+          <p:cNvSpPr txBox="1">
+            <a:spLocks/>
+          </p:cNvSpPr>
+          <p:nvPr/>
+        </p:nvSpPr>
+        <p:spPr>
+          <a:xfrm>
+            <a:off x="3535498" y="1276027"/>
+            <a:ext cx="4524384" cy="3244018"/>
+          </a:xfrm>
+          <a:prstGeom prst="rect">
+            <a:avLst/>
+          </a:prstGeom>
+          <a:noFill/>
+          <a:ln>
+            <a:noFill/>
+          </a:ln>
+        </p:spPr>
+        <p:txBody>
+          <a:bodyPr spcFirstLastPara="1" wrap="square" lIns="91425" tIns="91425" rIns="91425" bIns="91425" anchor="t" anchorCtr="0">
+            <a:noAutofit/>
+          </a:bodyPr>
+          <a:lstStyle>
+            <a:defPPr marR="0" lvl="0" algn="l" rtl="0">
+              <a:lnSpc>
+                <a:spcPct val="100000"/>
+              </a:lnSpc>
+              <a:spcBef>
+                <a:spcPts val="0"/>
+              </a:spcBef>
+              <a:spcAft>
+                <a:spcPts val="0"/>
+              </a:spcAft>
+            </a:defPPr>
+            <a:lvl1pPr marL="457200" marR="0" lvl="0" indent="-330200" algn="l" rtl="0">
+              <a:lnSpc>
+                <a:spcPct val="100000"/>
+              </a:lnSpc>
+              <a:spcBef>
+                <a:spcPts val="0"/>
+              </a:spcBef>
+              <a:spcAft>
+                <a:spcPts val="0"/>
+              </a:spcAft>
+              <a:buClr>
+                <a:schemeClr val="lt1"/>
+              </a:buClr>
+              <a:buSzPts val="1600"/>
+              <a:buFont typeface="Chivo"/>
+              <a:buChar char="●"/>
+              <a:defRPr sz="1500" b="0" i="0" u="none" strike="noStrike" cap="none">
+                <a:solidFill>
+                  <a:schemeClr val="lt1"/>
+                </a:solidFill>
+                <a:latin typeface="Chivo"/>
+                <a:ea typeface="Chivo"/>
+                <a:cs typeface="Chivo"/>
+                <a:sym typeface="Chivo"/>
+              </a:defRPr>
+            </a:lvl1pPr>
+            <a:lvl2pPr marL="914400" marR="0" lvl="1" indent="-317500" algn="l" rtl="0">
+              <a:lnSpc>
+                <a:spcPct val="100000"/>
+              </a:lnSpc>
+              <a:spcBef>
+                <a:spcPts val="0"/>
+              </a:spcBef>
+              <a:spcAft>
+                <a:spcPts val="0"/>
+              </a:spcAft>
+              <a:buClr>
+                <a:schemeClr val="lt1"/>
+              </a:buClr>
+              <a:buSzPts val="1400"/>
+              <a:buFont typeface="Chivo"/>
+              <a:buChar char="○"/>
+              <a:defRPr sz="1600" b="0" i="0" u="none" strike="noStrike" cap="none">
+                <a:solidFill>
+                  <a:schemeClr val="lt1"/>
+                </a:solidFill>
+                <a:latin typeface="Chivo"/>
+                <a:ea typeface="Chivo"/>
+                <a:cs typeface="Chivo"/>
+                <a:sym typeface="Chivo"/>
+              </a:defRPr>
+            </a:lvl2pPr>
+            <a:lvl3pPr marL="1371600" marR="0" lvl="2" indent="-317500" algn="l" rtl="0">
+              <a:lnSpc>
+                <a:spcPct val="100000"/>
+              </a:lnSpc>
+              <a:spcBef>
+                <a:spcPts val="0"/>
+              </a:spcBef>
+              <a:spcAft>
+                <a:spcPts val="0"/>
+              </a:spcAft>
+              <a:buClr>
+                <a:schemeClr val="lt1"/>
+              </a:buClr>
+              <a:buSzPts val="1400"/>
+              <a:buFont typeface="Chivo"/>
+              <a:buChar char="■"/>
+              <a:defRPr sz="1600" b="0" i="0" u="none" strike="noStrike" cap="none">
+                <a:solidFill>
+                  <a:schemeClr val="lt1"/>
+                </a:solidFill>
+                <a:latin typeface="Chivo"/>
+                <a:ea typeface="Chivo"/>
+                <a:cs typeface="Chivo"/>
+                <a:sym typeface="Chivo"/>
+              </a:defRPr>
+            </a:lvl3pPr>
+            <a:lvl4pPr marL="1828800" marR="0" lvl="3" indent="-317500" algn="l" rtl="0">
+              <a:lnSpc>
+                <a:spcPct val="100000"/>
+              </a:lnSpc>
+              <a:spcBef>
+                <a:spcPts val="0"/>
+              </a:spcBef>
+              <a:spcAft>
+                <a:spcPts val="0"/>
+              </a:spcAft>
+              <a:buClr>
+                <a:schemeClr val="lt1"/>
+              </a:buClr>
+              <a:buSzPts val="1400"/>
+              <a:buFont typeface="Chivo"/>
+              <a:buChar char="●"/>
+              <a:defRPr sz="1600" b="0" i="0" u="none" strike="noStrike" cap="none">
+                <a:solidFill>
+                  <a:schemeClr val="lt1"/>
+                </a:solidFill>
+                <a:latin typeface="Chivo"/>
+                <a:ea typeface="Chivo"/>
+                <a:cs typeface="Chivo"/>
+                <a:sym typeface="Chivo"/>
+              </a:defRPr>
+            </a:lvl4pPr>
+            <a:lvl5pPr marL="2286000" marR="0" lvl="4" indent="-317500" algn="l" rtl="0">
+              <a:lnSpc>
+                <a:spcPct val="100000"/>
+              </a:lnSpc>
+              <a:spcBef>
+                <a:spcPts val="0"/>
+              </a:spcBef>
+              <a:spcAft>
+                <a:spcPts val="0"/>
+              </a:spcAft>
+              <a:buClr>
+                <a:schemeClr val="lt1"/>
+              </a:buClr>
+              <a:buSzPts val="1400"/>
+              <a:buFont typeface="Chivo"/>
+              <a:buChar char="○"/>
+              <a:defRPr sz="1600" b="0" i="0" u="none" strike="noStrike" cap="none">
+                <a:solidFill>
+                  <a:schemeClr val="lt1"/>
+                </a:solidFill>
+                <a:latin typeface="Chivo"/>
+                <a:ea typeface="Chivo"/>
+                <a:cs typeface="Chivo"/>
+                <a:sym typeface="Chivo"/>
+              </a:defRPr>
+            </a:lvl5pPr>
+            <a:lvl6pPr marL="2743200" marR="0" lvl="5" indent="-317500" algn="l" rtl="0">
+              <a:lnSpc>
+                <a:spcPct val="100000"/>
+              </a:lnSpc>
+              <a:spcBef>
+                <a:spcPts val="0"/>
+              </a:spcBef>
+              <a:spcAft>
+                <a:spcPts val="0"/>
+              </a:spcAft>
+              <a:buClr>
+                <a:schemeClr val="lt1"/>
+              </a:buClr>
+              <a:buSzPts val="1400"/>
+              <a:buFont typeface="Chivo"/>
+              <a:buChar char="■"/>
+              <a:defRPr sz="1600" b="0" i="0" u="none" strike="noStrike" cap="none">
+                <a:solidFill>
+                  <a:schemeClr val="lt1"/>
+                </a:solidFill>
+                <a:latin typeface="Chivo"/>
+                <a:ea typeface="Chivo"/>
+                <a:cs typeface="Chivo"/>
+                <a:sym typeface="Chivo"/>
+              </a:defRPr>
+            </a:lvl6pPr>
+            <a:lvl7pPr marL="3200400" marR="0" lvl="6" indent="-317500" algn="l" rtl="0">
+              <a:lnSpc>
+                <a:spcPct val="100000"/>
+              </a:lnSpc>
+              <a:spcBef>
+                <a:spcPts val="0"/>
+              </a:spcBef>
+              <a:spcAft>
+                <a:spcPts val="0"/>
+              </a:spcAft>
+              <a:buClr>
+                <a:schemeClr val="lt1"/>
+              </a:buClr>
+              <a:buSzPts val="1400"/>
+              <a:buFont typeface="Chivo"/>
+              <a:buChar char="●"/>
+              <a:defRPr sz="1600" b="0" i="0" u="none" strike="noStrike" cap="none">
+                <a:solidFill>
+                  <a:schemeClr val="lt1"/>
+                </a:solidFill>
+                <a:latin typeface="Chivo"/>
+                <a:ea typeface="Chivo"/>
+                <a:cs typeface="Chivo"/>
+                <a:sym typeface="Chivo"/>
+              </a:defRPr>
+            </a:lvl7pPr>
+            <a:lvl8pPr marL="3657600" marR="0" lvl="7" indent="-317500" algn="l" rtl="0">
+              <a:lnSpc>
+                <a:spcPct val="100000"/>
+              </a:lnSpc>
+              <a:spcBef>
+                <a:spcPts val="0"/>
+              </a:spcBef>
+              <a:spcAft>
+                <a:spcPts val="0"/>
+              </a:spcAft>
+              <a:buClr>
+                <a:schemeClr val="lt1"/>
+              </a:buClr>
+              <a:buSzPts val="1400"/>
+              <a:buFont typeface="Chivo"/>
+              <a:buChar char="○"/>
+              <a:defRPr sz="1600" b="0" i="0" u="none" strike="noStrike" cap="none">
+                <a:solidFill>
+                  <a:schemeClr val="lt1"/>
+                </a:solidFill>
+                <a:latin typeface="Chivo"/>
+                <a:ea typeface="Chivo"/>
+                <a:cs typeface="Chivo"/>
+                <a:sym typeface="Chivo"/>
+              </a:defRPr>
+            </a:lvl8pPr>
+            <a:lvl9pPr marL="4114800" marR="0" lvl="8" indent="-317500" algn="l" rtl="0">
+              <a:lnSpc>
+                <a:spcPct val="100000"/>
+              </a:lnSpc>
+              <a:spcBef>
+                <a:spcPts val="0"/>
+              </a:spcBef>
+              <a:spcAft>
+                <a:spcPts val="0"/>
+              </a:spcAft>
+              <a:buClr>
+                <a:schemeClr val="lt1"/>
+              </a:buClr>
+              <a:buSzPts val="1400"/>
+              <a:buFont typeface="Chivo"/>
+              <a:buChar char="■"/>
+              <a:defRPr sz="1600" b="0" i="0" u="none" strike="noStrike" cap="none">
+                <a:solidFill>
+                  <a:schemeClr val="lt1"/>
+                </a:solidFill>
+                <a:latin typeface="Chivo"/>
+                <a:ea typeface="Chivo"/>
+                <a:cs typeface="Chivo"/>
+                <a:sym typeface="Chivo"/>
+              </a:defRPr>
+            </a:lvl9pPr>
+          </a:lstStyle>
+          <a:p>
+            <a:pPr marL="285750" indent="-285750">
+              <a:buFont typeface="Arial" panose="020B0604020202020204" pitchFamily="34" charset="0"/>
+              <a:buChar char="•"/>
+            </a:pPr>
+            <a:r>
+              <a:rPr lang="en-US" sz="2800"/>
+              <a:t>Solid Fueled Rockets</a:t>
+            </a:r>
+          </a:p>
+          <a:p>
+            <a:pPr marL="285750" indent="-285750">
+              <a:buFont typeface="Arial" panose="020B0604020202020204" pitchFamily="34" charset="0"/>
+              <a:buChar char="•"/>
+            </a:pPr>
+            <a:r>
+              <a:rPr lang="en-US" sz="2800"/>
+              <a:t>Liquid Fueled Rockets</a:t>
+            </a:r>
+          </a:p>
+          <a:p>
+            <a:pPr marL="285750" indent="-285750">
+              <a:buFont typeface="Arial" panose="020B0604020202020204" pitchFamily="34" charset="0"/>
+              <a:buChar char="•"/>
+            </a:pPr>
+            <a:r>
+              <a:rPr lang="en-US" sz="2800"/>
+              <a:t>Hybrid Rockets</a:t>
+            </a:r>
+            <a:endParaRPr lang="en-US" sz="2800" dirty="0"/>
+          </a:p>
+        </p:txBody>
+      </p:sp>
     </p:spTree>
   </p:cSld>
   <p:clrMapOvr>
     <a:masterClrMapping/>
   </p:clrMapOvr>
+  <p:timing>
+    <p:tnLst>
+      <p:par>
+        <p:cTn id="1" dur="indefinite" restart="never" nodeType="tmRoot">
+          <p:childTnLst>
+            <p:seq concurrent="1" nextAc="seek">
+              <p:cTn id="2" dur="indefinite" nodeType="mainSeq">
+                <p:childTnLst>
+                  <p:par>
+                    <p:cTn id="3" fill="hold">
+                      <p:stCondLst>
+                        <p:cond delay="indefinite"/>
+                      </p:stCondLst>
+                      <p:childTnLst>
+                        <p:par>
+                          <p:cTn id="4" fill="hold">
+                            <p:stCondLst>
+                              <p:cond delay="0"/>
+                            </p:stCondLst>
+                            <p:childTnLst>
+                              <p:par>
+                                <p:cTn id="5" presetID="1" presetClass="entr" presetSubtype="0" fill="hold" nodeType="clickEffect">
+                                  <p:stCondLst>
+                                    <p:cond delay="0"/>
+                                  </p:stCondLst>
+                                  <p:childTnLst>
+                                    <p:set>
+                                      <p:cBhvr>
+                                        <p:cTn id="6" dur="1" fill="hold">
+                                          <p:stCondLst>
+                                            <p:cond delay="0"/>
+                                          </p:stCondLst>
+                                        </p:cTn>
+                                        <p:tgtEl>
+                                          <p:spTgt spid="2">
+                                            <p:txEl>
+                                              <p:pRg st="0" end="0"/>
+                                            </p:txEl>
+                                          </p:spTgt>
+                                        </p:tgtEl>
+                                        <p:attrNameLst>
+                                          <p:attrName>style.visibility</p:attrName>
+                                        </p:attrNameLst>
+                                      </p:cBhvr>
+                                      <p:to>
+                                        <p:strVal val="visible"/>
+                                      </p:to>
+                                    </p:set>
+                                  </p:childTnLst>
+                                </p:cTn>
+                              </p:par>
+                              <p:par>
+                                <p:cTn id="7" presetID="1" presetClass="entr" presetSubtype="0" fill="hold" nodeType="withEffect">
+                                  <p:stCondLst>
+                                    <p:cond delay="0"/>
+                                  </p:stCondLst>
+                                  <p:childTnLst>
+                                    <p:set>
+                                      <p:cBhvr>
+                                        <p:cTn id="8" dur="1" fill="hold">
+                                          <p:stCondLst>
+                                            <p:cond delay="0"/>
+                                          </p:stCondLst>
+                                        </p:cTn>
+                                        <p:tgtEl>
+                                          <p:spTgt spid="2">
+                                            <p:txEl>
+                                              <p:pRg st="1" end="1"/>
+                                            </p:txEl>
+                                          </p:spTgt>
+                                        </p:tgtEl>
+                                        <p:attrNameLst>
+                                          <p:attrName>style.visibility</p:attrName>
+                                        </p:attrNameLst>
+                                      </p:cBhvr>
+                                      <p:to>
+                                        <p:strVal val="visible"/>
+                                      </p:to>
+                                    </p:set>
+                                  </p:childTnLst>
+                                </p:cTn>
+                              </p:par>
+                              <p:par>
+                                <p:cTn id="9" presetID="1" presetClass="entr" presetSubtype="0" fill="hold" nodeType="withEffect">
+                                  <p:stCondLst>
+                                    <p:cond delay="0"/>
+                                  </p:stCondLst>
+                                  <p:childTnLst>
+                                    <p:set>
+                                      <p:cBhvr>
+                                        <p:cTn id="10" dur="1" fill="hold">
+                                          <p:stCondLst>
+                                            <p:cond delay="0"/>
+                                          </p:stCondLst>
+                                        </p:cTn>
+                                        <p:tgtEl>
+                                          <p:spTgt spid="2">
+                                            <p:txEl>
+                                              <p:pRg st="2" end="2"/>
+                                            </p:txEl>
+                                          </p:spTgt>
+                                        </p:tgtEl>
+                                        <p:attrNameLst>
+                                          <p:attrName>style.visibility</p:attrName>
+                                        </p:attrNameLst>
+                                      </p:cBhvr>
+                                      <p:to>
+                                        <p:strVal val="visible"/>
+                                      </p:to>
+                                    </p:set>
+                                  </p:childTnLst>
+                                </p:cTn>
+                              </p:par>
+                            </p:childTnLst>
+                          </p:cTn>
+                        </p:par>
+                      </p:childTnLst>
+                    </p:cTn>
+                  </p:par>
+                </p:childTnLst>
+              </p:cTn>
+              <p:prevCondLst>
+                <p:cond evt="onPrev" delay="0">
+                  <p:tgtEl>
+                    <p:sldTgt/>
+                  </p:tgtEl>
+                </p:cond>
+              </p:prevCondLst>
+              <p:nextCondLst>
+                <p:cond evt="onNext" delay="0">
+                  <p:tgtEl>
+                    <p:sldTgt/>
+                  </p:tgtEl>
+                </p:cond>
+              </p:nextCondLst>
+            </p:seq>
+          </p:childTnLst>
+        </p:cTn>
+      </p:par>
+    </p:tnLst>
+  </p:timing>
 </p:sld>
 </file>
 
@@ -25968,6 +26955,1137 @@
 </file>
 
 <file path=ppt/slides/slide8.xml><?xml version="1.0" encoding="utf-8"?>
+<p:sld xmlns:a="http://schemas.openxmlformats.org/drawingml/2006/main" xmlns:r="http://schemas.openxmlformats.org/officeDocument/2006/relationships" xmlns:p="http://schemas.openxmlformats.org/presentationml/2006/main">
+  <p:cSld>
+    <p:spTree>
+      <p:nvGrpSpPr>
+        <p:cNvPr id="1" name="Shape 1116"/>
+        <p:cNvGrpSpPr/>
+        <p:nvPr/>
+      </p:nvGrpSpPr>
+      <p:grpSpPr>
+        <a:xfrm>
+          <a:off x="0" y="0"/>
+          <a:ext cx="0" cy="0"/>
+          <a:chOff x="0" y="0"/>
+          <a:chExt cx="0" cy="0"/>
+        </a:xfrm>
+      </p:grpSpPr>
+      <p:sp>
+        <p:nvSpPr>
+          <p:cNvPr id="1117" name="Google Shape;1117;p42"/>
+          <p:cNvSpPr txBox="1">
+            <a:spLocks noGrp="1"/>
+          </p:cNvSpPr>
+          <p:nvPr>
+            <p:ph type="title" idx="9"/>
+          </p:nvPr>
+        </p:nvSpPr>
+        <p:spPr>
+          <a:xfrm>
+            <a:off x="720000" y="387600"/>
+            <a:ext cx="7704000" cy="592200"/>
+          </a:xfrm>
+          <a:prstGeom prst="rect">
+            <a:avLst/>
+          </a:prstGeom>
+        </p:spPr>
+        <p:txBody>
+          <a:bodyPr spcFirstLastPara="1" wrap="square" lIns="91425" tIns="91425" rIns="91425" bIns="91425" anchor="t" anchorCtr="0">
+            <a:noAutofit/>
+          </a:bodyPr>
+          <a:lstStyle/>
+          <a:p>
+            <a:pPr marL="0" lvl="0" indent="0" algn="l" rtl="0">
+              <a:spcBef>
+                <a:spcPts val="0"/>
+              </a:spcBef>
+              <a:spcAft>
+                <a:spcPts val="0"/>
+              </a:spcAft>
+              <a:buNone/>
+            </a:pPr>
+            <a:r>
+              <a:rPr lang="en" dirty="0"/>
+              <a:t>Chemical Reactions</a:t>
+            </a:r>
+            <a:endParaRPr dirty="0"/>
+          </a:p>
+        </p:txBody>
+      </p:sp>
+      <p:sp>
+        <p:nvSpPr>
+          <p:cNvPr id="1120" name="Google Shape;1120;p42"/>
+          <p:cNvSpPr txBox="1">
+            <a:spLocks noGrp="1"/>
+          </p:cNvSpPr>
+          <p:nvPr>
+            <p:ph type="subTitle" idx="2"/>
+          </p:nvPr>
+        </p:nvSpPr>
+        <p:spPr>
+          <a:xfrm>
+            <a:off x="643462" y="1522959"/>
+            <a:ext cx="6578220" cy="3021332"/>
+          </a:xfrm>
+          <a:prstGeom prst="rect">
+            <a:avLst/>
+          </a:prstGeom>
+        </p:spPr>
+        <p:txBody>
+          <a:bodyPr spcFirstLastPara="1" wrap="square" lIns="91425" tIns="91425" rIns="91425" bIns="91425" anchor="t" anchorCtr="0">
+            <a:noAutofit/>
+          </a:bodyPr>
+          <a:lstStyle/>
+          <a:p>
+            <a:pPr marL="285750" lvl="0" indent="-285750" algn="l" rtl="0">
+              <a:spcBef>
+                <a:spcPts val="0"/>
+              </a:spcBef>
+              <a:spcAft>
+                <a:spcPts val="0"/>
+              </a:spcAft>
+              <a:buFont typeface="Arial" panose="020B0604020202020204" pitchFamily="34" charset="0"/>
+              <a:buChar char="•"/>
+            </a:pPr>
+            <a:r>
+              <a:rPr lang="en-US" sz="2000" dirty="0"/>
+              <a:t>Combustion:</a:t>
+            </a:r>
+          </a:p>
+          <a:p>
+            <a:pPr marL="742950" lvl="1" indent="-285750">
+              <a:buFont typeface="Arial" panose="020B0604020202020204" pitchFamily="34" charset="0"/>
+              <a:buChar char="•"/>
+            </a:pPr>
+            <a:r>
+              <a:rPr lang="en-US" sz="2000" dirty="0"/>
+              <a:t>Liquid hydrogen + liquid oxygen</a:t>
+            </a:r>
+          </a:p>
+          <a:p>
+            <a:pPr marL="742950" lvl="1" indent="-285750">
+              <a:buFont typeface="Arial" panose="020B0604020202020204" pitchFamily="34" charset="0"/>
+              <a:buChar char="•"/>
+            </a:pPr>
+            <a:r>
+              <a:rPr lang="en-US" sz="2000" dirty="0"/>
+              <a:t>Gunpowder</a:t>
+            </a:r>
+          </a:p>
+          <a:p>
+            <a:pPr marL="742950" lvl="1" indent="-285750">
+              <a:buFont typeface="Arial" panose="020B0604020202020204" pitchFamily="34" charset="0"/>
+              <a:buChar char="•"/>
+            </a:pPr>
+            <a:r>
+              <a:rPr lang="en-US" sz="2000" dirty="0"/>
+              <a:t>Alcohol + Oxygen</a:t>
+            </a:r>
+          </a:p>
+          <a:p>
+            <a:pPr marL="285750" indent="-285750" algn="l">
+              <a:buFont typeface="Arial" panose="020B0604020202020204" pitchFamily="34" charset="0"/>
+              <a:buChar char="•"/>
+            </a:pPr>
+            <a:r>
+              <a:rPr lang="en-US" sz="2000" dirty="0"/>
+              <a:t>Acid/base:</a:t>
+            </a:r>
+          </a:p>
+          <a:p>
+            <a:pPr marL="742950" lvl="1" indent="-285750">
+              <a:buFont typeface="Arial" panose="020B0604020202020204" pitchFamily="34" charset="0"/>
+              <a:buChar char="•"/>
+            </a:pPr>
+            <a:r>
+              <a:rPr lang="en-US" sz="2000" dirty="0"/>
+              <a:t>Baking soda + vinegar</a:t>
+            </a:r>
+          </a:p>
+          <a:p>
+            <a:pPr marL="742950" lvl="1" indent="-285750">
+              <a:buFont typeface="Arial" panose="020B0604020202020204" pitchFamily="34" charset="0"/>
+              <a:buChar char="•"/>
+            </a:pPr>
+            <a:r>
+              <a:rPr lang="en-US" sz="2000" dirty="0"/>
+              <a:t>Alka seltzer + water</a:t>
+            </a:r>
+          </a:p>
+        </p:txBody>
+      </p:sp>
+      <p:sp>
+        <p:nvSpPr>
+          <p:cNvPr id="1127" name="Google Shape;1127;p42"/>
+          <p:cNvSpPr/>
+          <p:nvPr/>
+        </p:nvSpPr>
+        <p:spPr>
+          <a:xfrm>
+            <a:off x="825075" y="1021550"/>
+            <a:ext cx="3180300" cy="78600"/>
+          </a:xfrm>
+          <a:prstGeom prst="roundRect">
+            <a:avLst>
+              <a:gd name="adj" fmla="val 50000"/>
+            </a:avLst>
+          </a:prstGeom>
+          <a:gradFill>
+            <a:gsLst>
+              <a:gs pos="0">
+                <a:srgbClr val="FFFFFF">
+                  <a:alpha val="0"/>
+                </a:srgbClr>
+              </a:gs>
+              <a:gs pos="100000">
+                <a:srgbClr val="FFFFFF">
+                  <a:alpha val="56078"/>
+                </a:srgbClr>
+              </a:gs>
+            </a:gsLst>
+            <a:lin ang="0" scaled="0"/>
+          </a:gradFill>
+          <a:ln>
+            <a:noFill/>
+          </a:ln>
+        </p:spPr>
+        <p:txBody>
+          <a:bodyPr spcFirstLastPara="1" wrap="square" lIns="91425" tIns="91425" rIns="91425" bIns="91425" anchor="ctr" anchorCtr="0">
+            <a:noAutofit/>
+          </a:bodyPr>
+          <a:lstStyle/>
+          <a:p>
+            <a:pPr marL="0" lvl="0" indent="0" algn="l" rtl="0">
+              <a:spcBef>
+                <a:spcPts val="0"/>
+              </a:spcBef>
+              <a:spcAft>
+                <a:spcPts val="0"/>
+              </a:spcAft>
+              <a:buNone/>
+            </a:pPr>
+            <a:endParaRPr/>
+          </a:p>
+        </p:txBody>
+      </p:sp>
+      <p:grpSp>
+        <p:nvGrpSpPr>
+          <p:cNvPr id="1128" name="Google Shape;1128;p42"/>
+          <p:cNvGrpSpPr/>
+          <p:nvPr/>
+        </p:nvGrpSpPr>
+        <p:grpSpPr>
+          <a:xfrm>
+            <a:off x="7507154" y="182008"/>
+            <a:ext cx="1114164" cy="1020775"/>
+            <a:chOff x="2972050" y="2772000"/>
+            <a:chExt cx="907300" cy="831250"/>
+          </a:xfrm>
+        </p:grpSpPr>
+        <p:sp>
+          <p:nvSpPr>
+            <p:cNvPr id="1129" name="Google Shape;1129;p42"/>
+            <p:cNvSpPr/>
+            <p:nvPr/>
+          </p:nvSpPr>
+          <p:spPr>
+            <a:xfrm>
+              <a:off x="3425675" y="2772000"/>
+              <a:ext cx="453675" cy="465250"/>
+            </a:xfrm>
+            <a:custGeom>
+              <a:avLst/>
+              <a:gdLst/>
+              <a:ahLst/>
+              <a:cxnLst/>
+              <a:rect l="l" t="t" r="r" b="b"/>
+              <a:pathLst>
+                <a:path w="18147" h="18610" extrusionOk="0">
+                  <a:moveTo>
+                    <a:pt x="18147" y="405"/>
+                  </a:moveTo>
+                  <a:cubicBezTo>
+                    <a:pt x="17877" y="3218"/>
+                    <a:pt x="17588" y="6049"/>
+                    <a:pt x="16587" y="8688"/>
+                  </a:cubicBezTo>
+                  <a:cubicBezTo>
+                    <a:pt x="14294" y="14679"/>
+                    <a:pt x="6069" y="18609"/>
+                    <a:pt x="3295" y="10807"/>
+                  </a:cubicBezTo>
+                  <a:cubicBezTo>
+                    <a:pt x="1" y="1542"/>
+                    <a:pt x="11809" y="1"/>
+                    <a:pt x="18147" y="405"/>
+                  </a:cubicBezTo>
+                  <a:close/>
+                </a:path>
+              </a:pathLst>
+            </a:custGeom>
+            <a:gradFill>
+              <a:gsLst>
+                <a:gs pos="0">
+                  <a:schemeClr val="accent2"/>
+                </a:gs>
+                <a:gs pos="100000">
+                  <a:srgbClr val="FFFFFF">
+                    <a:alpha val="0"/>
+                  </a:srgbClr>
+                </a:gs>
+              </a:gsLst>
+              <a:lin ang="0" scaled="0"/>
+            </a:gradFill>
+            <a:ln>
+              <a:noFill/>
+            </a:ln>
+          </p:spPr>
+          <p:txBody>
+            <a:bodyPr spcFirstLastPara="1" wrap="square" lIns="91425" tIns="91425" rIns="91425" bIns="91425" anchor="ctr" anchorCtr="0">
+              <a:noAutofit/>
+            </a:bodyPr>
+            <a:lstStyle/>
+            <a:p>
+              <a:pPr marL="0" lvl="0" indent="0" algn="l" rtl="0">
+                <a:spcBef>
+                  <a:spcPts val="0"/>
+                </a:spcBef>
+                <a:spcAft>
+                  <a:spcPts val="0"/>
+                </a:spcAft>
+                <a:buNone/>
+              </a:pPr>
+              <a:endParaRPr/>
+            </a:p>
+          </p:txBody>
+        </p:sp>
+        <p:sp>
+          <p:nvSpPr>
+            <p:cNvPr id="1130" name="Google Shape;1130;p42"/>
+            <p:cNvSpPr/>
+            <p:nvPr/>
+          </p:nvSpPr>
+          <p:spPr>
+            <a:xfrm>
+              <a:off x="3472875" y="2865425"/>
+              <a:ext cx="307275" cy="314975"/>
+            </a:xfrm>
+            <a:custGeom>
+              <a:avLst/>
+              <a:gdLst/>
+              <a:ahLst/>
+              <a:cxnLst/>
+              <a:rect l="l" t="t" r="r" b="b"/>
+              <a:pathLst>
+                <a:path w="12291" h="12599" extrusionOk="0">
+                  <a:moveTo>
+                    <a:pt x="12291" y="271"/>
+                  </a:moveTo>
+                  <a:cubicBezTo>
+                    <a:pt x="12098" y="2178"/>
+                    <a:pt x="11905" y="4104"/>
+                    <a:pt x="11231" y="5876"/>
+                  </a:cubicBezTo>
+                  <a:cubicBezTo>
+                    <a:pt x="9690" y="9941"/>
+                    <a:pt x="4104" y="12599"/>
+                    <a:pt x="2235" y="7321"/>
+                  </a:cubicBezTo>
+                  <a:cubicBezTo>
+                    <a:pt x="1" y="1041"/>
+                    <a:pt x="8014" y="1"/>
+                    <a:pt x="12291" y="271"/>
+                  </a:cubicBezTo>
+                  <a:close/>
+                </a:path>
+              </a:pathLst>
+            </a:custGeom>
+            <a:gradFill>
+              <a:gsLst>
+                <a:gs pos="0">
+                  <a:schemeClr val="accent2"/>
+                </a:gs>
+                <a:gs pos="100000">
+                  <a:schemeClr val="accent6"/>
+                </a:gs>
+              </a:gsLst>
+              <a:lin ang="0" scaled="0"/>
+            </a:gradFill>
+            <a:ln>
+              <a:noFill/>
+            </a:ln>
+          </p:spPr>
+          <p:txBody>
+            <a:bodyPr spcFirstLastPara="1" wrap="square" lIns="91425" tIns="91425" rIns="91425" bIns="91425" anchor="ctr" anchorCtr="0">
+              <a:noAutofit/>
+            </a:bodyPr>
+            <a:lstStyle/>
+            <a:p>
+              <a:pPr marL="0" lvl="0" indent="0" algn="l" rtl="0">
+                <a:spcBef>
+                  <a:spcPts val="0"/>
+                </a:spcBef>
+                <a:spcAft>
+                  <a:spcPts val="0"/>
+                </a:spcAft>
+                <a:buNone/>
+              </a:pPr>
+              <a:endParaRPr/>
+            </a:p>
+          </p:txBody>
+        </p:sp>
+        <p:sp>
+          <p:nvSpPr>
+            <p:cNvPr id="1131" name="Google Shape;1131;p42"/>
+            <p:cNvSpPr/>
+            <p:nvPr/>
+          </p:nvSpPr>
+          <p:spPr>
+            <a:xfrm>
+              <a:off x="3321175" y="2860125"/>
+              <a:ext cx="400700" cy="419975"/>
+            </a:xfrm>
+            <a:custGeom>
+              <a:avLst/>
+              <a:gdLst/>
+              <a:ahLst/>
+              <a:cxnLst/>
+              <a:rect l="l" t="t" r="r" b="b"/>
+              <a:pathLst>
+                <a:path w="16028" h="16799" extrusionOk="0">
+                  <a:moveTo>
+                    <a:pt x="9478" y="16741"/>
+                  </a:moveTo>
+                  <a:cubicBezTo>
+                    <a:pt x="9498" y="16760"/>
+                    <a:pt x="9498" y="16779"/>
+                    <a:pt x="9498" y="16798"/>
+                  </a:cubicBezTo>
+                  <a:cubicBezTo>
+                    <a:pt x="12464" y="15527"/>
+                    <a:pt x="16028" y="15257"/>
+                    <a:pt x="15989" y="11694"/>
+                  </a:cubicBezTo>
+                  <a:cubicBezTo>
+                    <a:pt x="15970" y="9093"/>
+                    <a:pt x="14545" y="6300"/>
+                    <a:pt x="12753" y="4470"/>
+                  </a:cubicBezTo>
+                  <a:cubicBezTo>
+                    <a:pt x="11193" y="2871"/>
+                    <a:pt x="6820" y="1"/>
+                    <a:pt x="4393" y="1137"/>
+                  </a:cubicBezTo>
+                  <a:cubicBezTo>
+                    <a:pt x="3237" y="1696"/>
+                    <a:pt x="1" y="6589"/>
+                    <a:pt x="579" y="7937"/>
+                  </a:cubicBezTo>
+                  <a:cubicBezTo>
+                    <a:pt x="1041" y="8939"/>
+                    <a:pt x="5029" y="10307"/>
+                    <a:pt x="6050" y="11270"/>
+                  </a:cubicBezTo>
+                  <a:cubicBezTo>
+                    <a:pt x="7629" y="12772"/>
+                    <a:pt x="8843" y="14660"/>
+                    <a:pt x="9478" y="16741"/>
+                  </a:cubicBezTo>
+                  <a:close/>
+                </a:path>
+              </a:pathLst>
+            </a:custGeom>
+            <a:gradFill>
+              <a:gsLst>
+                <a:gs pos="0">
+                  <a:schemeClr val="dk2"/>
+                </a:gs>
+                <a:gs pos="100000">
+                  <a:schemeClr val="lt2"/>
+                </a:gs>
+              </a:gsLst>
+              <a:lin ang="0" scaled="0"/>
+            </a:gradFill>
+            <a:ln>
+              <a:noFill/>
+            </a:ln>
+          </p:spPr>
+          <p:txBody>
+            <a:bodyPr spcFirstLastPara="1" wrap="square" lIns="91425" tIns="91425" rIns="91425" bIns="91425" anchor="ctr" anchorCtr="0">
+              <a:noAutofit/>
+            </a:bodyPr>
+            <a:lstStyle/>
+            <a:p>
+              <a:pPr marL="0" lvl="0" indent="0" algn="l" rtl="0">
+                <a:spcBef>
+                  <a:spcPts val="0"/>
+                </a:spcBef>
+                <a:spcAft>
+                  <a:spcPts val="0"/>
+                </a:spcAft>
+                <a:buNone/>
+              </a:pPr>
+              <a:endParaRPr/>
+            </a:p>
+          </p:txBody>
+        </p:sp>
+        <p:sp>
+          <p:nvSpPr>
+            <p:cNvPr id="1132" name="Google Shape;1132;p42"/>
+            <p:cNvSpPr/>
+            <p:nvPr/>
+          </p:nvSpPr>
+          <p:spPr>
+            <a:xfrm>
+              <a:off x="3102075" y="2801875"/>
+              <a:ext cx="200350" cy="438725"/>
+            </a:xfrm>
+            <a:custGeom>
+              <a:avLst/>
+              <a:gdLst/>
+              <a:ahLst/>
+              <a:cxnLst/>
+              <a:rect l="l" t="t" r="r" b="b"/>
+              <a:pathLst>
+                <a:path w="8014" h="17549" extrusionOk="0">
+                  <a:moveTo>
+                    <a:pt x="0" y="17549"/>
+                  </a:moveTo>
+                  <a:lnTo>
+                    <a:pt x="1541" y="2408"/>
+                  </a:lnTo>
+                  <a:lnTo>
+                    <a:pt x="3834" y="0"/>
+                  </a:lnTo>
+                  <a:lnTo>
+                    <a:pt x="8014" y="7763"/>
+                  </a:lnTo>
+                  <a:close/>
+                </a:path>
+              </a:pathLst>
+            </a:custGeom>
+            <a:gradFill>
+              <a:gsLst>
+                <a:gs pos="0">
+                  <a:schemeClr val="dk2"/>
+                </a:gs>
+                <a:gs pos="100000">
+                  <a:schemeClr val="lt2"/>
+                </a:gs>
+              </a:gsLst>
+              <a:lin ang="0" scaled="0"/>
+            </a:gradFill>
+            <a:ln>
+              <a:noFill/>
+            </a:ln>
+          </p:spPr>
+          <p:txBody>
+            <a:bodyPr spcFirstLastPara="1" wrap="square" lIns="91425" tIns="91425" rIns="91425" bIns="91425" anchor="ctr" anchorCtr="0">
+              <a:noAutofit/>
+            </a:bodyPr>
+            <a:lstStyle/>
+            <a:p>
+              <a:pPr marL="0" lvl="0" indent="0" algn="l" rtl="0">
+                <a:spcBef>
+                  <a:spcPts val="0"/>
+                </a:spcBef>
+                <a:spcAft>
+                  <a:spcPts val="0"/>
+                </a:spcAft>
+                <a:buNone/>
+              </a:pPr>
+              <a:endParaRPr/>
+            </a:p>
+          </p:txBody>
+        </p:sp>
+        <p:sp>
+          <p:nvSpPr>
+            <p:cNvPr id="1133" name="Google Shape;1133;p42"/>
+            <p:cNvSpPr/>
+            <p:nvPr/>
+          </p:nvSpPr>
+          <p:spPr>
+            <a:xfrm>
+              <a:off x="3102075" y="2801875"/>
+              <a:ext cx="116075" cy="438725"/>
+            </a:xfrm>
+            <a:custGeom>
+              <a:avLst/>
+              <a:gdLst/>
+              <a:ahLst/>
+              <a:cxnLst/>
+              <a:rect l="l" t="t" r="r" b="b"/>
+              <a:pathLst>
+                <a:path w="4643" h="17549" extrusionOk="0">
+                  <a:moveTo>
+                    <a:pt x="2774" y="3448"/>
+                  </a:moveTo>
+                  <a:lnTo>
+                    <a:pt x="925" y="17356"/>
+                  </a:lnTo>
+                  <a:lnTo>
+                    <a:pt x="0" y="17549"/>
+                  </a:lnTo>
+                  <a:lnTo>
+                    <a:pt x="1541" y="2408"/>
+                  </a:lnTo>
+                  <a:lnTo>
+                    <a:pt x="3834" y="0"/>
+                  </a:lnTo>
+                  <a:lnTo>
+                    <a:pt x="4643" y="1483"/>
+                  </a:lnTo>
+                  <a:close/>
+                </a:path>
+              </a:pathLst>
+            </a:custGeom>
+            <a:gradFill>
+              <a:gsLst>
+                <a:gs pos="0">
+                  <a:schemeClr val="accent2"/>
+                </a:gs>
+                <a:gs pos="100000">
+                  <a:schemeClr val="accent6"/>
+                </a:gs>
+              </a:gsLst>
+              <a:lin ang="0" scaled="0"/>
+            </a:gradFill>
+            <a:ln>
+              <a:noFill/>
+            </a:ln>
+          </p:spPr>
+          <p:txBody>
+            <a:bodyPr spcFirstLastPara="1" wrap="square" lIns="91425" tIns="91425" rIns="91425" bIns="91425" anchor="ctr" anchorCtr="0">
+              <a:noAutofit/>
+            </a:bodyPr>
+            <a:lstStyle/>
+            <a:p>
+              <a:pPr marL="0" lvl="0" indent="0" algn="l" rtl="0">
+                <a:spcBef>
+                  <a:spcPts val="0"/>
+                </a:spcBef>
+                <a:spcAft>
+                  <a:spcPts val="0"/>
+                </a:spcAft>
+                <a:buNone/>
+              </a:pPr>
+              <a:endParaRPr/>
+            </a:p>
+          </p:txBody>
+        </p:sp>
+        <p:sp>
+          <p:nvSpPr>
+            <p:cNvPr id="1134" name="Google Shape;1134;p42"/>
+            <p:cNvSpPr/>
+            <p:nvPr/>
+          </p:nvSpPr>
+          <p:spPr>
+            <a:xfrm>
+              <a:off x="3350550" y="3291625"/>
+              <a:ext cx="436350" cy="206625"/>
+            </a:xfrm>
+            <a:custGeom>
+              <a:avLst/>
+              <a:gdLst/>
+              <a:ahLst/>
+              <a:cxnLst/>
+              <a:rect l="l" t="t" r="r" b="b"/>
+              <a:pathLst>
+                <a:path w="17454" h="8265" extrusionOk="0">
+                  <a:moveTo>
+                    <a:pt x="1" y="8265"/>
+                  </a:moveTo>
+                  <a:lnTo>
+                    <a:pt x="15084" y="6319"/>
+                  </a:lnTo>
+                  <a:lnTo>
+                    <a:pt x="17453" y="3988"/>
+                  </a:lnTo>
+                  <a:lnTo>
+                    <a:pt x="9594" y="1"/>
+                  </a:lnTo>
+                  <a:close/>
+                </a:path>
+              </a:pathLst>
+            </a:custGeom>
+            <a:gradFill>
+              <a:gsLst>
+                <a:gs pos="0">
+                  <a:schemeClr val="dk2"/>
+                </a:gs>
+                <a:gs pos="100000">
+                  <a:schemeClr val="lt2"/>
+                </a:gs>
+              </a:gsLst>
+              <a:lin ang="0" scaled="0"/>
+            </a:gradFill>
+            <a:ln>
+              <a:noFill/>
+            </a:ln>
+          </p:spPr>
+          <p:txBody>
+            <a:bodyPr spcFirstLastPara="1" wrap="square" lIns="91425" tIns="91425" rIns="91425" bIns="91425" anchor="ctr" anchorCtr="0">
+              <a:noAutofit/>
+            </a:bodyPr>
+            <a:lstStyle/>
+            <a:p>
+              <a:pPr marL="0" lvl="0" indent="0" algn="l" rtl="0">
+                <a:spcBef>
+                  <a:spcPts val="0"/>
+                </a:spcBef>
+                <a:spcAft>
+                  <a:spcPts val="0"/>
+                </a:spcAft>
+                <a:buNone/>
+              </a:pPr>
+              <a:endParaRPr/>
+            </a:p>
+          </p:txBody>
+        </p:sp>
+        <p:sp>
+          <p:nvSpPr>
+            <p:cNvPr id="1135" name="Google Shape;1135;p42"/>
+            <p:cNvSpPr/>
+            <p:nvPr/>
+          </p:nvSpPr>
+          <p:spPr>
+            <a:xfrm>
+              <a:off x="3350550" y="3372050"/>
+              <a:ext cx="436350" cy="126200"/>
+            </a:xfrm>
+            <a:custGeom>
+              <a:avLst/>
+              <a:gdLst/>
+              <a:ahLst/>
+              <a:cxnLst/>
+              <a:rect l="l" t="t" r="r" b="b"/>
+              <a:pathLst>
+                <a:path w="17454" h="5048" extrusionOk="0">
+                  <a:moveTo>
+                    <a:pt x="14025" y="1908"/>
+                  </a:moveTo>
+                  <a:lnTo>
+                    <a:pt x="174" y="4104"/>
+                  </a:lnTo>
+                  <a:lnTo>
+                    <a:pt x="1" y="5048"/>
+                  </a:lnTo>
+                  <a:lnTo>
+                    <a:pt x="15084" y="3102"/>
+                  </a:lnTo>
+                  <a:lnTo>
+                    <a:pt x="17453" y="771"/>
+                  </a:lnTo>
+                  <a:lnTo>
+                    <a:pt x="15932" y="1"/>
+                  </a:lnTo>
+                  <a:close/>
+                </a:path>
+              </a:pathLst>
+            </a:custGeom>
+            <a:gradFill>
+              <a:gsLst>
+                <a:gs pos="0">
+                  <a:schemeClr val="accent2"/>
+                </a:gs>
+                <a:gs pos="100000">
+                  <a:schemeClr val="accent6"/>
+                </a:gs>
+              </a:gsLst>
+              <a:lin ang="0" scaled="0"/>
+            </a:gradFill>
+            <a:ln>
+              <a:noFill/>
+            </a:ln>
+          </p:spPr>
+          <p:txBody>
+            <a:bodyPr spcFirstLastPara="1" wrap="square" lIns="91425" tIns="91425" rIns="91425" bIns="91425" anchor="ctr" anchorCtr="0">
+              <a:noAutofit/>
+            </a:bodyPr>
+            <a:lstStyle/>
+            <a:p>
+              <a:pPr marL="0" lvl="0" indent="0" algn="l" rtl="0">
+                <a:spcBef>
+                  <a:spcPts val="0"/>
+                </a:spcBef>
+                <a:spcAft>
+                  <a:spcPts val="0"/>
+                </a:spcAft>
+                <a:buNone/>
+              </a:pPr>
+              <a:endParaRPr/>
+            </a:p>
+          </p:txBody>
+        </p:sp>
+        <p:sp>
+          <p:nvSpPr>
+            <p:cNvPr id="1136" name="Google Shape;1136;p42"/>
+            <p:cNvSpPr/>
+            <p:nvPr/>
+          </p:nvSpPr>
+          <p:spPr>
+            <a:xfrm>
+              <a:off x="2972050" y="2950150"/>
+              <a:ext cx="716600" cy="645675"/>
+            </a:xfrm>
+            <a:custGeom>
+              <a:avLst/>
+              <a:gdLst/>
+              <a:ahLst/>
+              <a:cxnLst/>
+              <a:rect l="l" t="t" r="r" b="b"/>
+              <a:pathLst>
+                <a:path w="28664" h="25827" extrusionOk="0">
+                  <a:moveTo>
+                    <a:pt x="15061" y="0"/>
+                  </a:moveTo>
+                  <a:cubicBezTo>
+                    <a:pt x="12478" y="0"/>
+                    <a:pt x="10436" y="3076"/>
+                    <a:pt x="8842" y="5049"/>
+                  </a:cubicBezTo>
+                  <a:cubicBezTo>
+                    <a:pt x="5008" y="9769"/>
+                    <a:pt x="2158" y="15259"/>
+                    <a:pt x="578" y="21134"/>
+                  </a:cubicBezTo>
+                  <a:lnTo>
+                    <a:pt x="578" y="21115"/>
+                  </a:lnTo>
+                  <a:lnTo>
+                    <a:pt x="578" y="21115"/>
+                  </a:lnTo>
+                  <a:cubicBezTo>
+                    <a:pt x="231" y="22444"/>
+                    <a:pt x="0" y="24004"/>
+                    <a:pt x="905" y="25025"/>
+                  </a:cubicBezTo>
+                  <a:cubicBezTo>
+                    <a:pt x="1461" y="25622"/>
+                    <a:pt x="2238" y="25826"/>
+                    <a:pt x="3067" y="25826"/>
+                  </a:cubicBezTo>
+                  <a:cubicBezTo>
+                    <a:pt x="3762" y="25826"/>
+                    <a:pt x="4495" y="25682"/>
+                    <a:pt x="5163" y="25507"/>
+                  </a:cubicBezTo>
+                  <a:cubicBezTo>
+                    <a:pt x="10768" y="24023"/>
+                    <a:pt x="16123" y="21673"/>
+                    <a:pt x="21016" y="18553"/>
+                  </a:cubicBezTo>
+                  <a:cubicBezTo>
+                    <a:pt x="22923" y="17339"/>
+                    <a:pt x="24830" y="15933"/>
+                    <a:pt x="25774" y="13891"/>
+                  </a:cubicBezTo>
+                  <a:cubicBezTo>
+                    <a:pt x="28664" y="7688"/>
+                    <a:pt x="21267" y="214"/>
+                    <a:pt x="15179" y="2"/>
+                  </a:cubicBezTo>
+                  <a:cubicBezTo>
+                    <a:pt x="15140" y="1"/>
+                    <a:pt x="15100" y="0"/>
+                    <a:pt x="15061" y="0"/>
+                  </a:cubicBezTo>
+                  <a:close/>
+                </a:path>
+              </a:pathLst>
+            </a:custGeom>
+            <a:solidFill>
+              <a:schemeClr val="lt1"/>
+            </a:solidFill>
+            <a:ln>
+              <a:noFill/>
+            </a:ln>
+          </p:spPr>
+          <p:txBody>
+            <a:bodyPr spcFirstLastPara="1" wrap="square" lIns="91425" tIns="91425" rIns="91425" bIns="91425" anchor="ctr" anchorCtr="0">
+              <a:noAutofit/>
+            </a:bodyPr>
+            <a:lstStyle/>
+            <a:p>
+              <a:pPr marL="0" lvl="0" indent="0" algn="l" rtl="0">
+                <a:spcBef>
+                  <a:spcPts val="0"/>
+                </a:spcBef>
+                <a:spcAft>
+                  <a:spcPts val="0"/>
+                </a:spcAft>
+                <a:buNone/>
+              </a:pPr>
+              <a:endParaRPr/>
+            </a:p>
+          </p:txBody>
+        </p:sp>
+        <p:sp>
+          <p:nvSpPr>
+            <p:cNvPr id="1137" name="Google Shape;1137;p42"/>
+            <p:cNvSpPr/>
+            <p:nvPr/>
+          </p:nvSpPr>
+          <p:spPr>
+            <a:xfrm>
+              <a:off x="2972050" y="3394700"/>
+              <a:ext cx="206600" cy="208550"/>
+            </a:xfrm>
+            <a:custGeom>
+              <a:avLst/>
+              <a:gdLst/>
+              <a:ahLst/>
+              <a:cxnLst/>
+              <a:rect l="l" t="t" r="r" b="b"/>
+              <a:pathLst>
+                <a:path w="8264" h="8342" extrusionOk="0">
+                  <a:moveTo>
+                    <a:pt x="7879" y="6049"/>
+                  </a:moveTo>
+                  <a:cubicBezTo>
+                    <a:pt x="7185" y="4739"/>
+                    <a:pt x="6318" y="3506"/>
+                    <a:pt x="5259" y="2466"/>
+                  </a:cubicBezTo>
+                  <a:cubicBezTo>
+                    <a:pt x="4238" y="1406"/>
+                    <a:pt x="3005" y="559"/>
+                    <a:pt x="1637" y="0"/>
+                  </a:cubicBezTo>
+                  <a:lnTo>
+                    <a:pt x="1637" y="0"/>
+                  </a:lnTo>
+                  <a:cubicBezTo>
+                    <a:pt x="1252" y="1098"/>
+                    <a:pt x="886" y="2215"/>
+                    <a:pt x="597" y="3333"/>
+                  </a:cubicBezTo>
+                  <a:cubicBezTo>
+                    <a:pt x="231" y="4662"/>
+                    <a:pt x="0" y="6222"/>
+                    <a:pt x="925" y="7243"/>
+                  </a:cubicBezTo>
+                  <a:cubicBezTo>
+                    <a:pt x="1926" y="8341"/>
+                    <a:pt x="3699" y="8110"/>
+                    <a:pt x="5163" y="7725"/>
+                  </a:cubicBezTo>
+                  <a:cubicBezTo>
+                    <a:pt x="6203" y="7455"/>
+                    <a:pt x="7243" y="7147"/>
+                    <a:pt x="8264" y="6800"/>
+                  </a:cubicBezTo>
+                  <a:cubicBezTo>
+                    <a:pt x="8148" y="6550"/>
+                    <a:pt x="8014" y="6299"/>
+                    <a:pt x="7879" y="6049"/>
+                  </a:cubicBezTo>
+                  <a:close/>
+                </a:path>
+              </a:pathLst>
+            </a:custGeom>
+            <a:gradFill>
+              <a:gsLst>
+                <a:gs pos="0">
+                  <a:schemeClr val="dk2"/>
+                </a:gs>
+                <a:gs pos="100000">
+                  <a:schemeClr val="lt2"/>
+                </a:gs>
+              </a:gsLst>
+              <a:lin ang="0" scaled="0"/>
+            </a:gradFill>
+            <a:ln>
+              <a:noFill/>
+            </a:ln>
+          </p:spPr>
+          <p:txBody>
+            <a:bodyPr spcFirstLastPara="1" wrap="square" lIns="91425" tIns="91425" rIns="91425" bIns="91425" anchor="ctr" anchorCtr="0">
+              <a:noAutofit/>
+            </a:bodyPr>
+            <a:lstStyle/>
+            <a:p>
+              <a:pPr marL="0" lvl="0" indent="0" algn="l" rtl="0">
+                <a:spcBef>
+                  <a:spcPts val="0"/>
+                </a:spcBef>
+                <a:spcAft>
+                  <a:spcPts val="0"/>
+                </a:spcAft>
+                <a:buNone/>
+              </a:pPr>
+              <a:endParaRPr/>
+            </a:p>
+          </p:txBody>
+        </p:sp>
+        <p:sp>
+          <p:nvSpPr>
+            <p:cNvPr id="1138" name="Google Shape;1138;p42"/>
+            <p:cNvSpPr/>
+            <p:nvPr/>
+          </p:nvSpPr>
+          <p:spPr>
+            <a:xfrm>
+              <a:off x="3160825" y="3140425"/>
+              <a:ext cx="279325" cy="279825"/>
+            </a:xfrm>
+            <a:custGeom>
+              <a:avLst/>
+              <a:gdLst/>
+              <a:ahLst/>
+              <a:cxnLst/>
+              <a:rect l="l" t="t" r="r" b="b"/>
+              <a:pathLst>
+                <a:path w="11173" h="11193" extrusionOk="0">
+                  <a:moveTo>
+                    <a:pt x="7397" y="1002"/>
+                  </a:moveTo>
+                  <a:cubicBezTo>
+                    <a:pt x="9940" y="2003"/>
+                    <a:pt x="11173" y="4854"/>
+                    <a:pt x="10190" y="7397"/>
+                  </a:cubicBezTo>
+                  <a:cubicBezTo>
+                    <a:pt x="9189" y="9940"/>
+                    <a:pt x="6319" y="11192"/>
+                    <a:pt x="3776" y="10190"/>
+                  </a:cubicBezTo>
+                  <a:cubicBezTo>
+                    <a:pt x="1252" y="9189"/>
+                    <a:pt x="0" y="6318"/>
+                    <a:pt x="1002" y="3776"/>
+                  </a:cubicBezTo>
+                  <a:cubicBezTo>
+                    <a:pt x="1984" y="1252"/>
+                    <a:pt x="4855" y="0"/>
+                    <a:pt x="7397" y="1002"/>
+                  </a:cubicBezTo>
+                  <a:close/>
+                </a:path>
+              </a:pathLst>
+            </a:custGeom>
+            <a:gradFill>
+              <a:gsLst>
+                <a:gs pos="0">
+                  <a:schemeClr val="accent2"/>
+                </a:gs>
+                <a:gs pos="100000">
+                  <a:schemeClr val="accent6"/>
+                </a:gs>
+              </a:gsLst>
+              <a:lin ang="0" scaled="0"/>
+            </a:gradFill>
+            <a:ln>
+              <a:noFill/>
+            </a:ln>
+          </p:spPr>
+          <p:txBody>
+            <a:bodyPr spcFirstLastPara="1" wrap="square" lIns="91425" tIns="91425" rIns="91425" bIns="91425" anchor="ctr" anchorCtr="0">
+              <a:noAutofit/>
+            </a:bodyPr>
+            <a:lstStyle/>
+            <a:p>
+              <a:pPr marL="0" lvl="0" indent="0" algn="l" rtl="0">
+                <a:spcBef>
+                  <a:spcPts val="0"/>
+                </a:spcBef>
+                <a:spcAft>
+                  <a:spcPts val="0"/>
+                </a:spcAft>
+                <a:buNone/>
+              </a:pPr>
+              <a:endParaRPr/>
+            </a:p>
+          </p:txBody>
+        </p:sp>
+        <p:sp>
+          <p:nvSpPr>
+            <p:cNvPr id="1139" name="Google Shape;1139;p42"/>
+            <p:cNvSpPr/>
+            <p:nvPr/>
+          </p:nvSpPr>
+          <p:spPr>
+            <a:xfrm>
+              <a:off x="3220525" y="3200125"/>
+              <a:ext cx="159925" cy="159925"/>
+            </a:xfrm>
+            <a:custGeom>
+              <a:avLst/>
+              <a:gdLst/>
+              <a:ahLst/>
+              <a:cxnLst/>
+              <a:rect l="l" t="t" r="r" b="b"/>
+              <a:pathLst>
+                <a:path w="6397" h="6397" extrusionOk="0">
+                  <a:moveTo>
+                    <a:pt x="6396" y="3198"/>
+                  </a:moveTo>
+                  <a:cubicBezTo>
+                    <a:pt x="6396" y="4971"/>
+                    <a:pt x="4971" y="6396"/>
+                    <a:pt x="3199" y="6396"/>
+                  </a:cubicBezTo>
+                  <a:cubicBezTo>
+                    <a:pt x="1426" y="6396"/>
+                    <a:pt x="1" y="4971"/>
+                    <a:pt x="1" y="3198"/>
+                  </a:cubicBezTo>
+                  <a:cubicBezTo>
+                    <a:pt x="1" y="1426"/>
+                    <a:pt x="1426" y="1"/>
+                    <a:pt x="3199" y="1"/>
+                  </a:cubicBezTo>
+                  <a:cubicBezTo>
+                    <a:pt x="4971" y="1"/>
+                    <a:pt x="6396" y="1426"/>
+                    <a:pt x="6396" y="3198"/>
+                  </a:cubicBezTo>
+                  <a:close/>
+                </a:path>
+              </a:pathLst>
+            </a:custGeom>
+            <a:solidFill>
+              <a:schemeClr val="accent1"/>
+            </a:solidFill>
+            <a:ln>
+              <a:noFill/>
+            </a:ln>
+          </p:spPr>
+          <p:txBody>
+            <a:bodyPr spcFirstLastPara="1" wrap="square" lIns="91425" tIns="91425" rIns="91425" bIns="91425" anchor="ctr" anchorCtr="0">
+              <a:noAutofit/>
+            </a:bodyPr>
+            <a:lstStyle/>
+            <a:p>
+              <a:pPr marL="0" lvl="0" indent="0" algn="l" rtl="0">
+                <a:spcBef>
+                  <a:spcPts val="0"/>
+                </a:spcBef>
+                <a:spcAft>
+                  <a:spcPts val="0"/>
+                </a:spcAft>
+                <a:buNone/>
+              </a:pPr>
+              <a:endParaRPr/>
+            </a:p>
+          </p:txBody>
+        </p:sp>
+      </p:grpSp>
+    </p:spTree>
+    <p:extLst>
+      <p:ext uri="{BB962C8B-B14F-4D97-AF65-F5344CB8AC3E}">
+        <p14:creationId xmlns:p14="http://schemas.microsoft.com/office/powerpoint/2010/main" val="3924689555"/>
+      </p:ext>
+    </p:extLst>
+  </p:cSld>
+  <p:clrMapOvr>
+    <a:masterClrMapping/>
+  </p:clrMapOvr>
+</p:sld>
+</file>
+
+<file path=ppt/slides/slide9.xml><?xml version="1.0" encoding="utf-8"?>
 <p:sld xmlns:a="http://schemas.openxmlformats.org/drawingml/2006/main" xmlns:r="http://schemas.openxmlformats.org/officeDocument/2006/relationships" xmlns:p="http://schemas.openxmlformats.org/presentationml/2006/main">
   <p:cSld>
     <p:spTree>

--- a/Beginner/Day 3/Rocket Motors.pptx
+++ b/Beginner/Day 3/Rocket Motors.pptx
@@ -5,7 +5,7 @@
     <p:sldMasterId id="2147483685" r:id="rId1"/>
   </p:sldMasterIdLst>
   <p:notesMasterIdLst>
-    <p:notesMasterId r:id="rId11"/>
+    <p:notesMasterId r:id="rId10"/>
   </p:notesMasterIdLst>
   <p:sldIdLst>
     <p:sldId id="256" r:id="rId2"/>
@@ -16,35 +16,34 @@
     <p:sldId id="294" r:id="rId7"/>
     <p:sldId id="295" r:id="rId8"/>
     <p:sldId id="296" r:id="rId9"/>
-    <p:sldId id="293" r:id="rId10"/>
   </p:sldIdLst>
   <p:sldSz cx="9144000" cy="5143500" type="screen16x9"/>
   <p:notesSz cx="6858000" cy="9144000"/>
   <p:embeddedFontLst>
     <p:embeddedFont>
       <p:font typeface="Anek Devanagari ExtraBold" panose="020B0604020202020204" charset="0"/>
-      <p:bold r:id="rId12"/>
+      <p:bold r:id="rId11"/>
     </p:embeddedFont>
     <p:embeddedFont>
       <p:font typeface="Chivo" panose="020B0604020202020204" charset="0"/>
-      <p:regular r:id="rId13"/>
-      <p:bold r:id="rId14"/>
-      <p:italic r:id="rId15"/>
-      <p:boldItalic r:id="rId16"/>
+      <p:regular r:id="rId12"/>
+      <p:bold r:id="rId13"/>
+      <p:italic r:id="rId14"/>
+      <p:boldItalic r:id="rId15"/>
     </p:embeddedFont>
     <p:embeddedFont>
       <p:font typeface="Fredoka One" panose="02000000000000000000" pitchFamily="2" charset="0"/>
-      <p:regular r:id="rId17"/>
+      <p:regular r:id="rId16"/>
     </p:embeddedFont>
     <p:embeddedFont>
       <p:font typeface="Palanquin Dark" panose="020B0604020202020204" charset="0"/>
-      <p:regular r:id="rId18"/>
-      <p:bold r:id="rId19"/>
+      <p:regular r:id="rId17"/>
+      <p:bold r:id="rId18"/>
     </p:embeddedFont>
     <p:embeddedFont>
       <p:font typeface="Roboto Condensed Light" panose="02000000000000000000" pitchFamily="2" charset="0"/>
-      <p:regular r:id="rId20"/>
-      <p:italic r:id="rId21"/>
+      <p:regular r:id="rId19"/>
+      <p:italic r:id="rId20"/>
     </p:embeddedFont>
   </p:embeddedFontLst>
   <p:defaultTextStyle>
@@ -1296,7 +1295,22 @@
             </a:pPr>
             <a:r>
               <a:rPr lang="en-US" dirty="0"/>
-              <a:t>Importance of nozzles </a:t>
+              <a:t>Used in space shuttle booster stages</a:t>
+            </a:r>
+          </a:p>
+          <a:p>
+            <a:pPr marL="0" lvl="0" indent="0" algn="l" rtl="0">
+              <a:spcBef>
+                <a:spcPts val="0"/>
+              </a:spcBef>
+              <a:spcAft>
+                <a:spcPts val="0"/>
+              </a:spcAft>
+              <a:buNone/>
+            </a:pPr>
+            <a:r>
+              <a:rPr lang="en-US" dirty="0"/>
+              <a:t>Tiniest defects can be catastrophic in the motor, such as voids or cracks</a:t>
             </a:r>
             <a:endParaRPr dirty="0"/>
           </a:p>
@@ -1402,7 +1416,53 @@
               </a:spcAft>
               <a:buNone/>
             </a:pPr>
-            <a:endParaRPr/>
+            <a:r>
+              <a:rPr lang="en-US" dirty="0"/>
+              <a:t>Complex – lots of valves and throttling control systems</a:t>
+            </a:r>
+          </a:p>
+          <a:p>
+            <a:pPr marL="0" lvl="0" indent="0" algn="l" rtl="0">
+              <a:spcBef>
+                <a:spcPts val="0"/>
+              </a:spcBef>
+              <a:spcAft>
+                <a:spcPts val="0"/>
+              </a:spcAft>
+              <a:buNone/>
+            </a:pPr>
+            <a:r>
+              <a:rPr lang="en-US" dirty="0"/>
+              <a:t>Hard to store – liquid hydrogen is very small, seeps into cracks easily, has to be kept at extremely low temperatures</a:t>
+            </a:r>
+          </a:p>
+          <a:p>
+            <a:pPr marL="0" lvl="0" indent="0" algn="l" rtl="0">
+              <a:spcBef>
+                <a:spcPts val="0"/>
+              </a:spcBef>
+              <a:spcAft>
+                <a:spcPts val="0"/>
+              </a:spcAft>
+              <a:buNone/>
+            </a:pPr>
+            <a:endParaRPr lang="en-US" dirty="0"/>
+          </a:p>
+          <a:p>
+            <a:pPr marL="0" lvl="0" indent="0" algn="l" rtl="0">
+              <a:spcBef>
+                <a:spcPts val="0"/>
+              </a:spcBef>
+              <a:spcAft>
+                <a:spcPts val="0"/>
+              </a:spcAft>
+              <a:buNone/>
+            </a:pPr>
+            <a:r>
+              <a:rPr lang="en-US" dirty="0"/>
+              <a:t>Hybrid rockets – pretty rare, typically uses solid fuel and liquid oxidizer</a:t>
+            </a:r>
+            <a:endParaRPr dirty="0"/>
           </a:p>
         </p:txBody>
       </p:sp>
@@ -1696,115 +1756,6 @@
     <p:extLst>
       <p:ext uri="{BB962C8B-B14F-4D97-AF65-F5344CB8AC3E}">
         <p14:creationId xmlns:p14="http://schemas.microsoft.com/office/powerpoint/2010/main" val="3897960257"/>
-      </p:ext>
-    </p:extLst>
-  </p:cSld>
-  <p:clrMapOvr>
-    <a:masterClrMapping/>
-  </p:clrMapOvr>
-</p:notes>
-</file>
-
-<file path=ppt/notesSlides/notesSlide9.xml><?xml version="1.0" encoding="utf-8"?>
-<p:notes xmlns:a="http://schemas.openxmlformats.org/drawingml/2006/main" xmlns:r="http://schemas.openxmlformats.org/officeDocument/2006/relationships" xmlns:p="http://schemas.openxmlformats.org/presentationml/2006/main" showMasterSp="0" showMasterPhAnim="0">
-  <p:cSld>
-    <p:spTree>
-      <p:nvGrpSpPr>
-        <p:cNvPr id="1" name="Shape 1221"/>
-        <p:cNvGrpSpPr/>
-        <p:nvPr/>
-      </p:nvGrpSpPr>
-      <p:grpSpPr>
-        <a:xfrm>
-          <a:off x="0" y="0"/>
-          <a:ext cx="0" cy="0"/>
-          <a:chOff x="0" y="0"/>
-          <a:chExt cx="0" cy="0"/>
-        </a:xfrm>
-      </p:grpSpPr>
-      <p:sp>
-        <p:nvSpPr>
-          <p:cNvPr id="1222" name="Google Shape;1222;g1ff189cb9ef_0_207:notes"/>
-          <p:cNvSpPr>
-            <a:spLocks noGrp="1" noRot="1" noChangeAspect="1"/>
-          </p:cNvSpPr>
-          <p:nvPr>
-            <p:ph type="sldImg" idx="2"/>
-          </p:nvPr>
-        </p:nvSpPr>
-        <p:spPr>
-          <a:xfrm>
-            <a:off x="381000" y="685800"/>
-            <a:ext cx="6096000" cy="3429000"/>
-          </a:xfrm>
-          <a:custGeom>
-            <a:avLst/>
-            <a:gdLst/>
-            <a:ahLst/>
-            <a:cxnLst/>
-            <a:rect l="l" t="t" r="r" b="b"/>
-            <a:pathLst>
-              <a:path w="120000" h="120000" extrusionOk="0">
-                <a:moveTo>
-                  <a:pt x="0" y="0"/>
-                </a:moveTo>
-                <a:lnTo>
-                  <a:pt x="120000" y="0"/>
-                </a:lnTo>
-                <a:lnTo>
-                  <a:pt x="120000" y="120000"/>
-                </a:lnTo>
-                <a:lnTo>
-                  <a:pt x="0" y="120000"/>
-                </a:lnTo>
-                <a:close/>
-              </a:path>
-            </a:pathLst>
-          </a:custGeom>
-        </p:spPr>
-      </p:sp>
-      <p:sp>
-        <p:nvSpPr>
-          <p:cNvPr id="1223" name="Google Shape;1223;g1ff189cb9ef_0_207:notes"/>
-          <p:cNvSpPr txBox="1">
-            <a:spLocks noGrp="1"/>
-          </p:cNvSpPr>
-          <p:nvPr>
-            <p:ph type="body" idx="1"/>
-          </p:nvPr>
-        </p:nvSpPr>
-        <p:spPr>
-          <a:xfrm>
-            <a:off x="685800" y="4343400"/>
-            <a:ext cx="5486400" cy="4114800"/>
-          </a:xfrm>
-          <a:prstGeom prst="rect">
-            <a:avLst/>
-          </a:prstGeom>
-        </p:spPr>
-        <p:txBody>
-          <a:bodyPr spcFirstLastPara="1" wrap="square" lIns="91425" tIns="91425" rIns="91425" bIns="91425" anchor="t" anchorCtr="0">
-            <a:noAutofit/>
-          </a:bodyPr>
-          <a:lstStyle/>
-          <a:p>
-            <a:pPr marL="0" lvl="0" indent="0" algn="l" rtl="0">
-              <a:spcBef>
-                <a:spcPts val="0"/>
-              </a:spcBef>
-              <a:spcAft>
-                <a:spcPts val="0"/>
-              </a:spcAft>
-              <a:buNone/>
-            </a:pPr>
-            <a:endParaRPr/>
-          </a:p>
-        </p:txBody>
-      </p:sp>
-    </p:spTree>
-    <p:extLst>
-      <p:ext uri="{BB962C8B-B14F-4D97-AF65-F5344CB8AC3E}">
-        <p14:creationId xmlns:p14="http://schemas.microsoft.com/office/powerpoint/2010/main" val="948030704"/>
       </p:ext>
     </p:extLst>
   </p:cSld>
@@ -26327,8 +26278,8 @@
               <a:buChar char="•"/>
             </a:pPr>
             <a:r>
-              <a:rPr lang="en-US" sz="2800"/>
-              <a:t>Solid Fueled Rockets</a:t>
+              <a:rPr lang="en-US" sz="2800" dirty="0"/>
+              <a:t>Easy to store and handle</a:t>
             </a:r>
           </a:p>
           <a:p>
@@ -26337,8 +26288,8 @@
               <a:buChar char="•"/>
             </a:pPr>
             <a:r>
-              <a:rPr lang="en-US" sz="2800"/>
-              <a:t>Liquid Fueled Rockets</a:t>
+              <a:rPr lang="en-US" sz="2800" dirty="0"/>
+              <a:t>Compact</a:t>
             </a:r>
           </a:p>
           <a:p>
@@ -26347,10 +26298,19 @@
               <a:buChar char="•"/>
             </a:pPr>
             <a:r>
-              <a:rPr lang="en-US" sz="2800"/>
-              <a:t>Hybrid Rockets</a:t>
+              <a:rPr lang="en-US" sz="2800" dirty="0"/>
+              <a:t>Unable to control throttle</a:t>
             </a:r>
-            <a:endParaRPr lang="en-US" sz="2800" dirty="0"/>
+          </a:p>
+          <a:p>
+            <a:pPr marL="285750" indent="-285750">
+              <a:buFont typeface="Arial" panose="020B0604020202020204" pitchFamily="34" charset="0"/>
+              <a:buChar char="•"/>
+            </a:pPr>
+            <a:r>
+              <a:rPr lang="en-US" sz="2800" dirty="0"/>
+              <a:t>Manufacturing precision</a:t>
+            </a:r>
           </a:p>
         </p:txBody>
       </p:sp>
@@ -26410,15 +26370,33 @@
                                   </p:childTnLst>
                                 </p:cTn>
                               </p:par>
+                            </p:childTnLst>
+                          </p:cTn>
+                        </p:par>
+                      </p:childTnLst>
+                    </p:cTn>
+                  </p:par>
+                  <p:par>
+                    <p:cTn id="7" fill="hold">
+                      <p:stCondLst>
+                        <p:cond delay="indefinite"/>
+                      </p:stCondLst>
+                      <p:childTnLst>
+                        <p:par>
+                          <p:cTn id="8" fill="hold">
+                            <p:stCondLst>
+                              <p:cond delay="0"/>
+                            </p:stCondLst>
+                            <p:childTnLst>
                               <p:par>
-                                <p:cTn id="7" presetID="1" presetClass="entr" presetSubtype="0" fill="hold" nodeType="withEffect">
+                                <p:cTn id="9" presetID="1" presetClass="entr" presetSubtype="0" fill="hold" nodeType="clickEffect">
                                   <p:stCondLst>
                                     <p:cond delay="0"/>
                                   </p:stCondLst>
                                   <p:childTnLst>
                                     <p:set>
                                       <p:cBhvr>
-                                        <p:cTn id="8" dur="1" fill="hold">
+                                        <p:cTn id="10" dur="1" fill="hold">
                                           <p:stCondLst>
                                             <p:cond delay="0"/>
                                           </p:stCondLst>
@@ -26441,15 +26419,33 @@
                                   </p:childTnLst>
                                 </p:cTn>
                               </p:par>
+                            </p:childTnLst>
+                          </p:cTn>
+                        </p:par>
+                      </p:childTnLst>
+                    </p:cTn>
+                  </p:par>
+                  <p:par>
+                    <p:cTn id="11" fill="hold">
+                      <p:stCondLst>
+                        <p:cond delay="indefinite"/>
+                      </p:stCondLst>
+                      <p:childTnLst>
+                        <p:par>
+                          <p:cTn id="12" fill="hold">
+                            <p:stCondLst>
+                              <p:cond delay="0"/>
+                            </p:stCondLst>
+                            <p:childTnLst>
                               <p:par>
-                                <p:cTn id="9" presetID="1" presetClass="entr" presetSubtype="0" fill="hold" nodeType="withEffect">
+                                <p:cTn id="13" presetID="1" presetClass="entr" presetSubtype="0" fill="hold" nodeType="clickEffect">
                                   <p:stCondLst>
                                     <p:cond delay="0"/>
                                   </p:stCondLst>
                                   <p:childTnLst>
                                     <p:set>
                                       <p:cBhvr>
-                                        <p:cTn id="10" dur="1" fill="hold">
+                                        <p:cTn id="14" dur="1" fill="hold">
                                           <p:stCondLst>
                                             <p:cond delay="0"/>
                                           </p:stCondLst>
@@ -26458,6 +26454,55 @@
                                           <p:spTgt spid="2">
                                             <p:txEl>
                                               <p:pRg st="2" end="2"/>
+                                            </p:txEl>
+                                          </p:spTgt>
+                                        </p:tgtEl>
+                                        <p:attrNameLst>
+                                          <p:attrName>style.visibility</p:attrName>
+                                        </p:attrNameLst>
+                                      </p:cBhvr>
+                                      <p:to>
+                                        <p:strVal val="visible"/>
+                                      </p:to>
+                                    </p:set>
+                                  </p:childTnLst>
+                                </p:cTn>
+                              </p:par>
+                            </p:childTnLst>
+                          </p:cTn>
+                        </p:par>
+                      </p:childTnLst>
+                    </p:cTn>
+                  </p:par>
+                  <p:par>
+                    <p:cTn id="15" fill="hold">
+                      <p:stCondLst>
+                        <p:cond delay="indefinite"/>
+                      </p:stCondLst>
+                      <p:childTnLst>
+                        <p:par>
+                          <p:cTn id="16" fill="hold">
+                            <p:stCondLst>
+                              <p:cond delay="0"/>
+                            </p:stCondLst>
+                            <p:childTnLst>
+                              <p:par>
+                                <p:cTn id="17" presetID="1" presetClass="entr" presetSubtype="0" fill="hold" nodeType="clickEffect">
+                                  <p:stCondLst>
+                                    <p:cond delay="0"/>
+                                  </p:stCondLst>
+                                  <p:childTnLst>
+                                    <p:set>
+                                      <p:cBhvr>
+                                        <p:cTn id="18" dur="1" fill="hold">
+                                          <p:stCondLst>
+                                            <p:cond delay="0"/>
+                                          </p:stCondLst>
+                                        </p:cTn>
+                                        <p:tgtEl>
+                                          <p:spTgt spid="2">
+                                            <p:txEl>
+                                              <p:pRg st="3" end="3"/>
                                             </p:txEl>
                                           </p:spTgt>
                                         </p:tgtEl>
@@ -26645,6 +26690,326 @@
           </a:prstGeom>
         </p:spPr>
       </p:pic>
+      <p:sp>
+        <p:nvSpPr>
+          <p:cNvPr id="5" name="Google Shape;1144;p43">
+            <a:extLst>
+              <a:ext uri="{FF2B5EF4-FFF2-40B4-BE49-F238E27FC236}">
+                <a16:creationId xmlns:a16="http://schemas.microsoft.com/office/drawing/2014/main" id="{C5231A9B-E722-96CE-17D7-587F97A3C47A}"/>
+              </a:ext>
+            </a:extLst>
+          </p:cNvPr>
+          <p:cNvSpPr txBox="1">
+            <a:spLocks/>
+          </p:cNvSpPr>
+          <p:nvPr/>
+        </p:nvSpPr>
+        <p:spPr>
+          <a:xfrm>
+            <a:off x="3119862" y="1348764"/>
+            <a:ext cx="4524384" cy="3244018"/>
+          </a:xfrm>
+          <a:prstGeom prst="rect">
+            <a:avLst/>
+          </a:prstGeom>
+          <a:noFill/>
+          <a:ln>
+            <a:noFill/>
+          </a:ln>
+        </p:spPr>
+        <p:txBody>
+          <a:bodyPr spcFirstLastPara="1" wrap="square" lIns="91425" tIns="91425" rIns="91425" bIns="91425" anchor="t" anchorCtr="0">
+            <a:noAutofit/>
+          </a:bodyPr>
+          <a:lstStyle>
+            <a:defPPr marR="0" lvl="0" algn="l" rtl="0">
+              <a:lnSpc>
+                <a:spcPct val="100000"/>
+              </a:lnSpc>
+              <a:spcBef>
+                <a:spcPts val="0"/>
+              </a:spcBef>
+              <a:spcAft>
+                <a:spcPts val="0"/>
+              </a:spcAft>
+            </a:defPPr>
+            <a:lvl1pPr marL="457200" marR="0" lvl="0" indent="-330200" algn="l" rtl="0">
+              <a:lnSpc>
+                <a:spcPct val="100000"/>
+              </a:lnSpc>
+              <a:spcBef>
+                <a:spcPts val="0"/>
+              </a:spcBef>
+              <a:spcAft>
+                <a:spcPts val="0"/>
+              </a:spcAft>
+              <a:buClr>
+                <a:schemeClr val="lt1"/>
+              </a:buClr>
+              <a:buSzPts val="1600"/>
+              <a:buFont typeface="Chivo"/>
+              <a:buChar char="●"/>
+              <a:defRPr sz="1500" b="0" i="0" u="none" strike="noStrike" cap="none">
+                <a:solidFill>
+                  <a:schemeClr val="lt1"/>
+                </a:solidFill>
+                <a:latin typeface="Chivo"/>
+                <a:ea typeface="Chivo"/>
+                <a:cs typeface="Chivo"/>
+                <a:sym typeface="Chivo"/>
+              </a:defRPr>
+            </a:lvl1pPr>
+            <a:lvl2pPr marL="914400" marR="0" lvl="1" indent="-317500" algn="l" rtl="0">
+              <a:lnSpc>
+                <a:spcPct val="100000"/>
+              </a:lnSpc>
+              <a:spcBef>
+                <a:spcPts val="0"/>
+              </a:spcBef>
+              <a:spcAft>
+                <a:spcPts val="0"/>
+              </a:spcAft>
+              <a:buClr>
+                <a:schemeClr val="lt1"/>
+              </a:buClr>
+              <a:buSzPts val="1400"/>
+              <a:buFont typeface="Chivo"/>
+              <a:buChar char="○"/>
+              <a:defRPr sz="1600" b="0" i="0" u="none" strike="noStrike" cap="none">
+                <a:solidFill>
+                  <a:schemeClr val="lt1"/>
+                </a:solidFill>
+                <a:latin typeface="Chivo"/>
+                <a:ea typeface="Chivo"/>
+                <a:cs typeface="Chivo"/>
+                <a:sym typeface="Chivo"/>
+              </a:defRPr>
+            </a:lvl2pPr>
+            <a:lvl3pPr marL="1371600" marR="0" lvl="2" indent="-317500" algn="l" rtl="0">
+              <a:lnSpc>
+                <a:spcPct val="100000"/>
+              </a:lnSpc>
+              <a:spcBef>
+                <a:spcPts val="0"/>
+              </a:spcBef>
+              <a:spcAft>
+                <a:spcPts val="0"/>
+              </a:spcAft>
+              <a:buClr>
+                <a:schemeClr val="lt1"/>
+              </a:buClr>
+              <a:buSzPts val="1400"/>
+              <a:buFont typeface="Chivo"/>
+              <a:buChar char="■"/>
+              <a:defRPr sz="1600" b="0" i="0" u="none" strike="noStrike" cap="none">
+                <a:solidFill>
+                  <a:schemeClr val="lt1"/>
+                </a:solidFill>
+                <a:latin typeface="Chivo"/>
+                <a:ea typeface="Chivo"/>
+                <a:cs typeface="Chivo"/>
+                <a:sym typeface="Chivo"/>
+              </a:defRPr>
+            </a:lvl3pPr>
+            <a:lvl4pPr marL="1828800" marR="0" lvl="3" indent="-317500" algn="l" rtl="0">
+              <a:lnSpc>
+                <a:spcPct val="100000"/>
+              </a:lnSpc>
+              <a:spcBef>
+                <a:spcPts val="0"/>
+              </a:spcBef>
+              <a:spcAft>
+                <a:spcPts val="0"/>
+              </a:spcAft>
+              <a:buClr>
+                <a:schemeClr val="lt1"/>
+              </a:buClr>
+              <a:buSzPts val="1400"/>
+              <a:buFont typeface="Chivo"/>
+              <a:buChar char="●"/>
+              <a:defRPr sz="1600" b="0" i="0" u="none" strike="noStrike" cap="none">
+                <a:solidFill>
+                  <a:schemeClr val="lt1"/>
+                </a:solidFill>
+                <a:latin typeface="Chivo"/>
+                <a:ea typeface="Chivo"/>
+                <a:cs typeface="Chivo"/>
+                <a:sym typeface="Chivo"/>
+              </a:defRPr>
+            </a:lvl4pPr>
+            <a:lvl5pPr marL="2286000" marR="0" lvl="4" indent="-317500" algn="l" rtl="0">
+              <a:lnSpc>
+                <a:spcPct val="100000"/>
+              </a:lnSpc>
+              <a:spcBef>
+                <a:spcPts val="0"/>
+              </a:spcBef>
+              <a:spcAft>
+                <a:spcPts val="0"/>
+              </a:spcAft>
+              <a:buClr>
+                <a:schemeClr val="lt1"/>
+              </a:buClr>
+              <a:buSzPts val="1400"/>
+              <a:buFont typeface="Chivo"/>
+              <a:buChar char="○"/>
+              <a:defRPr sz="1600" b="0" i="0" u="none" strike="noStrike" cap="none">
+                <a:solidFill>
+                  <a:schemeClr val="lt1"/>
+                </a:solidFill>
+                <a:latin typeface="Chivo"/>
+                <a:ea typeface="Chivo"/>
+                <a:cs typeface="Chivo"/>
+                <a:sym typeface="Chivo"/>
+              </a:defRPr>
+            </a:lvl5pPr>
+            <a:lvl6pPr marL="2743200" marR="0" lvl="5" indent="-317500" algn="l" rtl="0">
+              <a:lnSpc>
+                <a:spcPct val="100000"/>
+              </a:lnSpc>
+              <a:spcBef>
+                <a:spcPts val="0"/>
+              </a:spcBef>
+              <a:spcAft>
+                <a:spcPts val="0"/>
+              </a:spcAft>
+              <a:buClr>
+                <a:schemeClr val="lt1"/>
+              </a:buClr>
+              <a:buSzPts val="1400"/>
+              <a:buFont typeface="Chivo"/>
+              <a:buChar char="■"/>
+              <a:defRPr sz="1600" b="0" i="0" u="none" strike="noStrike" cap="none">
+                <a:solidFill>
+                  <a:schemeClr val="lt1"/>
+                </a:solidFill>
+                <a:latin typeface="Chivo"/>
+                <a:ea typeface="Chivo"/>
+                <a:cs typeface="Chivo"/>
+                <a:sym typeface="Chivo"/>
+              </a:defRPr>
+            </a:lvl6pPr>
+            <a:lvl7pPr marL="3200400" marR="0" lvl="6" indent="-317500" algn="l" rtl="0">
+              <a:lnSpc>
+                <a:spcPct val="100000"/>
+              </a:lnSpc>
+              <a:spcBef>
+                <a:spcPts val="0"/>
+              </a:spcBef>
+              <a:spcAft>
+                <a:spcPts val="0"/>
+              </a:spcAft>
+              <a:buClr>
+                <a:schemeClr val="lt1"/>
+              </a:buClr>
+              <a:buSzPts val="1400"/>
+              <a:buFont typeface="Chivo"/>
+              <a:buChar char="●"/>
+              <a:defRPr sz="1600" b="0" i="0" u="none" strike="noStrike" cap="none">
+                <a:solidFill>
+                  <a:schemeClr val="lt1"/>
+                </a:solidFill>
+                <a:latin typeface="Chivo"/>
+                <a:ea typeface="Chivo"/>
+                <a:cs typeface="Chivo"/>
+                <a:sym typeface="Chivo"/>
+              </a:defRPr>
+            </a:lvl7pPr>
+            <a:lvl8pPr marL="3657600" marR="0" lvl="7" indent="-317500" algn="l" rtl="0">
+              <a:lnSpc>
+                <a:spcPct val="100000"/>
+              </a:lnSpc>
+              <a:spcBef>
+                <a:spcPts val="0"/>
+              </a:spcBef>
+              <a:spcAft>
+                <a:spcPts val="0"/>
+              </a:spcAft>
+              <a:buClr>
+                <a:schemeClr val="lt1"/>
+              </a:buClr>
+              <a:buSzPts val="1400"/>
+              <a:buFont typeface="Chivo"/>
+              <a:buChar char="○"/>
+              <a:defRPr sz="1600" b="0" i="0" u="none" strike="noStrike" cap="none">
+                <a:solidFill>
+                  <a:schemeClr val="lt1"/>
+                </a:solidFill>
+                <a:latin typeface="Chivo"/>
+                <a:ea typeface="Chivo"/>
+                <a:cs typeface="Chivo"/>
+                <a:sym typeface="Chivo"/>
+              </a:defRPr>
+            </a:lvl8pPr>
+            <a:lvl9pPr marL="4114800" marR="0" lvl="8" indent="-317500" algn="l" rtl="0">
+              <a:lnSpc>
+                <a:spcPct val="100000"/>
+              </a:lnSpc>
+              <a:spcBef>
+                <a:spcPts val="0"/>
+              </a:spcBef>
+              <a:spcAft>
+                <a:spcPts val="0"/>
+              </a:spcAft>
+              <a:buClr>
+                <a:schemeClr val="lt1"/>
+              </a:buClr>
+              <a:buSzPts val="1400"/>
+              <a:buFont typeface="Chivo"/>
+              <a:buChar char="■"/>
+              <a:defRPr sz="1600" b="0" i="0" u="none" strike="noStrike" cap="none">
+                <a:solidFill>
+                  <a:schemeClr val="lt1"/>
+                </a:solidFill>
+                <a:latin typeface="Chivo"/>
+                <a:ea typeface="Chivo"/>
+                <a:cs typeface="Chivo"/>
+                <a:sym typeface="Chivo"/>
+              </a:defRPr>
+            </a:lvl9pPr>
+          </a:lstStyle>
+          <a:p>
+            <a:pPr marL="285750" indent="-285750">
+              <a:buFont typeface="Arial" panose="020B0604020202020204" pitchFamily="34" charset="0"/>
+              <a:buChar char="•"/>
+            </a:pPr>
+            <a:r>
+              <a:rPr lang="en-US" sz="2800" dirty="0"/>
+              <a:t>Complex</a:t>
+            </a:r>
+          </a:p>
+          <a:p>
+            <a:pPr marL="285750" indent="-285750">
+              <a:buFont typeface="Arial" panose="020B0604020202020204" pitchFamily="34" charset="0"/>
+              <a:buChar char="•"/>
+            </a:pPr>
+            <a:r>
+              <a:rPr lang="en-US" sz="2800" dirty="0"/>
+              <a:t>Able to be throttled</a:t>
+            </a:r>
+          </a:p>
+          <a:p>
+            <a:pPr marL="285750" indent="-285750">
+              <a:buFont typeface="Arial" panose="020B0604020202020204" pitchFamily="34" charset="0"/>
+              <a:buChar char="•"/>
+            </a:pPr>
+            <a:r>
+              <a:rPr lang="en-US" sz="2800" dirty="0"/>
+              <a:t>Hard to store</a:t>
+            </a:r>
+          </a:p>
+          <a:p>
+            <a:pPr marL="285750" indent="-285750">
+              <a:buFont typeface="Arial" panose="020B0604020202020204" pitchFamily="34" charset="0"/>
+              <a:buChar char="•"/>
+            </a:pPr>
+            <a:r>
+              <a:rPr lang="en-US" sz="2800" dirty="0"/>
+              <a:t>Higher thrust compared to solid fuel</a:t>
+            </a:r>
+          </a:p>
+        </p:txBody>
+      </p:sp>
     </p:spTree>
     <p:extLst>
       <p:ext uri="{BB962C8B-B14F-4D97-AF65-F5344CB8AC3E}">
@@ -26655,6 +27020,232 @@
   <p:clrMapOvr>
     <a:masterClrMapping/>
   </p:clrMapOvr>
+  <p:timing>
+    <p:tnLst>
+      <p:par>
+        <p:cTn id="1" dur="indefinite" restart="never" nodeType="tmRoot">
+          <p:childTnLst>
+            <p:seq concurrent="1" nextAc="seek">
+              <p:cTn id="2" dur="indefinite" nodeType="mainSeq">
+                <p:childTnLst>
+                  <p:par>
+                    <p:cTn id="3" fill="hold">
+                      <p:stCondLst>
+                        <p:cond delay="indefinite"/>
+                      </p:stCondLst>
+                      <p:childTnLst>
+                        <p:par>
+                          <p:cTn id="4" fill="hold">
+                            <p:stCondLst>
+                              <p:cond delay="0"/>
+                            </p:stCondLst>
+                            <p:childTnLst>
+                              <p:par>
+                                <p:cTn id="5" presetID="1" presetClass="entr" presetSubtype="0" fill="hold" nodeType="clickEffect">
+                                  <p:stCondLst>
+                                    <p:cond delay="0"/>
+                                  </p:stCondLst>
+                                  <p:childTnLst>
+                                    <p:set>
+                                      <p:cBhvr>
+                                        <p:cTn id="6" dur="1" fill="hold">
+                                          <p:stCondLst>
+                                            <p:cond delay="0"/>
+                                          </p:stCondLst>
+                                        </p:cTn>
+                                        <p:tgtEl>
+                                          <p:spTgt spid="5">
+                                            <p:txEl>
+                                              <p:pRg st="0" end="0"/>
+                                            </p:txEl>
+                                          </p:spTgt>
+                                        </p:tgtEl>
+                                        <p:attrNameLst>
+                                          <p:attrName>style.visibility</p:attrName>
+                                        </p:attrNameLst>
+                                      </p:cBhvr>
+                                      <p:to>
+                                        <p:strVal val="visible"/>
+                                      </p:to>
+                                    </p:set>
+                                  </p:childTnLst>
+                                </p:cTn>
+                              </p:par>
+                            </p:childTnLst>
+                          </p:cTn>
+                        </p:par>
+                      </p:childTnLst>
+                    </p:cTn>
+                  </p:par>
+                  <p:par>
+                    <p:cTn id="7" fill="hold">
+                      <p:stCondLst>
+                        <p:cond delay="indefinite"/>
+                      </p:stCondLst>
+                      <p:childTnLst>
+                        <p:par>
+                          <p:cTn id="8" fill="hold">
+                            <p:stCondLst>
+                              <p:cond delay="0"/>
+                            </p:stCondLst>
+                            <p:childTnLst>
+                              <p:par>
+                                <p:cTn id="9" presetID="1" presetClass="entr" presetSubtype="0" fill="hold" nodeType="clickEffect">
+                                  <p:stCondLst>
+                                    <p:cond delay="0"/>
+                                  </p:stCondLst>
+                                  <p:childTnLst>
+                                    <p:set>
+                                      <p:cBhvr>
+                                        <p:cTn id="10" dur="1" fill="hold">
+                                          <p:stCondLst>
+                                            <p:cond delay="0"/>
+                                          </p:stCondLst>
+                                        </p:cTn>
+                                        <p:tgtEl>
+                                          <p:spTgt spid="5">
+                                            <p:txEl>
+                                              <p:pRg st="1" end="1"/>
+                                            </p:txEl>
+                                          </p:spTgt>
+                                        </p:tgtEl>
+                                        <p:attrNameLst>
+                                          <p:attrName>style.visibility</p:attrName>
+                                        </p:attrNameLst>
+                                      </p:cBhvr>
+                                      <p:to>
+                                        <p:strVal val="visible"/>
+                                      </p:to>
+                                    </p:set>
+                                  </p:childTnLst>
+                                </p:cTn>
+                              </p:par>
+                            </p:childTnLst>
+                          </p:cTn>
+                        </p:par>
+                      </p:childTnLst>
+                    </p:cTn>
+                  </p:par>
+                  <p:par>
+                    <p:cTn id="11" fill="hold">
+                      <p:stCondLst>
+                        <p:cond delay="indefinite"/>
+                      </p:stCondLst>
+                      <p:childTnLst>
+                        <p:par>
+                          <p:cTn id="12" fill="hold">
+                            <p:stCondLst>
+                              <p:cond delay="0"/>
+                            </p:stCondLst>
+                            <p:childTnLst>
+                              <p:par>
+                                <p:cTn id="13" presetID="1" presetClass="entr" presetSubtype="0" fill="hold" nodeType="clickEffect">
+                                  <p:stCondLst>
+                                    <p:cond delay="0"/>
+                                  </p:stCondLst>
+                                  <p:childTnLst>
+                                    <p:set>
+                                      <p:cBhvr>
+                                        <p:cTn id="14" dur="1" fill="hold">
+                                          <p:stCondLst>
+                                            <p:cond delay="0"/>
+                                          </p:stCondLst>
+                                        </p:cTn>
+                                        <p:tgtEl>
+                                          <p:spTgt spid="5">
+                                            <p:txEl>
+                                              <p:pRg st="2" end="2"/>
+                                            </p:txEl>
+                                          </p:spTgt>
+                                        </p:tgtEl>
+                                        <p:attrNameLst>
+                                          <p:attrName>style.visibility</p:attrName>
+                                        </p:attrNameLst>
+                                      </p:cBhvr>
+                                      <p:to>
+                                        <p:strVal val="visible"/>
+                                      </p:to>
+                                    </p:set>
+                                  </p:childTnLst>
+                                </p:cTn>
+                              </p:par>
+                            </p:childTnLst>
+                          </p:cTn>
+                        </p:par>
+                      </p:childTnLst>
+                    </p:cTn>
+                  </p:par>
+                  <p:par>
+                    <p:cTn id="15" fill="hold">
+                      <p:stCondLst>
+                        <p:cond delay="indefinite"/>
+                      </p:stCondLst>
+                      <p:childTnLst>
+                        <p:par>
+                          <p:cTn id="16" fill="hold">
+                            <p:stCondLst>
+                              <p:cond delay="0"/>
+                            </p:stCondLst>
+                            <p:childTnLst>
+                              <p:par>
+                                <p:cTn id="17" presetID="1" presetClass="entr" presetSubtype="0" fill="hold" nodeType="clickEffect">
+                                  <p:stCondLst>
+                                    <p:cond delay="0"/>
+                                  </p:stCondLst>
+                                  <p:childTnLst>
+                                    <p:set>
+                                      <p:cBhvr>
+                                        <p:cTn id="18" dur="1" fill="hold">
+                                          <p:stCondLst>
+                                            <p:cond delay="0"/>
+                                          </p:stCondLst>
+                                        </p:cTn>
+                                        <p:tgtEl>
+                                          <p:spTgt spid="5">
+                                            <p:txEl>
+                                              <p:pRg st="3" end="3"/>
+                                            </p:txEl>
+                                          </p:spTgt>
+                                        </p:tgtEl>
+                                        <p:attrNameLst>
+                                          <p:attrName>style.visibility</p:attrName>
+                                        </p:attrNameLst>
+                                      </p:cBhvr>
+                                      <p:to>
+                                        <p:strVal val="visible"/>
+                                      </p:to>
+                                    </p:set>
+                                  </p:childTnLst>
+                                </p:cTn>
+                              </p:par>
+                            </p:childTnLst>
+                          </p:cTn>
+                        </p:par>
+                      </p:childTnLst>
+                    </p:cTn>
+                  </p:par>
+                </p:childTnLst>
+              </p:cTn>
+              <p:prevCondLst>
+                <p:cond evt="onPrev" delay="0">
+                  <p:tgtEl>
+                    <p:sldTgt/>
+                  </p:tgtEl>
+                </p:cond>
+              </p:prevCondLst>
+              <p:nextCondLst>
+                <p:cond evt="onNext" delay="0">
+                  <p:tgtEl>
+                    <p:sldTgt/>
+                  </p:tgtEl>
+                </p:cond>
+              </p:nextCondLst>
+            </p:seq>
+          </p:childTnLst>
+        </p:cTn>
+      </p:par>
+    </p:tnLst>
+  </p:timing>
 </p:sld>
 </file>
 
@@ -28076,179 +28667,6 @@
     <p:extLst>
       <p:ext uri="{BB962C8B-B14F-4D97-AF65-F5344CB8AC3E}">
         <p14:creationId xmlns:p14="http://schemas.microsoft.com/office/powerpoint/2010/main" val="3924689555"/>
-      </p:ext>
-    </p:extLst>
-  </p:cSld>
-  <p:clrMapOvr>
-    <a:masterClrMapping/>
-  </p:clrMapOvr>
-</p:sld>
-</file>
-
-<file path=ppt/slides/slide9.xml><?xml version="1.0" encoding="utf-8"?>
-<p:sld xmlns:a="http://schemas.openxmlformats.org/drawingml/2006/main" xmlns:r="http://schemas.openxmlformats.org/officeDocument/2006/relationships" xmlns:p="http://schemas.openxmlformats.org/presentationml/2006/main">
-  <p:cSld>
-    <p:spTree>
-      <p:nvGrpSpPr>
-        <p:cNvPr id="1" name="Shape 1224"/>
-        <p:cNvGrpSpPr/>
-        <p:nvPr/>
-      </p:nvGrpSpPr>
-      <p:grpSpPr>
-        <a:xfrm>
-          <a:off x="0" y="0"/>
-          <a:ext cx="0" cy="0"/>
-          <a:chOff x="0" y="0"/>
-          <a:chExt cx="0" cy="0"/>
-        </a:xfrm>
-      </p:grpSpPr>
-      <p:sp>
-        <p:nvSpPr>
-          <p:cNvPr id="1226" name="Google Shape;1226;p47"/>
-          <p:cNvSpPr txBox="1">
-            <a:spLocks noGrp="1"/>
-          </p:cNvSpPr>
-          <p:nvPr>
-            <p:ph type="title"/>
-          </p:nvPr>
-        </p:nvSpPr>
-        <p:spPr>
-          <a:xfrm>
-            <a:off x="720000" y="387600"/>
-            <a:ext cx="7704000" cy="592200"/>
-          </a:xfrm>
-          <a:prstGeom prst="rect">
-            <a:avLst/>
-          </a:prstGeom>
-        </p:spPr>
-        <p:txBody>
-          <a:bodyPr spcFirstLastPara="1" wrap="square" lIns="91425" tIns="91425" rIns="91425" bIns="91425" anchor="t" anchorCtr="0">
-            <a:noAutofit/>
-          </a:bodyPr>
-          <a:lstStyle/>
-          <a:p>
-            <a:pPr marL="0" lvl="0" indent="0" algn="l" rtl="0">
-              <a:spcBef>
-                <a:spcPts val="0"/>
-              </a:spcBef>
-              <a:spcAft>
-                <a:spcPts val="0"/>
-              </a:spcAft>
-              <a:buNone/>
-            </a:pPr>
-            <a:r>
-              <a:rPr lang="en" dirty="0"/>
-              <a:t>Hybrid Propulsion</a:t>
-            </a:r>
-            <a:endParaRPr dirty="0"/>
-          </a:p>
-        </p:txBody>
-      </p:sp>
-      <p:sp>
-        <p:nvSpPr>
-          <p:cNvPr id="1236" name="Google Shape;1236;p47"/>
-          <p:cNvSpPr/>
-          <p:nvPr/>
-        </p:nvSpPr>
-        <p:spPr>
-          <a:xfrm>
-            <a:off x="825075" y="1021550"/>
-            <a:ext cx="3180300" cy="78600"/>
-          </a:xfrm>
-          <a:prstGeom prst="roundRect">
-            <a:avLst>
-              <a:gd name="adj" fmla="val 50000"/>
-            </a:avLst>
-          </a:prstGeom>
-          <a:gradFill>
-            <a:gsLst>
-              <a:gs pos="0">
-                <a:srgbClr val="FFFFFF">
-                  <a:alpha val="0"/>
-                </a:srgbClr>
-              </a:gs>
-              <a:gs pos="100000">
-                <a:srgbClr val="FFFFFF">
-                  <a:alpha val="56078"/>
-                </a:srgbClr>
-              </a:gs>
-            </a:gsLst>
-            <a:lin ang="0" scaled="0"/>
-          </a:gradFill>
-          <a:ln>
-            <a:noFill/>
-          </a:ln>
-        </p:spPr>
-        <p:txBody>
-          <a:bodyPr spcFirstLastPara="1" wrap="square" lIns="91425" tIns="91425" rIns="91425" bIns="91425" anchor="ctr" anchorCtr="0">
-            <a:noAutofit/>
-          </a:bodyPr>
-          <a:lstStyle/>
-          <a:p>
-            <a:pPr marL="0" lvl="0" indent="0" algn="l" rtl="0">
-              <a:spcBef>
-                <a:spcPts val="0"/>
-              </a:spcBef>
-              <a:spcAft>
-                <a:spcPts val="0"/>
-              </a:spcAft>
-              <a:buNone/>
-            </a:pPr>
-            <a:endParaRPr/>
-          </a:p>
-        </p:txBody>
-      </p:sp>
-      <p:pic>
-        <p:nvPicPr>
-          <p:cNvPr id="4098" name="Picture 2" descr="Hybrid Rocket Propulsion - AERO NOTES...">
-            <a:extLst>
-              <a:ext uri="{FF2B5EF4-FFF2-40B4-BE49-F238E27FC236}">
-                <a16:creationId xmlns:a16="http://schemas.microsoft.com/office/drawing/2014/main" id="{8001359A-16B0-841C-146A-D327D3D94848}"/>
-              </a:ext>
-            </a:extLst>
-          </p:cNvPr>
-          <p:cNvPicPr>
-            <a:picLocks noChangeAspect="1" noChangeArrowheads="1"/>
-          </p:cNvPicPr>
-          <p:nvPr/>
-        </p:nvPicPr>
-        <p:blipFill>
-          <a:blip r:embed="rId3">
-            <a:extLst>
-              <a:ext uri="{28A0092B-C50C-407E-A947-70E740481C1C}">
-                <a14:useLocalDpi xmlns:a14="http://schemas.microsoft.com/office/drawing/2010/main" val="0"/>
-              </a:ext>
-            </a:extLst>
-          </a:blip>
-          <a:srcRect/>
-          <a:stretch>
-            <a:fillRect/>
-          </a:stretch>
-        </p:blipFill>
-        <p:spPr bwMode="auto">
-          <a:xfrm>
-            <a:off x="720000" y="1331336"/>
-            <a:ext cx="7600950" cy="1552575"/>
-          </a:xfrm>
-          <a:prstGeom prst="rect">
-            <a:avLst/>
-          </a:prstGeom>
-          <a:noFill/>
-          <a:extLst>
-            <a:ext uri="{909E8E84-426E-40DD-AFC4-6F175D3DCCD1}">
-              <a14:hiddenFill xmlns:a14="http://schemas.microsoft.com/office/drawing/2010/main">
-                <a:solidFill>
-                  <a:srgbClr val="FFFFFF"/>
-                </a:solidFill>
-              </a14:hiddenFill>
-            </a:ext>
-          </a:extLst>
-        </p:spPr>
-      </p:pic>
-    </p:spTree>
-    <p:extLst>
-      <p:ext uri="{BB962C8B-B14F-4D97-AF65-F5344CB8AC3E}">
-        <p14:creationId xmlns:p14="http://schemas.microsoft.com/office/powerpoint/2010/main" val="4133145296"/>
       </p:ext>
     </p:extLst>
   </p:cSld>

--- a/Beginner/Day 3/Rocket Motors.pptx
+++ b/Beginner/Day 3/Rocket Motors.pptx
@@ -27671,7 +27671,7 @@
             </a:pPr>
             <a:r>
               <a:rPr lang="en-US" sz="2000" dirty="0"/>
-              <a:t>Alcohol + Oxygen</a:t>
+              <a:t>Alcohol + oxygen</a:t>
             </a:r>
           </a:p>
           <a:p>
